--- a/aNN_presentation.pptx
+++ b/aNN_presentation.pptx
@@ -10,23 +10,32 @@
     <p:sldId id="258" r:id="rId4"/>
     <p:sldId id="259" r:id="rId5"/>
     <p:sldId id="260" r:id="rId6"/>
-    <p:sldId id="261" r:id="rId7"/>
-    <p:sldId id="262" r:id="rId8"/>
-    <p:sldId id="273" r:id="rId9"/>
-    <p:sldId id="263" r:id="rId10"/>
-    <p:sldId id="264" r:id="rId11"/>
-    <p:sldId id="276" r:id="rId12"/>
-    <p:sldId id="277" r:id="rId13"/>
-    <p:sldId id="274" r:id="rId14"/>
-    <p:sldId id="275" r:id="rId15"/>
-    <p:sldId id="265" r:id="rId16"/>
-    <p:sldId id="266" r:id="rId17"/>
-    <p:sldId id="267" r:id="rId18"/>
-    <p:sldId id="268" r:id="rId19"/>
-    <p:sldId id="269" r:id="rId20"/>
-    <p:sldId id="270" r:id="rId21"/>
-    <p:sldId id="271" r:id="rId22"/>
-    <p:sldId id="272" r:id="rId23"/>
+    <p:sldId id="278" r:id="rId7"/>
+    <p:sldId id="283" r:id="rId8"/>
+    <p:sldId id="266" r:id="rId9"/>
+    <p:sldId id="267" r:id="rId10"/>
+    <p:sldId id="261" r:id="rId11"/>
+    <p:sldId id="262" r:id="rId12"/>
+    <p:sldId id="273" r:id="rId13"/>
+    <p:sldId id="284" r:id="rId14"/>
+    <p:sldId id="280" r:id="rId15"/>
+    <p:sldId id="263" r:id="rId16"/>
+    <p:sldId id="285" r:id="rId17"/>
+    <p:sldId id="281" r:id="rId18"/>
+    <p:sldId id="264" r:id="rId19"/>
+    <p:sldId id="279" r:id="rId20"/>
+    <p:sldId id="276" r:id="rId21"/>
+    <p:sldId id="277" r:id="rId22"/>
+    <p:sldId id="274" r:id="rId23"/>
+    <p:sldId id="286" r:id="rId24"/>
+    <p:sldId id="275" r:id="rId25"/>
+    <p:sldId id="265" r:id="rId26"/>
+    <p:sldId id="282" r:id="rId27"/>
+    <p:sldId id="268" r:id="rId28"/>
+    <p:sldId id="269" r:id="rId29"/>
+    <p:sldId id="270" r:id="rId30"/>
+    <p:sldId id="271" r:id="rId31"/>
+    <p:sldId id="272" r:id="rId32"/>
   </p:sldIdLst>
   <p:sldSz cx="9144000" cy="6858000" type="screen4x3"/>
   <p:notesSz cx="6858000" cy="9144000"/>
@@ -3222,7 +3231,7 @@
           <a:p>
             <a:r>
               <a:rPr lang="en-US" dirty="0" smtClean="0"/>
-              <a:t>Architecture to &lt;code/&gt;</a:t>
+              <a:t>Single Neuron</a:t>
             </a:r>
             <a:endParaRPr lang="en-US" dirty="0"/>
           </a:p>
@@ -3230,7 +3239,7 @@
       </p:sp>
       <p:pic>
         <p:nvPicPr>
-          <p:cNvPr id="5" name="Picture 4"/>
+          <p:cNvPr id="4" name="Picture 3"/>
           <p:cNvPicPr>
             <a:picLocks noChangeAspect="1"/>
           </p:cNvPicPr>
@@ -3244,8 +3253,8 @@
         </p:blipFill>
         <p:spPr>
           <a:xfrm>
-            <a:off x="2620609" y="1417638"/>
-            <a:ext cx="3826413" cy="2646977"/>
+            <a:off x="2195174" y="4243802"/>
+            <a:ext cx="4526065" cy="2127522"/>
           </a:xfrm>
           <a:prstGeom prst="rect">
             <a:avLst/>
@@ -3254,7 +3263,7 @@
       </p:pic>
       <p:pic>
         <p:nvPicPr>
-          <p:cNvPr id="7" name="Picture 6"/>
+          <p:cNvPr id="5" name="Picture 4"/>
           <p:cNvPicPr>
             <a:picLocks noChangeAspect="1"/>
           </p:cNvPicPr>
@@ -3268,777 +3277,18 @@
         </p:blipFill>
         <p:spPr>
           <a:xfrm>
-            <a:off x="790972" y="4846408"/>
-            <a:ext cx="1919632" cy="1279755"/>
+            <a:off x="2427681" y="1568050"/>
+            <a:ext cx="4051495" cy="2542715"/>
           </a:xfrm>
           <a:prstGeom prst="rect">
             <a:avLst/>
           </a:prstGeom>
         </p:spPr>
       </p:pic>
-      <p:sp>
-        <p:nvSpPr>
-          <p:cNvPr id="8" name="TextBox 7"/>
-          <p:cNvSpPr txBox="1"/>
-          <p:nvPr/>
-        </p:nvSpPr>
-        <p:spPr>
-          <a:xfrm>
-            <a:off x="1286188" y="5224377"/>
-            <a:ext cx="1334421" cy="523220"/>
-          </a:xfrm>
-          <a:prstGeom prst="rect">
-            <a:avLst/>
-          </a:prstGeom>
-          <a:noFill/>
-        </p:spPr>
-        <p:txBody>
-          <a:bodyPr wrap="square" rtlCol="0">
-            <a:spAutoFit/>
-          </a:bodyPr>
-          <a:lstStyle/>
-          <a:p>
-            <a:r>
-              <a:rPr lang="en-US" sz="2800" dirty="0" smtClean="0"/>
-              <a:t>Data</a:t>
-            </a:r>
-            <a:endParaRPr lang="en-US" sz="2800" dirty="0"/>
-          </a:p>
-        </p:txBody>
-      </p:sp>
-      <p:sp>
-        <p:nvSpPr>
-          <p:cNvPr id="10" name="Rectangle 9"/>
-          <p:cNvSpPr/>
-          <p:nvPr/>
-        </p:nvSpPr>
-        <p:spPr>
-          <a:xfrm>
-            <a:off x="790972" y="4846408"/>
-            <a:ext cx="1919632" cy="45719"/>
-          </a:xfrm>
-          <a:prstGeom prst="rect">
-            <a:avLst/>
-          </a:prstGeom>
-        </p:spPr>
-        <p:style>
-          <a:lnRef idx="1">
-            <a:schemeClr val="accent1"/>
-          </a:lnRef>
-          <a:fillRef idx="3">
-            <a:schemeClr val="accent1"/>
-          </a:fillRef>
-          <a:effectRef idx="2">
-            <a:schemeClr val="accent1"/>
-          </a:effectRef>
-          <a:fontRef idx="minor">
-            <a:schemeClr val="lt1"/>
-          </a:fontRef>
-        </p:style>
-        <p:txBody>
-          <a:bodyPr rtlCol="0" anchor="ctr"/>
-          <a:lstStyle/>
-          <a:p>
-            <a:pPr algn="ctr"/>
-            <a:endParaRPr lang="en-US" dirty="0"/>
-          </a:p>
-        </p:txBody>
-      </p:sp>
-      <p:sp>
-        <p:nvSpPr>
-          <p:cNvPr id="11" name="TextBox 10"/>
-          <p:cNvSpPr txBox="1"/>
-          <p:nvPr/>
-        </p:nvSpPr>
-        <p:spPr>
-          <a:xfrm>
-            <a:off x="1286188" y="4501002"/>
-            <a:ext cx="774571" cy="369332"/>
-          </a:xfrm>
-          <a:prstGeom prst="rect">
-            <a:avLst/>
-          </a:prstGeom>
-          <a:noFill/>
-        </p:spPr>
-        <p:txBody>
-          <a:bodyPr wrap="none" rtlCol="0">
-            <a:spAutoFit/>
-          </a:bodyPr>
-          <a:lstStyle/>
-          <a:p>
-            <a:r>
-              <a:rPr lang="en-US" dirty="0" smtClean="0"/>
-              <a:t>Inputs</a:t>
-            </a:r>
-            <a:endParaRPr lang="en-US" dirty="0"/>
-          </a:p>
-        </p:txBody>
-      </p:sp>
-      <p:sp>
-        <p:nvSpPr>
-          <p:cNvPr id="12" name="TextBox 11"/>
-          <p:cNvSpPr txBox="1"/>
-          <p:nvPr/>
-        </p:nvSpPr>
-        <p:spPr>
-          <a:xfrm rot="16200000">
-            <a:off x="-78648" y="5362190"/>
-            <a:ext cx="1071703" cy="369332"/>
-          </a:xfrm>
-          <a:prstGeom prst="rect">
-            <a:avLst/>
-          </a:prstGeom>
-          <a:noFill/>
-        </p:spPr>
-        <p:txBody>
-          <a:bodyPr wrap="none" rtlCol="0">
-            <a:spAutoFit/>
-          </a:bodyPr>
-          <a:lstStyle/>
-          <a:p>
-            <a:r>
-              <a:rPr lang="en-US" dirty="0" smtClean="0"/>
-              <a:t>Examples</a:t>
-            </a:r>
-            <a:endParaRPr lang="en-US" dirty="0"/>
-          </a:p>
-        </p:txBody>
-      </p:sp>
-      <p:sp>
-        <p:nvSpPr>
-          <p:cNvPr id="14" name="Bent-Up Arrow 13"/>
-          <p:cNvSpPr/>
-          <p:nvPr/>
-        </p:nvSpPr>
-        <p:spPr>
-          <a:xfrm rot="10800000">
-            <a:off x="1453431" y="2636301"/>
-            <a:ext cx="1167178" cy="1864700"/>
-          </a:xfrm>
-          <a:prstGeom prst="bentUpArrow">
-            <a:avLst/>
-          </a:prstGeom>
-        </p:spPr>
-        <p:style>
-          <a:lnRef idx="1">
-            <a:schemeClr val="accent1"/>
-          </a:lnRef>
-          <a:fillRef idx="3">
-            <a:schemeClr val="accent1"/>
-          </a:fillRef>
-          <a:effectRef idx="2">
-            <a:schemeClr val="accent1"/>
-          </a:effectRef>
-          <a:fontRef idx="minor">
-            <a:schemeClr val="lt1"/>
-          </a:fontRef>
-        </p:style>
-        <p:txBody>
-          <a:bodyPr rtlCol="0" anchor="ctr"/>
-          <a:lstStyle/>
-          <a:p>
-            <a:pPr algn="ctr"/>
-            <a:endParaRPr lang="en-US" dirty="0"/>
-          </a:p>
-        </p:txBody>
-      </p:sp>
-      <p:pic>
-        <p:nvPicPr>
-          <p:cNvPr id="15" name="Picture 14"/>
-          <p:cNvPicPr>
-            <a:picLocks noChangeAspect="1"/>
-          </p:cNvPicPr>
-          <p:nvPr/>
-        </p:nvPicPr>
-        <p:blipFill>
-          <a:blip r:embed="rId3"/>
-          <a:stretch>
-            <a:fillRect/>
-          </a:stretch>
-        </p:blipFill>
-        <p:spPr>
-          <a:xfrm>
-            <a:off x="3692608" y="4822109"/>
-            <a:ext cx="1919632" cy="1279755"/>
-          </a:xfrm>
-          <a:prstGeom prst="rect">
-            <a:avLst/>
-          </a:prstGeom>
-        </p:spPr>
-      </p:pic>
-      <p:sp>
-        <p:nvSpPr>
-          <p:cNvPr id="16" name="TextBox 15"/>
-          <p:cNvSpPr txBox="1"/>
-          <p:nvPr/>
-        </p:nvSpPr>
-        <p:spPr>
-          <a:xfrm>
-            <a:off x="4027051" y="5011004"/>
-            <a:ext cx="1585189" cy="954107"/>
-          </a:xfrm>
-          <a:prstGeom prst="rect">
-            <a:avLst/>
-          </a:prstGeom>
-          <a:noFill/>
-        </p:spPr>
-        <p:txBody>
-          <a:bodyPr wrap="square" rtlCol="0">
-            <a:spAutoFit/>
-          </a:bodyPr>
-          <a:lstStyle/>
-          <a:p>
-            <a:r>
-              <a:rPr lang="en-US" sz="2800" dirty="0" smtClean="0"/>
-              <a:t>Hidden</a:t>
-            </a:r>
-          </a:p>
-          <a:p>
-            <a:r>
-              <a:rPr lang="en-US" sz="2800" dirty="0" smtClean="0"/>
-              <a:t>Weights</a:t>
-            </a:r>
-          </a:p>
-        </p:txBody>
-      </p:sp>
-      <p:sp>
-        <p:nvSpPr>
-          <p:cNvPr id="17" name="Rectangle 16"/>
-          <p:cNvSpPr/>
-          <p:nvPr/>
-        </p:nvSpPr>
-        <p:spPr>
-          <a:xfrm>
-            <a:off x="3692608" y="4822109"/>
-            <a:ext cx="45719" cy="1279755"/>
-          </a:xfrm>
-          <a:prstGeom prst="rect">
-            <a:avLst/>
-          </a:prstGeom>
-          <a:solidFill>
-            <a:schemeClr val="accent6">
-              <a:lumMod val="75000"/>
-            </a:schemeClr>
-          </a:solidFill>
-        </p:spPr>
-        <p:style>
-          <a:lnRef idx="1">
-            <a:schemeClr val="accent1"/>
-          </a:lnRef>
-          <a:fillRef idx="3">
-            <a:schemeClr val="accent1"/>
-          </a:fillRef>
-          <a:effectRef idx="2">
-            <a:schemeClr val="accent1"/>
-          </a:effectRef>
-          <a:fontRef idx="minor">
-            <a:schemeClr val="lt1"/>
-          </a:fontRef>
-        </p:style>
-        <p:txBody>
-          <a:bodyPr rtlCol="0" anchor="ctr"/>
-          <a:lstStyle/>
-          <a:p>
-            <a:pPr algn="ctr"/>
-            <a:endParaRPr lang="en-US" dirty="0"/>
-          </a:p>
-        </p:txBody>
-      </p:sp>
-      <p:sp>
-        <p:nvSpPr>
-          <p:cNvPr id="18" name="TextBox 17"/>
-          <p:cNvSpPr txBox="1"/>
-          <p:nvPr/>
-        </p:nvSpPr>
-        <p:spPr>
-          <a:xfrm rot="16200000">
-            <a:off x="2971552" y="5337891"/>
-            <a:ext cx="774571" cy="369332"/>
-          </a:xfrm>
-          <a:prstGeom prst="rect">
-            <a:avLst/>
-          </a:prstGeom>
-          <a:noFill/>
-        </p:spPr>
-        <p:txBody>
-          <a:bodyPr wrap="none" rtlCol="0">
-            <a:spAutoFit/>
-          </a:bodyPr>
-          <a:lstStyle/>
-          <a:p>
-            <a:r>
-              <a:rPr lang="en-US" dirty="0" smtClean="0"/>
-              <a:t>Inputs</a:t>
-            </a:r>
-            <a:endParaRPr lang="en-US" dirty="0"/>
-          </a:p>
-        </p:txBody>
-      </p:sp>
-      <p:sp>
-        <p:nvSpPr>
-          <p:cNvPr id="19" name="TextBox 18"/>
-          <p:cNvSpPr txBox="1"/>
-          <p:nvPr/>
-        </p:nvSpPr>
-        <p:spPr>
-          <a:xfrm>
-            <a:off x="4027051" y="4420511"/>
-            <a:ext cx="983563" cy="369332"/>
-          </a:xfrm>
-          <a:prstGeom prst="rect">
-            <a:avLst/>
-          </a:prstGeom>
-          <a:noFill/>
-        </p:spPr>
-        <p:txBody>
-          <a:bodyPr wrap="none" rtlCol="0">
-            <a:spAutoFit/>
-          </a:bodyPr>
-          <a:lstStyle/>
-          <a:p>
-            <a:r>
-              <a:rPr lang="en-US" dirty="0" smtClean="0"/>
-              <a:t>Neurons</a:t>
-            </a:r>
-            <a:endParaRPr lang="en-US" dirty="0"/>
-          </a:p>
-        </p:txBody>
-      </p:sp>
-      <p:cxnSp>
-        <p:nvCxnSpPr>
-          <p:cNvPr id="22" name="Straight Arrow Connector 21"/>
-          <p:cNvCxnSpPr/>
-          <p:nvPr/>
-        </p:nvCxnSpPr>
-        <p:spPr>
-          <a:xfrm flipV="1">
-            <a:off x="3360169" y="1736101"/>
-            <a:ext cx="819945" cy="1736101"/>
-          </a:xfrm>
-          <a:prstGeom prst="straightConnector1">
-            <a:avLst/>
-          </a:prstGeom>
-          <a:ln>
-            <a:solidFill>
-              <a:schemeClr val="accent6">
-                <a:lumMod val="75000"/>
-              </a:schemeClr>
-            </a:solidFill>
-            <a:tailEnd type="arrow"/>
-          </a:ln>
-        </p:spPr>
-        <p:style>
-          <a:lnRef idx="2">
-            <a:schemeClr val="accent1"/>
-          </a:lnRef>
-          <a:fillRef idx="0">
-            <a:schemeClr val="accent1"/>
-          </a:fillRef>
-          <a:effectRef idx="1">
-            <a:schemeClr val="accent1"/>
-          </a:effectRef>
-          <a:fontRef idx="minor">
-            <a:schemeClr val="tx1"/>
-          </a:fontRef>
-        </p:style>
-      </p:cxnSp>
-      <p:cxnSp>
-        <p:nvCxnSpPr>
-          <p:cNvPr id="24" name="Straight Arrow Connector 23"/>
-          <p:cNvCxnSpPr/>
-          <p:nvPr/>
-        </p:nvCxnSpPr>
-        <p:spPr>
-          <a:xfrm flipV="1">
-            <a:off x="3360169" y="1736101"/>
-            <a:ext cx="819945" cy="1157400"/>
-          </a:xfrm>
-          <a:prstGeom prst="straightConnector1">
-            <a:avLst/>
-          </a:prstGeom>
-          <a:ln>
-            <a:solidFill>
-              <a:schemeClr val="accent6">
-                <a:lumMod val="75000"/>
-              </a:schemeClr>
-            </a:solidFill>
-            <a:tailEnd type="arrow"/>
-          </a:ln>
-        </p:spPr>
-        <p:style>
-          <a:lnRef idx="2">
-            <a:schemeClr val="accent1"/>
-          </a:lnRef>
-          <a:fillRef idx="0">
-            <a:schemeClr val="accent1"/>
-          </a:fillRef>
-          <a:effectRef idx="1">
-            <a:schemeClr val="accent1"/>
-          </a:effectRef>
-          <a:fontRef idx="minor">
-            <a:schemeClr val="tx1"/>
-          </a:fontRef>
-        </p:style>
-      </p:cxnSp>
-      <p:cxnSp>
-        <p:nvCxnSpPr>
-          <p:cNvPr id="26" name="Straight Arrow Connector 25"/>
-          <p:cNvCxnSpPr/>
-          <p:nvPr/>
-        </p:nvCxnSpPr>
-        <p:spPr>
-          <a:xfrm flipV="1">
-            <a:off x="3360169" y="1736101"/>
-            <a:ext cx="819945" cy="562625"/>
-          </a:xfrm>
-          <a:prstGeom prst="straightConnector1">
-            <a:avLst/>
-          </a:prstGeom>
-          <a:ln>
-            <a:solidFill>
-              <a:schemeClr val="accent6">
-                <a:lumMod val="75000"/>
-              </a:schemeClr>
-            </a:solidFill>
-            <a:tailEnd type="arrow"/>
-          </a:ln>
-        </p:spPr>
-        <p:style>
-          <a:lnRef idx="2">
-            <a:schemeClr val="accent1"/>
-          </a:lnRef>
-          <a:fillRef idx="0">
-            <a:schemeClr val="accent1"/>
-          </a:fillRef>
-          <a:effectRef idx="1">
-            <a:schemeClr val="accent1"/>
-          </a:effectRef>
-          <a:fontRef idx="minor">
-            <a:schemeClr val="tx1"/>
-          </a:fontRef>
-        </p:style>
-      </p:cxnSp>
-      <p:cxnSp>
-        <p:nvCxnSpPr>
-          <p:cNvPr id="28" name="Straight Arrow Connector 27"/>
-          <p:cNvCxnSpPr/>
-          <p:nvPr/>
-        </p:nvCxnSpPr>
-        <p:spPr>
-          <a:xfrm>
-            <a:off x="3360169" y="1736101"/>
-            <a:ext cx="819945" cy="0"/>
-          </a:xfrm>
-          <a:prstGeom prst="straightConnector1">
-            <a:avLst/>
-          </a:prstGeom>
-          <a:ln>
-            <a:solidFill>
-              <a:schemeClr val="accent6">
-                <a:lumMod val="75000"/>
-              </a:schemeClr>
-            </a:solidFill>
-            <a:tailEnd type="arrow"/>
-          </a:ln>
-        </p:spPr>
-        <p:style>
-          <a:lnRef idx="2">
-            <a:schemeClr val="accent1"/>
-          </a:lnRef>
-          <a:fillRef idx="0">
-            <a:schemeClr val="accent1"/>
-          </a:fillRef>
-          <a:effectRef idx="1">
-            <a:schemeClr val="accent1"/>
-          </a:effectRef>
-          <a:fontRef idx="minor">
-            <a:schemeClr val="tx1"/>
-          </a:fontRef>
-        </p:style>
-      </p:cxnSp>
-      <p:sp>
-        <p:nvSpPr>
-          <p:cNvPr id="29" name="Down Arrow 28"/>
-          <p:cNvSpPr/>
-          <p:nvPr/>
-        </p:nvSpPr>
-        <p:spPr>
-          <a:xfrm>
-            <a:off x="4187824" y="4064615"/>
-            <a:ext cx="394224" cy="355896"/>
-          </a:xfrm>
-          <a:prstGeom prst="downArrow">
-            <a:avLst/>
-          </a:prstGeom>
-          <a:solidFill>
-            <a:schemeClr val="accent6">
-              <a:lumMod val="75000"/>
-            </a:schemeClr>
-          </a:solidFill>
-        </p:spPr>
-        <p:style>
-          <a:lnRef idx="1">
-            <a:schemeClr val="accent1"/>
-          </a:lnRef>
-          <a:fillRef idx="3">
-            <a:schemeClr val="accent1"/>
-          </a:fillRef>
-          <a:effectRef idx="2">
-            <a:schemeClr val="accent1"/>
-          </a:effectRef>
-          <a:fontRef idx="minor">
-            <a:schemeClr val="lt1"/>
-          </a:fontRef>
-        </p:style>
-        <p:txBody>
-          <a:bodyPr rtlCol="0" anchor="ctr"/>
-          <a:lstStyle/>
-          <a:p>
-            <a:pPr algn="ctr"/>
-            <a:endParaRPr lang="en-US" dirty="0"/>
-          </a:p>
-        </p:txBody>
-      </p:sp>
-      <p:pic>
-        <p:nvPicPr>
-          <p:cNvPr id="34" name="Picture 33"/>
-          <p:cNvPicPr>
-            <a:picLocks noChangeAspect="1"/>
-          </p:cNvPicPr>
-          <p:nvPr/>
-        </p:nvPicPr>
-        <p:blipFill>
-          <a:blip r:embed="rId3"/>
-          <a:stretch>
-            <a:fillRect/>
-          </a:stretch>
-        </p:blipFill>
-        <p:spPr>
-          <a:xfrm>
-            <a:off x="6721117" y="4846408"/>
-            <a:ext cx="1919632" cy="1279755"/>
-          </a:xfrm>
-          <a:prstGeom prst="rect">
-            <a:avLst/>
-          </a:prstGeom>
-        </p:spPr>
-      </p:pic>
-      <p:sp>
-        <p:nvSpPr>
-          <p:cNvPr id="35" name="TextBox 34"/>
-          <p:cNvSpPr txBox="1"/>
-          <p:nvPr/>
-        </p:nvSpPr>
-        <p:spPr>
-          <a:xfrm>
-            <a:off x="7067285" y="5011004"/>
-            <a:ext cx="1690526" cy="954107"/>
-          </a:xfrm>
-          <a:prstGeom prst="rect">
-            <a:avLst/>
-          </a:prstGeom>
-          <a:noFill/>
-        </p:spPr>
-        <p:txBody>
-          <a:bodyPr wrap="square" rtlCol="0">
-            <a:spAutoFit/>
-          </a:bodyPr>
-          <a:lstStyle/>
-          <a:p>
-            <a:r>
-              <a:rPr lang="en-US" sz="2800" dirty="0" smtClean="0"/>
-              <a:t>Output</a:t>
-            </a:r>
-          </a:p>
-          <a:p>
-            <a:r>
-              <a:rPr lang="en-US" sz="2800" dirty="0" smtClean="0"/>
-              <a:t>Weights</a:t>
-            </a:r>
-            <a:endParaRPr lang="en-US" sz="2800" dirty="0"/>
-          </a:p>
-        </p:txBody>
-      </p:sp>
-      <p:sp>
-        <p:nvSpPr>
-          <p:cNvPr id="36" name="Rectangle 35"/>
-          <p:cNvSpPr/>
-          <p:nvPr/>
-        </p:nvSpPr>
-        <p:spPr>
-          <a:xfrm>
-            <a:off x="6721117" y="4846408"/>
-            <a:ext cx="45719" cy="1279755"/>
-          </a:xfrm>
-          <a:prstGeom prst="rect">
-            <a:avLst/>
-          </a:prstGeom>
-          <a:solidFill>
-            <a:schemeClr val="accent6">
-              <a:lumMod val="75000"/>
-            </a:schemeClr>
-          </a:solidFill>
-        </p:spPr>
-        <p:style>
-          <a:lnRef idx="1">
-            <a:schemeClr val="accent1"/>
-          </a:lnRef>
-          <a:fillRef idx="3">
-            <a:schemeClr val="accent1"/>
-          </a:fillRef>
-          <a:effectRef idx="2">
-            <a:schemeClr val="accent1"/>
-          </a:effectRef>
-          <a:fontRef idx="minor">
-            <a:schemeClr val="lt1"/>
-          </a:fontRef>
-        </p:style>
-        <p:txBody>
-          <a:bodyPr rtlCol="0" anchor="ctr"/>
-          <a:lstStyle/>
-          <a:p>
-            <a:pPr algn="ctr"/>
-            <a:endParaRPr lang="en-US" dirty="0"/>
-          </a:p>
-        </p:txBody>
-      </p:sp>
-      <p:sp>
-        <p:nvSpPr>
-          <p:cNvPr id="37" name="TextBox 36"/>
-          <p:cNvSpPr txBox="1"/>
-          <p:nvPr/>
-        </p:nvSpPr>
-        <p:spPr>
-          <a:xfrm rot="16200000">
-            <a:off x="5895566" y="5362190"/>
-            <a:ext cx="983563" cy="369332"/>
-          </a:xfrm>
-          <a:prstGeom prst="rect">
-            <a:avLst/>
-          </a:prstGeom>
-          <a:noFill/>
-        </p:spPr>
-        <p:txBody>
-          <a:bodyPr wrap="none" rtlCol="0">
-            <a:spAutoFit/>
-          </a:bodyPr>
-          <a:lstStyle/>
-          <a:p>
-            <a:r>
-              <a:rPr lang="en-US" dirty="0" smtClean="0"/>
-              <a:t>Neurons</a:t>
-            </a:r>
-            <a:endParaRPr lang="en-US" dirty="0"/>
-          </a:p>
-        </p:txBody>
-      </p:sp>
-      <p:sp>
-        <p:nvSpPr>
-          <p:cNvPr id="38" name="TextBox 37"/>
-          <p:cNvSpPr txBox="1"/>
-          <p:nvPr/>
-        </p:nvSpPr>
-        <p:spPr>
-          <a:xfrm>
-            <a:off x="7055560" y="4444810"/>
-            <a:ext cx="856988" cy="369332"/>
-          </a:xfrm>
-          <a:prstGeom prst="rect">
-            <a:avLst/>
-          </a:prstGeom>
-          <a:noFill/>
-        </p:spPr>
-        <p:txBody>
-          <a:bodyPr wrap="none" rtlCol="0">
-            <a:spAutoFit/>
-          </a:bodyPr>
-          <a:lstStyle/>
-          <a:p>
-            <a:r>
-              <a:rPr lang="en-US" dirty="0" smtClean="0"/>
-              <a:t>Classes</a:t>
-            </a:r>
-            <a:endParaRPr lang="en-US" dirty="0"/>
-          </a:p>
-        </p:txBody>
-      </p:sp>
-      <p:sp>
-        <p:nvSpPr>
-          <p:cNvPr id="39" name="Down Arrow 38"/>
-          <p:cNvSpPr/>
-          <p:nvPr/>
-        </p:nvSpPr>
-        <p:spPr>
-          <a:xfrm rot="18801129">
-            <a:off x="6641952" y="2613511"/>
-            <a:ext cx="394224" cy="2187703"/>
-          </a:xfrm>
-          <a:prstGeom prst="downArrow">
-            <a:avLst/>
-          </a:prstGeom>
-          <a:solidFill>
-            <a:schemeClr val="accent6">
-              <a:lumMod val="75000"/>
-            </a:schemeClr>
-          </a:solidFill>
-        </p:spPr>
-        <p:style>
-          <a:lnRef idx="1">
-            <a:schemeClr val="accent1"/>
-          </a:lnRef>
-          <a:fillRef idx="3">
-            <a:schemeClr val="accent1"/>
-          </a:fillRef>
-          <a:effectRef idx="2">
-            <a:schemeClr val="accent1"/>
-          </a:effectRef>
-          <a:fontRef idx="minor">
-            <a:schemeClr val="lt1"/>
-          </a:fontRef>
-        </p:style>
-        <p:txBody>
-          <a:bodyPr rtlCol="0" anchor="ctr"/>
-          <a:lstStyle/>
-          <a:p>
-            <a:pPr algn="ctr"/>
-            <a:endParaRPr lang="en-US" dirty="0"/>
-          </a:p>
-        </p:txBody>
-      </p:sp>
-      <p:sp>
-        <p:nvSpPr>
-          <p:cNvPr id="40" name="TextBox 39"/>
-          <p:cNvSpPr txBox="1"/>
-          <p:nvPr/>
-        </p:nvSpPr>
-        <p:spPr>
-          <a:xfrm>
-            <a:off x="6572014" y="2443793"/>
-            <a:ext cx="1631240" cy="369332"/>
-          </a:xfrm>
-          <a:prstGeom prst="rect">
-            <a:avLst/>
-          </a:prstGeom>
-          <a:noFill/>
-        </p:spPr>
-        <p:txBody>
-          <a:bodyPr wrap="square" rtlCol="0">
-            <a:spAutoFit/>
-          </a:bodyPr>
-          <a:lstStyle/>
-          <a:p>
-            <a:r>
-              <a:rPr lang="en-US" dirty="0" smtClean="0"/>
-              <a:t>= f(output)</a:t>
-            </a:r>
-            <a:endParaRPr lang="en-US" dirty="0"/>
-          </a:p>
-        </p:txBody>
-      </p:sp>
     </p:spTree>
     <p:extLst>
       <p:ext uri="{BB962C8B-B14F-4D97-AF65-F5344CB8AC3E}">
-        <p14:creationId xmlns:p14="http://schemas.microsoft.com/office/powerpoint/2010/main" val="3268116437"/>
+        <p14:creationId xmlns:p14="http://schemas.microsoft.com/office/powerpoint/2010/main" val="1041156651"/>
       </p:ext>
     </p:extLst>
   </p:cSld>
@@ -4089,568 +3339,64 @@
           <a:p>
             <a:r>
               <a:rPr lang="en-US" dirty="0" smtClean="0"/>
-              <a:t>Feed Forward</a:t>
-            </a:r>
-            <a:endParaRPr lang="en-US" dirty="0"/>
-          </a:p>
-        </p:txBody>
-      </p:sp>
-      <p:sp>
-        <p:nvSpPr>
-          <p:cNvPr id="3" name="Content Placeholder 2"/>
-          <p:cNvSpPr>
-            <a:spLocks noGrp="1"/>
-          </p:cNvSpPr>
-          <p:nvPr>
-            <p:ph idx="1"/>
-          </p:nvPr>
-        </p:nvSpPr>
-        <p:spPr/>
-        <p:txBody>
-          <a:bodyPr/>
-          <a:lstStyle/>
-          <a:p>
-            <a:r>
-              <a:rPr lang="en-US" dirty="0" smtClean="0"/>
-              <a:t>Hidden Layer Activation</a:t>
-            </a:r>
-          </a:p>
-          <a:p>
-            <a:endParaRPr lang="en-US" dirty="0"/>
-          </a:p>
-          <a:p>
+              <a:t>Output (Transfer) Function</a:t>
+            </a:r>
             <a:endParaRPr lang="en-US" dirty="0"/>
           </a:p>
         </p:txBody>
       </p:sp>
       <p:pic>
         <p:nvPicPr>
-          <p:cNvPr id="4" name="Picture 3"/>
+          <p:cNvPr id="4" name="Content Placeholder 3"/>
           <p:cNvPicPr>
-            <a:picLocks noChangeAspect="1"/>
+            <a:picLocks noGrp="1" noChangeAspect="1"/>
           </p:cNvPicPr>
-          <p:nvPr/>
+          <p:nvPr>
+            <p:ph idx="1"/>
+          </p:nvPr>
         </p:nvPicPr>
         <p:blipFill>
           <a:blip r:embed="rId2"/>
+          <a:srcRect t="9058" b="9058"/>
           <a:stretch>
             <a:fillRect/>
           </a:stretch>
         </p:blipFill>
         <p:spPr>
           <a:xfrm>
-            <a:off x="1309407" y="2685012"/>
-            <a:ext cx="1919632" cy="1279755"/>
-          </a:xfrm>
-          <a:prstGeom prst="rect">
-            <a:avLst/>
-          </a:prstGeom>
+            <a:off x="2081014" y="4002330"/>
+            <a:ext cx="4124848" cy="2268508"/>
+          </a:xfrm>
         </p:spPr>
       </p:pic>
-      <p:sp>
-        <p:nvSpPr>
-          <p:cNvPr id="5" name="TextBox 4"/>
-          <p:cNvSpPr txBox="1"/>
-          <p:nvPr/>
-        </p:nvSpPr>
-        <p:spPr>
-          <a:xfrm>
-            <a:off x="1804623" y="3062981"/>
-            <a:ext cx="1334421" cy="523220"/>
-          </a:xfrm>
-          <a:prstGeom prst="rect">
-            <a:avLst/>
-          </a:prstGeom>
-          <a:noFill/>
-        </p:spPr>
-        <p:txBody>
-          <a:bodyPr wrap="square" rtlCol="0">
-            <a:spAutoFit/>
-          </a:bodyPr>
-          <a:lstStyle/>
-          <a:p>
-            <a:r>
-              <a:rPr lang="en-US" sz="2800" dirty="0" smtClean="0"/>
-              <a:t>Data</a:t>
-            </a:r>
-            <a:endParaRPr lang="en-US" sz="2800" dirty="0"/>
-          </a:p>
-        </p:txBody>
-      </p:sp>
-      <p:sp>
-        <p:nvSpPr>
-          <p:cNvPr id="6" name="Rectangle 5"/>
-          <p:cNvSpPr/>
-          <p:nvPr/>
-        </p:nvSpPr>
-        <p:spPr>
-          <a:xfrm>
-            <a:off x="1309407" y="2685012"/>
-            <a:ext cx="1919632" cy="45719"/>
-          </a:xfrm>
-          <a:prstGeom prst="rect">
-            <a:avLst/>
-          </a:prstGeom>
-        </p:spPr>
-        <p:style>
-          <a:lnRef idx="1">
-            <a:schemeClr val="accent1"/>
-          </a:lnRef>
-          <a:fillRef idx="3">
-            <a:schemeClr val="accent1"/>
-          </a:fillRef>
-          <a:effectRef idx="2">
-            <a:schemeClr val="accent1"/>
-          </a:effectRef>
-          <a:fontRef idx="minor">
-            <a:schemeClr val="lt1"/>
-          </a:fontRef>
-        </p:style>
-        <p:txBody>
-          <a:bodyPr rtlCol="0" anchor="ctr"/>
-          <a:lstStyle/>
-          <a:p>
-            <a:pPr algn="ctr"/>
-            <a:endParaRPr lang="en-US" dirty="0"/>
-          </a:p>
-        </p:txBody>
-      </p:sp>
-      <p:sp>
-        <p:nvSpPr>
-          <p:cNvPr id="7" name="TextBox 6"/>
-          <p:cNvSpPr txBox="1"/>
-          <p:nvPr/>
-        </p:nvSpPr>
-        <p:spPr>
-          <a:xfrm>
-            <a:off x="1804623" y="2339606"/>
-            <a:ext cx="774571" cy="369332"/>
-          </a:xfrm>
-          <a:prstGeom prst="rect">
-            <a:avLst/>
-          </a:prstGeom>
-          <a:noFill/>
-        </p:spPr>
-        <p:txBody>
-          <a:bodyPr wrap="none" rtlCol="0">
-            <a:spAutoFit/>
-          </a:bodyPr>
-          <a:lstStyle/>
-          <a:p>
-            <a:r>
-              <a:rPr lang="en-US" dirty="0" smtClean="0"/>
-              <a:t>Inputs</a:t>
-            </a:r>
-            <a:endParaRPr lang="en-US" dirty="0"/>
-          </a:p>
-        </p:txBody>
-      </p:sp>
-      <p:sp>
-        <p:nvSpPr>
-          <p:cNvPr id="8" name="TextBox 7"/>
-          <p:cNvSpPr txBox="1"/>
-          <p:nvPr/>
-        </p:nvSpPr>
-        <p:spPr>
-          <a:xfrm rot="16200000">
-            <a:off x="439787" y="3200794"/>
-            <a:ext cx="1071703" cy="369332"/>
-          </a:xfrm>
-          <a:prstGeom prst="rect">
-            <a:avLst/>
-          </a:prstGeom>
-          <a:noFill/>
-        </p:spPr>
-        <p:txBody>
-          <a:bodyPr wrap="none" rtlCol="0">
-            <a:spAutoFit/>
-          </a:bodyPr>
-          <a:lstStyle/>
-          <a:p>
-            <a:r>
-              <a:rPr lang="en-US" dirty="0" smtClean="0"/>
-              <a:t>Examples</a:t>
-            </a:r>
-            <a:endParaRPr lang="en-US" dirty="0"/>
-          </a:p>
-        </p:txBody>
-      </p:sp>
       <p:pic>
         <p:nvPicPr>
-          <p:cNvPr id="9" name="Picture 8"/>
+          <p:cNvPr id="5" name="Picture 4"/>
           <p:cNvPicPr>
             <a:picLocks noChangeAspect="1"/>
           </p:cNvPicPr>
           <p:nvPr/>
         </p:nvPicPr>
         <p:blipFill>
-          <a:blip r:embed="rId2"/>
+          <a:blip r:embed="rId3"/>
           <a:stretch>
             <a:fillRect/>
           </a:stretch>
         </p:blipFill>
         <p:spPr>
           <a:xfrm>
-            <a:off x="5029784" y="2660713"/>
-            <a:ext cx="1919632" cy="1279755"/>
+            <a:off x="1013990" y="1417638"/>
+            <a:ext cx="6395986" cy="2250154"/>
           </a:xfrm>
           <a:prstGeom prst="rect">
             <a:avLst/>
           </a:prstGeom>
         </p:spPr>
       </p:pic>
-      <p:sp>
-        <p:nvSpPr>
-          <p:cNvPr id="10" name="TextBox 9"/>
-          <p:cNvSpPr txBox="1"/>
-          <p:nvPr/>
-        </p:nvSpPr>
-        <p:spPr>
-          <a:xfrm>
-            <a:off x="5356226" y="2794846"/>
-            <a:ext cx="1983128" cy="954107"/>
-          </a:xfrm>
-          <a:prstGeom prst="rect">
-            <a:avLst/>
-          </a:prstGeom>
-          <a:noFill/>
-        </p:spPr>
-        <p:txBody>
-          <a:bodyPr wrap="square" rtlCol="0">
-            <a:spAutoFit/>
-          </a:bodyPr>
-          <a:lstStyle/>
-          <a:p>
-            <a:r>
-              <a:rPr lang="en-US" sz="2800" dirty="0" smtClean="0"/>
-              <a:t>Hidden</a:t>
-            </a:r>
-          </a:p>
-          <a:p>
-            <a:r>
-              <a:rPr lang="en-US" sz="2800" dirty="0" smtClean="0"/>
-              <a:t>Weights</a:t>
-            </a:r>
-          </a:p>
-        </p:txBody>
-      </p:sp>
-      <p:sp>
-        <p:nvSpPr>
-          <p:cNvPr id="11" name="Rectangle 10"/>
-          <p:cNvSpPr/>
-          <p:nvPr/>
-        </p:nvSpPr>
-        <p:spPr>
-          <a:xfrm>
-            <a:off x="5029784" y="2660713"/>
-            <a:ext cx="45719" cy="1279755"/>
-          </a:xfrm>
-          <a:prstGeom prst="rect">
-            <a:avLst/>
-          </a:prstGeom>
-          <a:solidFill>
-            <a:schemeClr val="accent6">
-              <a:lumMod val="75000"/>
-            </a:schemeClr>
-          </a:solidFill>
-        </p:spPr>
-        <p:style>
-          <a:lnRef idx="1">
-            <a:schemeClr val="accent1"/>
-          </a:lnRef>
-          <a:fillRef idx="3">
-            <a:schemeClr val="accent1"/>
-          </a:fillRef>
-          <a:effectRef idx="2">
-            <a:schemeClr val="accent1"/>
-          </a:effectRef>
-          <a:fontRef idx="minor">
-            <a:schemeClr val="lt1"/>
-          </a:fontRef>
-        </p:style>
-        <p:txBody>
-          <a:bodyPr rtlCol="0" anchor="ctr"/>
-          <a:lstStyle/>
-          <a:p>
-            <a:pPr algn="ctr"/>
-            <a:endParaRPr lang="en-US" dirty="0"/>
-          </a:p>
-        </p:txBody>
-      </p:sp>
-      <p:sp>
-        <p:nvSpPr>
-          <p:cNvPr id="12" name="TextBox 11"/>
-          <p:cNvSpPr txBox="1"/>
-          <p:nvPr/>
-        </p:nvSpPr>
-        <p:spPr>
-          <a:xfrm rot="16200000">
-            <a:off x="4308728" y="3176495"/>
-            <a:ext cx="774571" cy="369332"/>
-          </a:xfrm>
-          <a:prstGeom prst="rect">
-            <a:avLst/>
-          </a:prstGeom>
-          <a:noFill/>
-        </p:spPr>
-        <p:txBody>
-          <a:bodyPr wrap="none" rtlCol="0">
-            <a:spAutoFit/>
-          </a:bodyPr>
-          <a:lstStyle/>
-          <a:p>
-            <a:r>
-              <a:rPr lang="en-US" dirty="0" smtClean="0"/>
-              <a:t>Inputs</a:t>
-            </a:r>
-            <a:endParaRPr lang="en-US" dirty="0"/>
-          </a:p>
-        </p:txBody>
-      </p:sp>
-      <p:sp>
-        <p:nvSpPr>
-          <p:cNvPr id="13" name="TextBox 12"/>
-          <p:cNvSpPr txBox="1"/>
-          <p:nvPr/>
-        </p:nvSpPr>
-        <p:spPr>
-          <a:xfrm>
-            <a:off x="5364227" y="2291381"/>
-            <a:ext cx="983563" cy="369332"/>
-          </a:xfrm>
-          <a:prstGeom prst="rect">
-            <a:avLst/>
-          </a:prstGeom>
-          <a:noFill/>
-        </p:spPr>
-        <p:txBody>
-          <a:bodyPr wrap="none" rtlCol="0">
-            <a:spAutoFit/>
-          </a:bodyPr>
-          <a:lstStyle/>
-          <a:p>
-            <a:r>
-              <a:rPr lang="en-US" dirty="0" smtClean="0"/>
-              <a:t>Neurons</a:t>
-            </a:r>
-            <a:endParaRPr lang="en-US" dirty="0"/>
-          </a:p>
-        </p:txBody>
-      </p:sp>
-      <p:sp>
-        <p:nvSpPr>
-          <p:cNvPr id="14" name="TextBox 13"/>
-          <p:cNvSpPr txBox="1"/>
-          <p:nvPr/>
-        </p:nvSpPr>
-        <p:spPr>
-          <a:xfrm>
-            <a:off x="3792943" y="3070832"/>
-            <a:ext cx="718404" cy="523220"/>
-          </a:xfrm>
-          <a:prstGeom prst="rect">
-            <a:avLst/>
-          </a:prstGeom>
-          <a:noFill/>
-        </p:spPr>
-        <p:txBody>
-          <a:bodyPr wrap="square" rtlCol="0">
-            <a:spAutoFit/>
-          </a:bodyPr>
-          <a:lstStyle/>
-          <a:p>
-            <a:r>
-              <a:rPr lang="en-US" sz="2800" dirty="0" smtClean="0"/>
-              <a:t>X</a:t>
-            </a:r>
-            <a:endParaRPr lang="en-US" sz="2800" dirty="0"/>
-          </a:p>
-        </p:txBody>
-      </p:sp>
-      <p:sp>
-        <p:nvSpPr>
-          <p:cNvPr id="16" name="TextBox 15"/>
-          <p:cNvSpPr txBox="1"/>
-          <p:nvPr/>
-        </p:nvSpPr>
-        <p:spPr>
-          <a:xfrm>
-            <a:off x="2579194" y="4750050"/>
-            <a:ext cx="389049" cy="584776"/>
-          </a:xfrm>
-          <a:prstGeom prst="rect">
-            <a:avLst/>
-          </a:prstGeom>
-          <a:noFill/>
-        </p:spPr>
-        <p:txBody>
-          <a:bodyPr wrap="none" rtlCol="0">
-            <a:spAutoFit/>
-          </a:bodyPr>
-          <a:lstStyle/>
-          <a:p>
-            <a:r>
-              <a:rPr lang="en-US" sz="3200" dirty="0" smtClean="0"/>
-              <a:t>=</a:t>
-            </a:r>
-            <a:endParaRPr lang="en-US" sz="3200" dirty="0"/>
-          </a:p>
-        </p:txBody>
-      </p:sp>
-      <p:pic>
-        <p:nvPicPr>
-          <p:cNvPr id="17" name="Picture 16"/>
-          <p:cNvPicPr>
-            <a:picLocks noChangeAspect="1"/>
-          </p:cNvPicPr>
-          <p:nvPr/>
-        </p:nvPicPr>
-        <p:blipFill>
-          <a:blip r:embed="rId2"/>
-          <a:stretch>
-            <a:fillRect/>
-          </a:stretch>
-        </p:blipFill>
-        <p:spPr>
-          <a:xfrm>
-            <a:off x="3606480" y="4924707"/>
-            <a:ext cx="1919632" cy="1279755"/>
-          </a:xfrm>
-          <a:prstGeom prst="rect">
-            <a:avLst/>
-          </a:prstGeom>
-        </p:spPr>
-      </p:pic>
-      <p:sp>
-        <p:nvSpPr>
-          <p:cNvPr id="18" name="TextBox 17"/>
-          <p:cNvSpPr txBox="1"/>
-          <p:nvPr/>
-        </p:nvSpPr>
-        <p:spPr>
-          <a:xfrm>
-            <a:off x="3792943" y="5089303"/>
-            <a:ext cx="1873913" cy="954107"/>
-          </a:xfrm>
-          <a:prstGeom prst="rect">
-            <a:avLst/>
-          </a:prstGeom>
-          <a:noFill/>
-        </p:spPr>
-        <p:txBody>
-          <a:bodyPr wrap="square" rtlCol="0">
-            <a:spAutoFit/>
-          </a:bodyPr>
-          <a:lstStyle/>
-          <a:p>
-            <a:r>
-              <a:rPr lang="en-US" sz="2800" dirty="0" smtClean="0"/>
-              <a:t>Hidden</a:t>
-            </a:r>
-          </a:p>
-          <a:p>
-            <a:r>
-              <a:rPr lang="en-US" sz="2800" dirty="0" smtClean="0"/>
-              <a:t>Activation</a:t>
-            </a:r>
-            <a:endParaRPr lang="en-US" sz="2800" dirty="0"/>
-          </a:p>
-        </p:txBody>
-      </p:sp>
-      <p:sp>
-        <p:nvSpPr>
-          <p:cNvPr id="20" name="TextBox 19"/>
-          <p:cNvSpPr txBox="1"/>
-          <p:nvPr/>
-        </p:nvSpPr>
-        <p:spPr>
-          <a:xfrm rot="16200000">
-            <a:off x="2736860" y="5440489"/>
-            <a:ext cx="1071703" cy="369332"/>
-          </a:xfrm>
-          <a:prstGeom prst="rect">
-            <a:avLst/>
-          </a:prstGeom>
-          <a:noFill/>
-        </p:spPr>
-        <p:txBody>
-          <a:bodyPr wrap="none" rtlCol="0">
-            <a:spAutoFit/>
-          </a:bodyPr>
-          <a:lstStyle/>
-          <a:p>
-            <a:r>
-              <a:rPr lang="en-US" dirty="0" smtClean="0"/>
-              <a:t>Examples</a:t>
-            </a:r>
-            <a:endParaRPr lang="en-US" dirty="0"/>
-          </a:p>
-        </p:txBody>
-      </p:sp>
-      <p:sp>
-        <p:nvSpPr>
-          <p:cNvPr id="21" name="TextBox 20"/>
-          <p:cNvSpPr txBox="1"/>
-          <p:nvPr/>
-        </p:nvSpPr>
-        <p:spPr>
-          <a:xfrm>
-            <a:off x="3940923" y="4555375"/>
-            <a:ext cx="983563" cy="369332"/>
-          </a:xfrm>
-          <a:prstGeom prst="rect">
-            <a:avLst/>
-          </a:prstGeom>
-          <a:noFill/>
-        </p:spPr>
-        <p:txBody>
-          <a:bodyPr wrap="none" rtlCol="0">
-            <a:spAutoFit/>
-          </a:bodyPr>
-          <a:lstStyle/>
-          <a:p>
-            <a:r>
-              <a:rPr lang="en-US" dirty="0" smtClean="0"/>
-              <a:t>Neurons</a:t>
-            </a:r>
-            <a:endParaRPr lang="en-US" dirty="0"/>
-          </a:p>
-        </p:txBody>
-      </p:sp>
-      <p:sp>
-        <p:nvSpPr>
-          <p:cNvPr id="22" name="TextBox 21"/>
-          <p:cNvSpPr txBox="1"/>
-          <p:nvPr/>
-        </p:nvSpPr>
-        <p:spPr>
-          <a:xfrm>
-            <a:off x="5900391" y="5089302"/>
-            <a:ext cx="3119009" cy="1200329"/>
-          </a:xfrm>
-          <a:prstGeom prst="rect">
-            <a:avLst/>
-          </a:prstGeom>
-          <a:noFill/>
-        </p:spPr>
-        <p:txBody>
-          <a:bodyPr wrap="square" rtlCol="0">
-            <a:spAutoFit/>
-          </a:bodyPr>
-          <a:lstStyle/>
-          <a:p>
-            <a:r>
-              <a:rPr lang="en-US" dirty="0" smtClean="0"/>
-              <a:t>Remember that the sigmoid function (or some other output function) is then applied before passing to next layer</a:t>
-            </a:r>
-            <a:endParaRPr lang="en-US" dirty="0"/>
-          </a:p>
-        </p:txBody>
-      </p:sp>
     </p:spTree>
     <p:extLst>
       <p:ext uri="{BB962C8B-B14F-4D97-AF65-F5344CB8AC3E}">
-        <p14:creationId xmlns:p14="http://schemas.microsoft.com/office/powerpoint/2010/main" val="4159929354"/>
+        <p14:creationId xmlns:p14="http://schemas.microsoft.com/office/powerpoint/2010/main" val="255245467"/>
       </p:ext>
     </p:extLst>
   </p:cSld>
@@ -4701,7 +3447,7 @@
           <a:p>
             <a:r>
               <a:rPr lang="en-US" dirty="0" smtClean="0"/>
-              <a:t>Matrix Multiplication</a:t>
+              <a:t>Sigmoid Function</a:t>
             </a:r>
             <a:endParaRPr lang="en-US" dirty="0"/>
           </a:p>
@@ -4723,8 +3469,8 @@
         </p:blipFill>
         <p:spPr>
           <a:xfrm>
-            <a:off x="1030167" y="2076714"/>
-            <a:ext cx="7656633" cy="3167062"/>
+            <a:off x="1363339" y="1417638"/>
+            <a:ext cx="6450260" cy="5132465"/>
           </a:xfrm>
           <a:prstGeom prst="rect">
             <a:avLst/>
@@ -4734,7 +3480,7 @@
     </p:spTree>
     <p:extLst>
       <p:ext uri="{BB962C8B-B14F-4D97-AF65-F5344CB8AC3E}">
-        <p14:creationId xmlns:p14="http://schemas.microsoft.com/office/powerpoint/2010/main" val="1677242035"/>
+        <p14:creationId xmlns:p14="http://schemas.microsoft.com/office/powerpoint/2010/main" val="1301507961"/>
       </p:ext>
     </p:extLst>
   </p:cSld>
@@ -4785,36 +3531,7 @@
           <a:p>
             <a:r>
               <a:rPr lang="en-US" dirty="0" smtClean="0"/>
-              <a:t>Cost Function</a:t>
-            </a:r>
-            <a:endParaRPr lang="en-US" dirty="0"/>
-          </a:p>
-        </p:txBody>
-      </p:sp>
-      <p:sp>
-        <p:nvSpPr>
-          <p:cNvPr id="3" name="Content Placeholder 2"/>
-          <p:cNvSpPr>
-            <a:spLocks noGrp="1"/>
-          </p:cNvSpPr>
-          <p:nvPr>
-            <p:ph idx="1"/>
-          </p:nvPr>
-        </p:nvSpPr>
-        <p:spPr/>
-        <p:txBody>
-          <a:bodyPr/>
-          <a:lstStyle/>
-          <a:p>
-            <a:r>
-              <a:rPr lang="en-US" dirty="0" smtClean="0"/>
-              <a:t>Cost functions come in many different forms</a:t>
-            </a:r>
-          </a:p>
-          <a:p>
-            <a:r>
-              <a:rPr lang="en-US" dirty="0" smtClean="0"/>
-              <a:t>Logistic regression cost function</a:t>
+              <a:t>Simple Neuron Example</a:t>
             </a:r>
             <a:endParaRPr lang="en-US" dirty="0"/>
           </a:p>
@@ -4828,39 +3545,15 @@
           </p:cNvPicPr>
           <p:nvPr/>
         </p:nvPicPr>
-        <p:blipFill>
+        <p:blipFill rotWithShape="1">
           <a:blip r:embed="rId2"/>
-          <a:stretch>
-            <a:fillRect/>
-          </a:stretch>
-        </p:blipFill>
-        <p:spPr>
-          <a:xfrm>
-            <a:off x="209006" y="2963266"/>
-            <a:ext cx="8686800" cy="1017985"/>
-          </a:xfrm>
-          <a:prstGeom prst="rect">
-            <a:avLst/>
-          </a:prstGeom>
-        </p:spPr>
-      </p:pic>
-      <p:pic>
-        <p:nvPicPr>
-          <p:cNvPr id="5" name="Picture 4"/>
-          <p:cNvPicPr>
-            <a:picLocks noChangeAspect="1"/>
-          </p:cNvPicPr>
-          <p:nvPr/>
-        </p:nvPicPr>
-        <p:blipFill rotWithShape="1">
-          <a:blip r:embed="rId3"/>
-          <a:srcRect l="40695" r="36518"/>
+          <a:srcRect l="76854"/>
           <a:stretch/>
         </p:blipFill>
         <p:spPr>
           <a:xfrm>
-            <a:off x="2483952" y="4061626"/>
-            <a:ext cx="556619" cy="2442724"/>
+            <a:off x="1470392" y="2500531"/>
+            <a:ext cx="462961" cy="1848660"/>
           </a:xfrm>
           <a:prstGeom prst="rect">
             <a:avLst/>
@@ -4869,16 +3562,16 @@
       </p:pic>
       <p:sp>
         <p:nvSpPr>
-          <p:cNvPr id="6" name="Right Arrow 5"/>
+          <p:cNvPr id="5" name="Oval 4"/>
           <p:cNvSpPr/>
           <p:nvPr/>
         </p:nvSpPr>
         <p:spPr>
           <a:xfrm>
-            <a:off x="3601329" y="4967177"/>
-            <a:ext cx="1800665" cy="498326"/>
-          </a:xfrm>
-          <a:prstGeom prst="rightArrow">
+            <a:off x="4160541" y="3083279"/>
+            <a:ext cx="768614" cy="752019"/>
+          </a:xfrm>
+          <a:prstGeom prst="ellipse">
             <a:avLst/>
           </a:prstGeom>
         </p:spPr>
@@ -4905,9 +3598,137 @@
           </a:p>
         </p:txBody>
       </p:sp>
+      <p:cxnSp>
+        <p:nvCxnSpPr>
+          <p:cNvPr id="7" name="Straight Connector 6"/>
+          <p:cNvCxnSpPr>
+            <a:endCxn id="5" idx="2"/>
+          </p:cNvCxnSpPr>
+          <p:nvPr/>
+        </p:nvCxnSpPr>
+        <p:spPr>
+          <a:xfrm>
+            <a:off x="1933353" y="2740693"/>
+            <a:ext cx="2227188" cy="718596"/>
+          </a:xfrm>
+          <a:prstGeom prst="line">
+            <a:avLst/>
+          </a:prstGeom>
+        </p:spPr>
+        <p:style>
+          <a:lnRef idx="2">
+            <a:schemeClr val="accent1"/>
+          </a:lnRef>
+          <a:fillRef idx="0">
+            <a:schemeClr val="accent1"/>
+          </a:fillRef>
+          <a:effectRef idx="1">
+            <a:schemeClr val="accent1"/>
+          </a:effectRef>
+          <a:fontRef idx="minor">
+            <a:schemeClr val="tx1"/>
+          </a:fontRef>
+        </p:style>
+      </p:cxnSp>
+      <p:cxnSp>
+        <p:nvCxnSpPr>
+          <p:cNvPr id="9" name="Straight Connector 8"/>
+          <p:cNvCxnSpPr>
+            <a:endCxn id="5" idx="2"/>
+          </p:cNvCxnSpPr>
+          <p:nvPr/>
+        </p:nvCxnSpPr>
+        <p:spPr>
+          <a:xfrm>
+            <a:off x="1933353" y="3225328"/>
+            <a:ext cx="2227188" cy="233961"/>
+          </a:xfrm>
+          <a:prstGeom prst="line">
+            <a:avLst/>
+          </a:prstGeom>
+        </p:spPr>
+        <p:style>
+          <a:lnRef idx="2">
+            <a:schemeClr val="accent1"/>
+          </a:lnRef>
+          <a:fillRef idx="0">
+            <a:schemeClr val="accent1"/>
+          </a:fillRef>
+          <a:effectRef idx="1">
+            <a:schemeClr val="accent1"/>
+          </a:effectRef>
+          <a:fontRef idx="minor">
+            <a:schemeClr val="tx1"/>
+          </a:fontRef>
+        </p:style>
+      </p:cxnSp>
+      <p:cxnSp>
+        <p:nvCxnSpPr>
+          <p:cNvPr id="11" name="Straight Connector 10"/>
+          <p:cNvCxnSpPr>
+            <a:endCxn id="5" idx="2"/>
+          </p:cNvCxnSpPr>
+          <p:nvPr/>
+        </p:nvCxnSpPr>
+        <p:spPr>
+          <a:xfrm flipV="1">
+            <a:off x="1933353" y="3459289"/>
+            <a:ext cx="2227188" cy="183828"/>
+          </a:xfrm>
+          <a:prstGeom prst="line">
+            <a:avLst/>
+          </a:prstGeom>
+        </p:spPr>
+        <p:style>
+          <a:lnRef idx="2">
+            <a:schemeClr val="accent1"/>
+          </a:lnRef>
+          <a:fillRef idx="0">
+            <a:schemeClr val="accent1"/>
+          </a:fillRef>
+          <a:effectRef idx="1">
+            <a:schemeClr val="accent1"/>
+          </a:effectRef>
+          <a:fontRef idx="minor">
+            <a:schemeClr val="tx1"/>
+          </a:fontRef>
+        </p:style>
+      </p:cxnSp>
+      <p:cxnSp>
+        <p:nvCxnSpPr>
+          <p:cNvPr id="13" name="Straight Connector 12"/>
+          <p:cNvCxnSpPr>
+            <a:endCxn id="5" idx="2"/>
+          </p:cNvCxnSpPr>
+          <p:nvPr/>
+        </p:nvCxnSpPr>
+        <p:spPr>
+          <a:xfrm flipV="1">
+            <a:off x="1933353" y="3459289"/>
+            <a:ext cx="2227188" cy="568193"/>
+          </a:xfrm>
+          <a:prstGeom prst="line">
+            <a:avLst/>
+          </a:prstGeom>
+        </p:spPr>
+        <p:style>
+          <a:lnRef idx="2">
+            <a:schemeClr val="accent1"/>
+          </a:lnRef>
+          <a:fillRef idx="0">
+            <a:schemeClr val="accent1"/>
+          </a:fillRef>
+          <a:effectRef idx="1">
+            <a:schemeClr val="accent1"/>
+          </a:effectRef>
+          <a:fontRef idx="minor">
+            <a:schemeClr val="tx1"/>
+          </a:fontRef>
+        </p:style>
+      </p:cxnSp>
       <p:pic>
         <p:nvPicPr>
-          <p:cNvPr id="7" name="Picture 6"/>
+          <p:cNvPr id="15" name="Picture 14"/>
           <p:cNvPicPr>
             <a:picLocks noChangeAspect="1"/>
           </p:cNvPicPr>
@@ -4915,13 +3736,13 @@
         </p:nvPicPr>
         <p:blipFill rotWithShape="1">
           <a:blip r:embed="rId3"/>
-          <a:srcRect l="40695" r="36518"/>
+          <a:srcRect l="77874"/>
           <a:stretch/>
         </p:blipFill>
         <p:spPr>
           <a:xfrm>
-            <a:off x="6414532" y="4125926"/>
-            <a:ext cx="556619" cy="2442724"/>
+            <a:off x="2521023" y="2824250"/>
+            <a:ext cx="290980" cy="1215490"/>
           </a:xfrm>
           <a:prstGeom prst="rect">
             <a:avLst/>
@@ -4930,19 +3751,24 @@
       </p:pic>
       <p:sp>
         <p:nvSpPr>
-          <p:cNvPr id="8" name="TextBox 7"/>
+          <p:cNvPr id="16" name="TextBox 15"/>
           <p:cNvSpPr txBox="1"/>
           <p:nvPr/>
         </p:nvSpPr>
         <p:spPr>
           <a:xfrm>
-            <a:off x="1704200" y="6514790"/>
-            <a:ext cx="2122212" cy="369332"/>
+            <a:off x="1620773" y="4829636"/>
+            <a:ext cx="6132204" cy="1754327"/>
           </a:xfrm>
           <a:prstGeom prst="rect">
             <a:avLst/>
           </a:prstGeom>
           <a:noFill/>
+          <a:ln>
+            <a:solidFill>
+              <a:srgbClr val="000000"/>
+            </a:solidFill>
+          </a:ln>
         </p:spPr>
         <p:txBody>
           <a:bodyPr wrap="square" rtlCol="0">
@@ -4952,22 +3778,51 @@
           <a:p>
             <a:r>
               <a:rPr lang="en-US" dirty="0" smtClean="0"/>
-              <a:t>Output of Network</a:t>
-            </a:r>
-            <a:endParaRPr lang="en-US" dirty="0"/>
-          </a:p>
-        </p:txBody>
-      </p:sp>
-      <p:sp>
-        <p:nvSpPr>
-          <p:cNvPr id="9" name="TextBox 8"/>
+              <a:t>Internal activation of neuron is weighted sum of inputs:</a:t>
+            </a:r>
+          </a:p>
+          <a:p>
+            <a:pPr algn="ctr"/>
+            <a:r>
+              <a:rPr lang="en-US" dirty="0" smtClean="0"/>
+              <a:t>(3*0) + (8*2) + (2*1) + (4*5) = 38</a:t>
+            </a:r>
+          </a:p>
+          <a:p>
+            <a:pPr algn="ctr"/>
+            <a:r>
+              <a:rPr lang="en-US" dirty="0" smtClean="0"/>
+              <a:t>0 + 16 + 2 + 20 = 38</a:t>
+            </a:r>
+          </a:p>
+          <a:p>
+            <a:endParaRPr lang="en-US" dirty="0"/>
+          </a:p>
+          <a:p>
+            <a:r>
+              <a:rPr lang="en-US" dirty="0" smtClean="0"/>
+              <a:t>Output of neuron is that value subject to a transfer function:</a:t>
+            </a:r>
+          </a:p>
+          <a:p>
+            <a:pPr algn="ctr"/>
+            <a:r>
+              <a:rPr lang="en-US" dirty="0" smtClean="0"/>
+              <a:t>f(38) = .9</a:t>
+            </a:r>
+          </a:p>
+        </p:txBody>
+      </p:sp>
+      <p:sp>
+        <p:nvSpPr>
+          <p:cNvPr id="17" name="TextBox 16"/>
           <p:cNvSpPr txBox="1"/>
           <p:nvPr/>
         </p:nvSpPr>
         <p:spPr>
           <a:xfrm>
-            <a:off x="5731244" y="6482524"/>
-            <a:ext cx="2122212" cy="369332"/>
+            <a:off x="4310922" y="3205258"/>
+            <a:ext cx="517979" cy="738664"/>
           </a:xfrm>
           <a:prstGeom prst="rect">
             <a:avLst/>
@@ -4981,8 +3836,196 @@
           <a:lstStyle/>
           <a:p>
             <a:r>
-              <a:rPr lang="en-US" dirty="0" smtClean="0"/>
-              <a:t>Correct answer</a:t>
+              <a:rPr lang="en-US" sz="2400" dirty="0" smtClean="0"/>
+              <a:t>38</a:t>
+            </a:r>
+            <a:endParaRPr lang="en-US" dirty="0" smtClean="0"/>
+          </a:p>
+          <a:p>
+            <a:endParaRPr lang="en-US" dirty="0"/>
+          </a:p>
+        </p:txBody>
+      </p:sp>
+      <p:cxnSp>
+        <p:nvCxnSpPr>
+          <p:cNvPr id="19" name="Straight Arrow Connector 18"/>
+          <p:cNvCxnSpPr>
+            <a:stCxn id="5" idx="6"/>
+          </p:cNvCxnSpPr>
+          <p:nvPr/>
+        </p:nvCxnSpPr>
+        <p:spPr>
+          <a:xfrm>
+            <a:off x="4929155" y="3459289"/>
+            <a:ext cx="1670900" cy="0"/>
+          </a:xfrm>
+          <a:prstGeom prst="straightConnector1">
+            <a:avLst/>
+          </a:prstGeom>
+          <a:ln>
+            <a:tailEnd type="arrow"/>
+          </a:ln>
+        </p:spPr>
+        <p:style>
+          <a:lnRef idx="2">
+            <a:schemeClr val="accent1"/>
+          </a:lnRef>
+          <a:fillRef idx="0">
+            <a:schemeClr val="accent1"/>
+          </a:fillRef>
+          <a:effectRef idx="1">
+            <a:schemeClr val="accent1"/>
+          </a:effectRef>
+          <a:fontRef idx="minor">
+            <a:schemeClr val="tx1"/>
+          </a:fontRef>
+        </p:style>
+      </p:cxnSp>
+      <p:sp>
+        <p:nvSpPr>
+          <p:cNvPr id="20" name="TextBox 19"/>
+          <p:cNvSpPr txBox="1"/>
+          <p:nvPr/>
+        </p:nvSpPr>
+        <p:spPr>
+          <a:xfrm>
+            <a:off x="6717018" y="3181452"/>
+            <a:ext cx="584815" cy="461665"/>
+          </a:xfrm>
+          <a:prstGeom prst="rect">
+            <a:avLst/>
+          </a:prstGeom>
+          <a:noFill/>
+        </p:spPr>
+        <p:txBody>
+          <a:bodyPr wrap="square" rtlCol="0">
+            <a:spAutoFit/>
+          </a:bodyPr>
+          <a:lstStyle/>
+          <a:p>
+            <a:r>
+              <a:rPr lang="en-US" sz="2400" dirty="0" smtClean="0"/>
+              <a:t>.9</a:t>
+            </a:r>
+            <a:endParaRPr lang="en-US" sz="2400" dirty="0"/>
+          </a:p>
+        </p:txBody>
+      </p:sp>
+      <p:sp>
+        <p:nvSpPr>
+          <p:cNvPr id="21" name="TextBox 20"/>
+          <p:cNvSpPr txBox="1"/>
+          <p:nvPr/>
+        </p:nvSpPr>
+        <p:spPr>
+          <a:xfrm>
+            <a:off x="1383383" y="2131199"/>
+            <a:ext cx="952413" cy="369332"/>
+          </a:xfrm>
+          <a:prstGeom prst="rect">
+            <a:avLst/>
+          </a:prstGeom>
+          <a:noFill/>
+        </p:spPr>
+        <p:txBody>
+          <a:bodyPr wrap="square" rtlCol="0">
+            <a:spAutoFit/>
+          </a:bodyPr>
+          <a:lstStyle/>
+          <a:p>
+            <a:r>
+              <a:rPr lang="en-US" dirty="0" smtClean="0"/>
+              <a:t>Input</a:t>
+            </a:r>
+            <a:endParaRPr lang="en-US" dirty="0"/>
+          </a:p>
+        </p:txBody>
+      </p:sp>
+      <p:sp>
+        <p:nvSpPr>
+          <p:cNvPr id="22" name="TextBox 21"/>
+          <p:cNvSpPr txBox="1"/>
+          <p:nvPr/>
+        </p:nvSpPr>
+        <p:spPr>
+          <a:xfrm>
+            <a:off x="2335796" y="2439885"/>
+            <a:ext cx="952413" cy="369332"/>
+          </a:xfrm>
+          <a:prstGeom prst="rect">
+            <a:avLst/>
+          </a:prstGeom>
+          <a:noFill/>
+        </p:spPr>
+        <p:txBody>
+          <a:bodyPr wrap="square" rtlCol="0">
+            <a:spAutoFit/>
+          </a:bodyPr>
+          <a:lstStyle/>
+          <a:p>
+            <a:r>
+              <a:rPr lang="en-US" dirty="0" smtClean="0"/>
+              <a:t>Weights</a:t>
+            </a:r>
+            <a:endParaRPr lang="en-US" dirty="0"/>
+          </a:p>
+        </p:txBody>
+      </p:sp>
+      <p:sp>
+        <p:nvSpPr>
+          <p:cNvPr id="23" name="TextBox 22"/>
+          <p:cNvSpPr txBox="1"/>
+          <p:nvPr/>
+        </p:nvSpPr>
+        <p:spPr>
+          <a:xfrm>
+            <a:off x="3976742" y="2639584"/>
+            <a:ext cx="1152921" cy="369332"/>
+          </a:xfrm>
+          <a:prstGeom prst="rect">
+            <a:avLst/>
+          </a:prstGeom>
+          <a:noFill/>
+        </p:spPr>
+        <p:txBody>
+          <a:bodyPr wrap="square" rtlCol="0">
+            <a:spAutoFit/>
+          </a:bodyPr>
+          <a:lstStyle/>
+          <a:p>
+            <a:r>
+              <a:rPr lang="en-US" dirty="0" smtClean="0"/>
+              <a:t>Activation</a:t>
+            </a:r>
+            <a:endParaRPr lang="en-US" dirty="0"/>
+          </a:p>
+        </p:txBody>
+      </p:sp>
+      <p:sp>
+        <p:nvSpPr>
+          <p:cNvPr id="24" name="TextBox 23"/>
+          <p:cNvSpPr txBox="1"/>
+          <p:nvPr/>
+        </p:nvSpPr>
+        <p:spPr>
+          <a:xfrm>
+            <a:off x="6499802" y="2871029"/>
+            <a:ext cx="1152921" cy="369332"/>
+          </a:xfrm>
+          <a:prstGeom prst="rect">
+            <a:avLst/>
+          </a:prstGeom>
+          <a:noFill/>
+        </p:spPr>
+        <p:txBody>
+          <a:bodyPr wrap="square" rtlCol="0">
+            <a:spAutoFit/>
+          </a:bodyPr>
+          <a:lstStyle/>
+          <a:p>
+            <a:r>
+              <a:rPr lang="en-US" dirty="0" smtClean="0"/>
+              <a:t>Output</a:t>
             </a:r>
             <a:endParaRPr lang="en-US" dirty="0"/>
           </a:p>
@@ -4991,7 +4034,7 @@
     </p:spTree>
     <p:extLst>
       <p:ext uri="{BB962C8B-B14F-4D97-AF65-F5344CB8AC3E}">
-        <p14:creationId xmlns:p14="http://schemas.microsoft.com/office/powerpoint/2010/main" val="3153095872"/>
+        <p14:creationId xmlns:p14="http://schemas.microsoft.com/office/powerpoint/2010/main" val="3563057007"/>
       </p:ext>
     </p:extLst>
   </p:cSld>
@@ -5035,15 +4078,53 @@
           <a:p>
             <a:r>
               <a:rPr lang="en-US" dirty="0" smtClean="0"/>
-              <a:t>Example: MNIST</a:t>
-            </a:r>
+              <a:t>Neuron Weights to Input</a:t>
+            </a:r>
+            <a:endParaRPr lang="en-US" dirty="0"/>
+          </a:p>
+        </p:txBody>
+      </p:sp>
+      <p:sp>
+        <p:nvSpPr>
+          <p:cNvPr id="6" name="Oval 5"/>
+          <p:cNvSpPr/>
+          <p:nvPr/>
+        </p:nvSpPr>
+        <p:spPr>
+          <a:xfrm>
+            <a:off x="7230391" y="3459289"/>
+            <a:ext cx="768614" cy="752019"/>
+          </a:xfrm>
+          <a:prstGeom prst="ellipse">
+            <a:avLst/>
+          </a:prstGeom>
+        </p:spPr>
+        <p:style>
+          <a:lnRef idx="1">
+            <a:schemeClr val="accent1"/>
+          </a:lnRef>
+          <a:fillRef idx="3">
+            <a:schemeClr val="accent1"/>
+          </a:fillRef>
+          <a:effectRef idx="2">
+            <a:schemeClr val="accent1"/>
+          </a:effectRef>
+          <a:fontRef idx="minor">
+            <a:schemeClr val="lt1"/>
+          </a:fontRef>
+        </p:style>
+        <p:txBody>
+          <a:bodyPr rtlCol="0" anchor="ctr"/>
+          <a:lstStyle/>
+          <a:p>
+            <a:pPr algn="ctr"/>
             <a:endParaRPr lang="en-US" dirty="0"/>
           </a:p>
         </p:txBody>
       </p:sp>
       <p:pic>
         <p:nvPicPr>
-          <p:cNvPr id="5" name="Picture 4"/>
+          <p:cNvPr id="16" name="Picture 15"/>
           <p:cNvPicPr>
             <a:picLocks noChangeAspect="1"/>
           </p:cNvPicPr>
@@ -5057,30 +4138,29 @@
         </p:blipFill>
         <p:spPr>
           <a:xfrm>
-            <a:off x="209006" y="1728800"/>
-            <a:ext cx="8686800" cy="1017985"/>
+            <a:off x="1054118" y="1908827"/>
+            <a:ext cx="4170462" cy="4170462"/>
           </a:xfrm>
           <a:prstGeom prst="rect">
             <a:avLst/>
           </a:prstGeom>
         </p:spPr>
       </p:pic>
-      <p:sp>
-        <p:nvSpPr>
-          <p:cNvPr id="12" name="Left Brace 11"/>
-          <p:cNvSpPr/>
-          <p:nvPr/>
-        </p:nvSpPr>
-        <p:spPr>
-          <a:xfrm rot="16200000">
-            <a:off x="3182443" y="1960014"/>
-            <a:ext cx="1207699" cy="2363227"/>
-          </a:xfrm>
-          <a:prstGeom prst="leftBrace">
-            <a:avLst>
-              <a:gd name="adj1" fmla="val 8333"/>
-              <a:gd name="adj2" fmla="val 50680"/>
-            </a:avLst>
+      <p:cxnSp>
+        <p:nvCxnSpPr>
+          <p:cNvPr id="18" name="Straight Connector 17"/>
+          <p:cNvCxnSpPr>
+            <a:endCxn id="6" idx="2"/>
+          </p:cNvCxnSpPr>
+          <p:nvPr/>
+        </p:nvCxnSpPr>
+        <p:spPr>
+          <a:xfrm>
+            <a:off x="5091639" y="2038808"/>
+            <a:ext cx="2138752" cy="1796491"/>
+          </a:xfrm>
+          <a:prstGeom prst="line">
+            <a:avLst/>
           </a:prstGeom>
         </p:spPr>
         <p:style>
@@ -5097,31 +4177,22 @@
             <a:schemeClr val="tx1"/>
           </a:fontRef>
         </p:style>
-        <p:txBody>
-          <a:bodyPr rtlCol="0" anchor="ctr"/>
-          <a:lstStyle/>
-          <a:p>
-            <a:pPr algn="ctr"/>
-            <a:endParaRPr lang="en-US" dirty="0"/>
-          </a:p>
-        </p:txBody>
-      </p:sp>
-      <p:sp>
-        <p:nvSpPr>
-          <p:cNvPr id="13" name="Left Brace 12"/>
-          <p:cNvSpPr/>
-          <p:nvPr/>
-        </p:nvSpPr>
-        <p:spPr>
-          <a:xfrm rot="16200000">
-            <a:off x="6299703" y="1358380"/>
-            <a:ext cx="1207699" cy="3566494"/>
-          </a:xfrm>
-          <a:prstGeom prst="leftBrace">
-            <a:avLst>
-              <a:gd name="adj1" fmla="val 8333"/>
-              <a:gd name="adj2" fmla="val 50680"/>
-            </a:avLst>
+      </p:cxnSp>
+      <p:cxnSp>
+        <p:nvCxnSpPr>
+          <p:cNvPr id="20" name="Straight Connector 19"/>
+          <p:cNvCxnSpPr>
+            <a:endCxn id="6" idx="2"/>
+          </p:cNvCxnSpPr>
+          <p:nvPr/>
+        </p:nvCxnSpPr>
+        <p:spPr>
+          <a:xfrm>
+            <a:off x="5091639" y="2239347"/>
+            <a:ext cx="2138752" cy="1595952"/>
+          </a:xfrm>
+          <a:prstGeom prst="line">
+            <a:avLst/>
           </a:prstGeom>
         </p:spPr>
         <p:style>
@@ -5138,25 +4209,49 @@
             <a:schemeClr val="tx1"/>
           </a:fontRef>
         </p:style>
-        <p:txBody>
-          <a:bodyPr rtlCol="0" anchor="ctr"/>
-          <a:lstStyle/>
-          <a:p>
-            <a:pPr algn="ctr"/>
-            <a:endParaRPr lang="en-US" dirty="0"/>
-          </a:p>
-        </p:txBody>
-      </p:sp>
-      <p:sp>
-        <p:nvSpPr>
-          <p:cNvPr id="14" name="TextBox 13"/>
+      </p:cxnSp>
+      <p:cxnSp>
+        <p:nvCxnSpPr>
+          <p:cNvPr id="23" name="Straight Connector 22"/>
+          <p:cNvCxnSpPr>
+            <a:endCxn id="6" idx="2"/>
+          </p:cNvCxnSpPr>
+          <p:nvPr/>
+        </p:nvCxnSpPr>
+        <p:spPr>
+          <a:xfrm>
+            <a:off x="5091639" y="2473309"/>
+            <a:ext cx="2138752" cy="1361990"/>
+          </a:xfrm>
+          <a:prstGeom prst="line">
+            <a:avLst/>
+          </a:prstGeom>
+        </p:spPr>
+        <p:style>
+          <a:lnRef idx="2">
+            <a:schemeClr val="accent1"/>
+          </a:lnRef>
+          <a:fillRef idx="0">
+            <a:schemeClr val="accent1"/>
+          </a:fillRef>
+          <a:effectRef idx="1">
+            <a:schemeClr val="accent1"/>
+          </a:effectRef>
+          <a:fontRef idx="minor">
+            <a:schemeClr val="tx1"/>
+          </a:fontRef>
+        </p:style>
+      </p:cxnSp>
+      <p:sp>
+        <p:nvSpPr>
+          <p:cNvPr id="24" name="TextBox 23"/>
           <p:cNvSpPr txBox="1"/>
           <p:nvPr/>
         </p:nvSpPr>
         <p:spPr>
-          <a:xfrm>
-            <a:off x="2604679" y="4018752"/>
-            <a:ext cx="2515626" cy="646331"/>
+          <a:xfrm rot="16200000">
+            <a:off x="5659745" y="3166948"/>
+            <a:ext cx="634942" cy="584776"/>
           </a:xfrm>
           <a:prstGeom prst="rect">
             <a:avLst/>
@@ -5170,77 +4265,17 @@
           <a:lstStyle/>
           <a:p>
             <a:r>
-              <a:rPr lang="en-US" dirty="0" smtClean="0"/>
-              <a:t>How well did it predict the right category?</a:t>
-            </a:r>
-            <a:endParaRPr lang="en-US" dirty="0"/>
-          </a:p>
-        </p:txBody>
-      </p:sp>
-      <p:sp>
-        <p:nvSpPr>
-          <p:cNvPr id="15" name="TextBox 14"/>
-          <p:cNvSpPr txBox="1"/>
-          <p:nvPr/>
-        </p:nvSpPr>
-        <p:spPr>
-          <a:xfrm>
-            <a:off x="5827855" y="4171152"/>
-            <a:ext cx="2515626" cy="646331"/>
-          </a:xfrm>
-          <a:prstGeom prst="rect">
-            <a:avLst/>
-          </a:prstGeom>
-          <a:noFill/>
-        </p:spPr>
-        <p:txBody>
-          <a:bodyPr wrap="square" rtlCol="0">
-            <a:spAutoFit/>
-          </a:bodyPr>
-          <a:lstStyle/>
-          <a:p>
-            <a:r>
-              <a:rPr lang="en-US" dirty="0" smtClean="0"/>
-              <a:t>How poorly did it predict the wrong category?</a:t>
-            </a:r>
-            <a:endParaRPr lang="en-US" dirty="0"/>
-          </a:p>
-        </p:txBody>
-      </p:sp>
-      <p:sp>
-        <p:nvSpPr>
-          <p:cNvPr id="16" name="TextBox 15"/>
-          <p:cNvSpPr txBox="1"/>
-          <p:nvPr/>
-        </p:nvSpPr>
-        <p:spPr>
-          <a:xfrm>
-            <a:off x="2419308" y="5361212"/>
-            <a:ext cx="5401994" cy="369332"/>
-          </a:xfrm>
-          <a:prstGeom prst="rect">
-            <a:avLst/>
-          </a:prstGeom>
-          <a:noFill/>
-        </p:spPr>
-        <p:txBody>
-          <a:bodyPr wrap="square" rtlCol="0">
-            <a:spAutoFit/>
-          </a:bodyPr>
-          <a:lstStyle/>
-          <a:p>
-            <a:r>
-              <a:rPr lang="en-US" dirty="0" smtClean="0"/>
-              <a:t>-- Logistic Regression Spreadsheet Here -- </a:t>
-            </a:r>
-            <a:endParaRPr lang="en-US" dirty="0"/>
+              <a:rPr lang="en-US" sz="3200" dirty="0" smtClean="0"/>
+              <a:t>…</a:t>
+            </a:r>
+            <a:endParaRPr lang="en-US" sz="3200" dirty="0"/>
           </a:p>
         </p:txBody>
       </p:sp>
     </p:spTree>
     <p:extLst>
       <p:ext uri="{BB962C8B-B14F-4D97-AF65-F5344CB8AC3E}">
-        <p14:creationId xmlns:p14="http://schemas.microsoft.com/office/powerpoint/2010/main" val="3157313065"/>
+        <p14:creationId xmlns:p14="http://schemas.microsoft.com/office/powerpoint/2010/main" val="4252383438"/>
       </p:ext>
     </p:extLst>
   </p:cSld>
@@ -5283,92 +4318,16 @@
           <a:lstStyle/>
           <a:p>
             <a:r>
-              <a:rPr lang="en-US" dirty="0" err="1" smtClean="0"/>
-              <a:t>Backpropagation</a:t>
-            </a:r>
-            <a:endParaRPr lang="en-US" dirty="0"/>
-          </a:p>
-        </p:txBody>
-      </p:sp>
-      <p:sp>
-        <p:nvSpPr>
-          <p:cNvPr id="3" name="Content Placeholder 2"/>
-          <p:cNvSpPr>
-            <a:spLocks noGrp="1"/>
-          </p:cNvSpPr>
-          <p:nvPr>
-            <p:ph idx="1"/>
-          </p:nvPr>
-        </p:nvSpPr>
-        <p:spPr/>
-        <p:txBody>
-          <a:bodyPr/>
-          <a:lstStyle/>
-          <a:p>
-            <a:r>
-              <a:rPr lang="en-US" dirty="0" smtClean="0"/>
-              <a:t>Calculation derivatives of weights with respect to the cost (this is how it learns)</a:t>
-            </a:r>
-          </a:p>
-          <a:p>
-            <a:r>
-              <a:rPr lang="en-US" dirty="0" smtClean="0"/>
-              <a:t>Math heavy!!!</a:t>
-            </a:r>
-          </a:p>
-          <a:p>
-            <a:r>
-              <a:rPr lang="en-US" dirty="0" smtClean="0"/>
-              <a:t>I side-step this by using automatic differentiation in </a:t>
-            </a:r>
-            <a:r>
-              <a:rPr lang="en-US" dirty="0" err="1" smtClean="0"/>
-              <a:t>Theano</a:t>
-            </a:r>
-            <a:endParaRPr lang="en-US" dirty="0" smtClean="0"/>
-          </a:p>
-          <a:p>
-            <a:endParaRPr lang="en-US" dirty="0"/>
-          </a:p>
-          <a:p>
-            <a:endParaRPr lang="en-US" dirty="0" smtClean="0"/>
-          </a:p>
-          <a:p>
-            <a:r>
-              <a:rPr lang="en-US" dirty="0" smtClean="0"/>
-              <a:t>http://</a:t>
-            </a:r>
-            <a:r>
-              <a:rPr lang="en-US" dirty="0" err="1" smtClean="0"/>
-              <a:t>deeplearning.net</a:t>
-            </a:r>
-            <a:r>
-              <a:rPr lang="en-US" dirty="0" smtClean="0"/>
-              <a:t>/software/</a:t>
-            </a:r>
-            <a:r>
-              <a:rPr lang="en-US" dirty="0" err="1" smtClean="0"/>
-              <a:t>theano</a:t>
-            </a:r>
-            <a:r>
-              <a:rPr lang="en-US" dirty="0" smtClean="0"/>
-              <a:t>/</a:t>
-            </a:r>
-          </a:p>
-          <a:p>
-            <a:endParaRPr lang="en-US" dirty="0"/>
-          </a:p>
-          <a:p>
-            <a:pPr marL="0" indent="0">
-              <a:buNone/>
-            </a:pPr>
+              <a:rPr lang="en-US" dirty="0" smtClean="0"/>
+              <a:t>Architecture</a:t>
+            </a:r>
             <a:endParaRPr lang="en-US" dirty="0"/>
           </a:p>
         </p:txBody>
       </p:sp>
       <p:pic>
         <p:nvPicPr>
-          <p:cNvPr id="4" name="Picture 3"/>
+          <p:cNvPr id="7" name="Picture 6"/>
           <p:cNvPicPr>
             <a:picLocks noChangeAspect="1"/>
           </p:cNvPicPr>
@@ -5382,24 +4341,133 @@
         </p:blipFill>
         <p:spPr>
           <a:xfrm>
-            <a:off x="3092994" y="4578523"/>
-            <a:ext cx="2540000" cy="584200"/>
+            <a:off x="958957" y="1198924"/>
+            <a:ext cx="7395587" cy="5116006"/>
           </a:xfrm>
           <a:prstGeom prst="rect">
             <a:avLst/>
           </a:prstGeom>
         </p:spPr>
       </p:pic>
+      <p:sp>
+        <p:nvSpPr>
+          <p:cNvPr id="8" name="TextBox 7"/>
+          <p:cNvSpPr txBox="1"/>
+          <p:nvPr/>
+        </p:nvSpPr>
+        <p:spPr>
+          <a:xfrm>
+            <a:off x="1505587" y="6298855"/>
+            <a:ext cx="1446962" cy="369332"/>
+          </a:xfrm>
+          <a:prstGeom prst="rect">
+            <a:avLst/>
+          </a:prstGeom>
+          <a:noFill/>
+        </p:spPr>
+        <p:txBody>
+          <a:bodyPr wrap="square" rtlCol="0">
+            <a:spAutoFit/>
+          </a:bodyPr>
+          <a:lstStyle/>
+          <a:p>
+            <a:r>
+              <a:rPr lang="en-US" dirty="0" smtClean="0"/>
+              <a:t>(input)</a:t>
+            </a:r>
+            <a:endParaRPr lang="en-US" dirty="0"/>
+          </a:p>
+        </p:txBody>
+      </p:sp>
+      <p:sp>
+        <p:nvSpPr>
+          <p:cNvPr id="9" name="TextBox 8"/>
+          <p:cNvSpPr txBox="1"/>
+          <p:nvPr/>
+        </p:nvSpPr>
+        <p:spPr>
+          <a:xfrm>
+            <a:off x="3506883" y="6298855"/>
+            <a:ext cx="1632188" cy="369332"/>
+          </a:xfrm>
+          <a:prstGeom prst="rect">
+            <a:avLst/>
+          </a:prstGeom>
+          <a:noFill/>
+        </p:spPr>
+        <p:txBody>
+          <a:bodyPr wrap="square" rtlCol="0">
+            <a:spAutoFit/>
+          </a:bodyPr>
+          <a:lstStyle/>
+          <a:p>
+            <a:r>
+              <a:rPr lang="en-US" dirty="0" smtClean="0"/>
+              <a:t>(hidden layer)</a:t>
+            </a:r>
+            <a:endParaRPr lang="en-US" dirty="0"/>
+          </a:p>
+        </p:txBody>
+      </p:sp>
+      <p:sp>
+        <p:nvSpPr>
+          <p:cNvPr id="10" name="TextBox 9"/>
+          <p:cNvSpPr txBox="1"/>
+          <p:nvPr/>
+        </p:nvSpPr>
+        <p:spPr>
+          <a:xfrm>
+            <a:off x="5845805" y="4843754"/>
+            <a:ext cx="2974982" cy="1754327"/>
+          </a:xfrm>
+          <a:prstGeom prst="rect">
+            <a:avLst/>
+          </a:prstGeom>
+          <a:noFill/>
+        </p:spPr>
+        <p:txBody>
+          <a:bodyPr wrap="square" rtlCol="0">
+            <a:spAutoFit/>
+          </a:bodyPr>
+          <a:lstStyle/>
+          <a:p>
+            <a:r>
+              <a:rPr lang="en-US" dirty="0" smtClean="0"/>
+              <a:t>(output layer)</a:t>
+            </a:r>
+          </a:p>
+          <a:p>
+            <a:endParaRPr lang="en-US" dirty="0"/>
+          </a:p>
+          <a:p>
+            <a:endParaRPr lang="en-US" dirty="0" smtClean="0"/>
+          </a:p>
+          <a:p>
+            <a:r>
+              <a:rPr lang="en-US" dirty="0" smtClean="0"/>
+              <a:t>*Only one output node for two classes; otherwise # of output nodes = # of classes</a:t>
+            </a:r>
+            <a:endParaRPr lang="en-US" dirty="0"/>
+          </a:p>
+        </p:txBody>
+      </p:sp>
     </p:spTree>
     <p:extLst>
       <p:ext uri="{BB962C8B-B14F-4D97-AF65-F5344CB8AC3E}">
-        <p14:creationId xmlns:p14="http://schemas.microsoft.com/office/powerpoint/2010/main" val="2877500341"/>
+        <p14:creationId xmlns:p14="http://schemas.microsoft.com/office/powerpoint/2010/main" val="3407180357"/>
       </p:ext>
     </p:extLst>
   </p:cSld>
   <p:clrMapOvr>
     <a:masterClrMapping/>
   </p:clrMapOvr>
+  <p:timing>
+    <p:tnLst>
+      <p:par>
+        <p:cTn xmlns:p14="http://schemas.microsoft.com/office/powerpoint/2010/main" id="1" dur="indefinite" restart="never" nodeType="tmRoot"/>
+      </p:par>
+    </p:tnLst>
+  </p:timing>
 </p:sld>
 </file>
 
@@ -5437,7 +4505,7 @@
           <a:p>
             <a:r>
               <a:rPr lang="en-US" dirty="0" smtClean="0"/>
-              <a:t>Types of Learning</a:t>
+              <a:t>Bias Node</a:t>
             </a:r>
             <a:endParaRPr lang="en-US" dirty="0"/>
           </a:p>
@@ -5460,38 +4528,46 @@
           <a:p>
             <a:r>
               <a:rPr lang="en-US" dirty="0" smtClean="0"/>
-              <a:t>Supervised Learning for Classification</a:t>
-            </a:r>
-          </a:p>
-          <a:p>
-            <a:pPr lvl="1"/>
-            <a:r>
-              <a:rPr lang="en-US" dirty="0" smtClean="0"/>
-              <a:t>The goal of this type of network is to have the output of the final layer accurately classify a given input</a:t>
-            </a:r>
-          </a:p>
-          <a:p>
-            <a:pPr lvl="1"/>
-            <a:r>
-              <a:rPr lang="en-US" dirty="0" smtClean="0"/>
-              <a:t>Cost function in this case is the difference between the output neuron label and the actual label assigned to a given instance</a:t>
-            </a:r>
-          </a:p>
-          <a:p>
-            <a:endParaRPr lang="en-US" dirty="0"/>
-          </a:p>
-        </p:txBody>
-      </p:sp>
-      <p:sp>
-        <p:nvSpPr>
-          <p:cNvPr id="4" name="TextBox 3"/>
+              <a:t>Allows for a neuron to output zero given some values of the input</a:t>
+            </a:r>
+            <a:endParaRPr lang="en-US" dirty="0"/>
+          </a:p>
+        </p:txBody>
+      </p:sp>
+      <p:pic>
+        <p:nvPicPr>
+          <p:cNvPr id="4" name="Picture 3"/>
+          <p:cNvPicPr>
+            <a:picLocks noChangeAspect="1"/>
+          </p:cNvPicPr>
+          <p:nvPr/>
+        </p:nvPicPr>
+        <p:blipFill>
+          <a:blip r:embed="rId2"/>
+          <a:stretch>
+            <a:fillRect/>
+          </a:stretch>
+        </p:blipFill>
+        <p:spPr>
+          <a:xfrm>
+            <a:off x="2203711" y="2724186"/>
+            <a:ext cx="4724906" cy="3518080"/>
+          </a:xfrm>
+          <a:prstGeom prst="rect">
+            <a:avLst/>
+          </a:prstGeom>
+        </p:spPr>
+      </p:pic>
+      <p:sp>
+        <p:nvSpPr>
+          <p:cNvPr id="5" name="TextBox 4"/>
           <p:cNvSpPr txBox="1"/>
           <p:nvPr/>
         </p:nvSpPr>
         <p:spPr>
           <a:xfrm>
-            <a:off x="2524146" y="5505493"/>
-            <a:ext cx="5209065" cy="369332"/>
+            <a:off x="868061" y="6272865"/>
+            <a:ext cx="8686800" cy="646331"/>
           </a:xfrm>
           <a:prstGeom prst="rect">
             <a:avLst/>
@@ -5505,9 +4581,14 @@
           <a:lstStyle/>
           <a:p>
             <a:r>
-              <a:rPr lang="en-US" dirty="0" smtClean="0"/>
-              <a:t>--MNIST Neural Network Demo Here--</a:t>
-            </a:r>
+              <a:rPr lang="en-US" dirty="0" smtClean="0">
+                <a:hlinkClick r:id="rId3"/>
+              </a:rPr>
+              <a:t>http://stackoverflow.com/questions/2480650/role-of-bias-in-neural-networks</a:t>
+            </a:r>
+            <a:endParaRPr lang="en-US" dirty="0" smtClean="0"/>
+          </a:p>
+          <a:p>
             <a:endParaRPr lang="en-US" dirty="0"/>
           </a:p>
         </p:txBody>
@@ -5515,7 +4596,7 @@
     </p:spTree>
     <p:extLst>
       <p:ext uri="{BB962C8B-B14F-4D97-AF65-F5344CB8AC3E}">
-        <p14:creationId xmlns:p14="http://schemas.microsoft.com/office/powerpoint/2010/main" val="2157175011"/>
+        <p14:creationId xmlns:p14="http://schemas.microsoft.com/office/powerpoint/2010/main" val="3931647204"/>
       </p:ext>
     </p:extLst>
   </p:cSld>
@@ -5559,7 +4640,7 @@
           <a:p>
             <a:r>
               <a:rPr lang="en-US" dirty="0" smtClean="0"/>
-              <a:t>Types of Learning</a:t>
+              <a:t>Question:</a:t>
             </a:r>
             <a:endParaRPr lang="en-US" dirty="0"/>
           </a:p>
@@ -5582,51 +4663,13 @@
           <a:p>
             <a:r>
               <a:rPr lang="en-US" dirty="0" smtClean="0"/>
-              <a:t>Unsupervised Feature Learning</a:t>
-            </a:r>
-          </a:p>
-          <a:p>
-            <a:pPr lvl="1"/>
-            <a:r>
-              <a:rPr lang="en-US" dirty="0" smtClean="0"/>
-              <a:t>The goal of this type of network is to learn a good representation (or prior) of the world with unlabeled data</a:t>
-            </a:r>
-          </a:p>
-          <a:p>
-            <a:pPr lvl="1"/>
-            <a:r>
-              <a:rPr lang="en-US" dirty="0" smtClean="0"/>
-              <a:t>Cost function here could be the difference between input and reconstructed input</a:t>
-            </a:r>
-            <a:endParaRPr lang="en-US" dirty="0"/>
-          </a:p>
-        </p:txBody>
-      </p:sp>
-      <p:sp>
-        <p:nvSpPr>
-          <p:cNvPr id="4" name="TextBox 3"/>
-          <p:cNvSpPr txBox="1"/>
-          <p:nvPr/>
-        </p:nvSpPr>
-        <p:spPr>
-          <a:xfrm>
-            <a:off x="2926080" y="5160470"/>
-            <a:ext cx="4565971" cy="369332"/>
-          </a:xfrm>
-          <a:prstGeom prst="rect">
-            <a:avLst/>
-          </a:prstGeom>
-          <a:noFill/>
-        </p:spPr>
-        <p:txBody>
-          <a:bodyPr wrap="square" rtlCol="0">
-            <a:spAutoFit/>
-          </a:bodyPr>
-          <a:lstStyle/>
-          <a:p>
-            <a:r>
-              <a:rPr lang="en-US" dirty="0" smtClean="0"/>
-              <a:t>--Sparse Filtering Demo Here--</a:t>
+              <a:t>Where are all of the nodes and edges in the neural network code?</a:t>
+            </a:r>
+          </a:p>
+          <a:p>
+            <a:r>
+              <a:rPr lang="en-US" dirty="0" smtClean="0"/>
+              <a:t>Answer: There aren’t really any. Nodes are just indexed as rows or columns in a matrix and there are only connections between nodes by virtue of the operations that are performed!</a:t>
             </a:r>
             <a:endParaRPr lang="en-US" dirty="0"/>
           </a:p>
@@ -5635,7 +4678,7 @@
     </p:spTree>
     <p:extLst>
       <p:ext uri="{BB962C8B-B14F-4D97-AF65-F5344CB8AC3E}">
-        <p14:creationId xmlns:p14="http://schemas.microsoft.com/office/powerpoint/2010/main" val="2630463872"/>
+        <p14:creationId xmlns:p14="http://schemas.microsoft.com/office/powerpoint/2010/main" val="3559017973"/>
       </p:ext>
     </p:extLst>
   </p:cSld>
@@ -5679,30 +4722,7 @@
           <a:p>
             <a:r>
               <a:rPr lang="en-US" dirty="0" smtClean="0"/>
-              <a:t>Deep Neural Networks</a:t>
-            </a:r>
-            <a:endParaRPr lang="en-US" dirty="0"/>
-          </a:p>
-        </p:txBody>
-      </p:sp>
-      <p:sp>
-        <p:nvSpPr>
-          <p:cNvPr id="3" name="Content Placeholder 2"/>
-          <p:cNvSpPr>
-            <a:spLocks noGrp="1"/>
-          </p:cNvSpPr>
-          <p:nvPr>
-            <p:ph idx="1"/>
-          </p:nvPr>
-        </p:nvSpPr>
-        <p:spPr/>
-        <p:txBody>
-          <a:bodyPr/>
-          <a:lstStyle/>
-          <a:p>
-            <a:r>
-              <a:rPr lang="en-US" dirty="0" smtClean="0"/>
-              <a:t>Neural Networks with more than one hidden layer </a:t>
+              <a:t>Architecture to &lt;code/&gt;</a:t>
             </a:r>
             <a:endParaRPr lang="en-US" dirty="0"/>
           </a:p>
@@ -5710,7 +4730,7 @@
       </p:sp>
       <p:pic>
         <p:nvPicPr>
-          <p:cNvPr id="4" name="Picture 3"/>
+          <p:cNvPr id="5" name="Picture 4"/>
           <p:cNvPicPr>
             <a:picLocks noChangeAspect="1"/>
           </p:cNvPicPr>
@@ -5724,24 +4744,818 @@
         </p:blipFill>
         <p:spPr>
           <a:xfrm>
-            <a:off x="1557774" y="2823188"/>
-            <a:ext cx="6350000" cy="3479800"/>
+            <a:off x="2620609" y="1417638"/>
+            <a:ext cx="3826413" cy="2646977"/>
           </a:xfrm>
           <a:prstGeom prst="rect">
             <a:avLst/>
           </a:prstGeom>
         </p:spPr>
       </p:pic>
+      <p:pic>
+        <p:nvPicPr>
+          <p:cNvPr id="7" name="Picture 6"/>
+          <p:cNvPicPr>
+            <a:picLocks noChangeAspect="1"/>
+          </p:cNvPicPr>
+          <p:nvPr/>
+        </p:nvPicPr>
+        <p:blipFill>
+          <a:blip r:embed="rId3"/>
+          <a:stretch>
+            <a:fillRect/>
+          </a:stretch>
+        </p:blipFill>
+        <p:spPr>
+          <a:xfrm>
+            <a:off x="790972" y="4846408"/>
+            <a:ext cx="1919632" cy="1279755"/>
+          </a:xfrm>
+          <a:prstGeom prst="rect">
+            <a:avLst/>
+          </a:prstGeom>
+        </p:spPr>
+      </p:pic>
+      <p:sp>
+        <p:nvSpPr>
+          <p:cNvPr id="8" name="TextBox 7"/>
+          <p:cNvSpPr txBox="1"/>
+          <p:nvPr/>
+        </p:nvSpPr>
+        <p:spPr>
+          <a:xfrm>
+            <a:off x="1286188" y="5224377"/>
+            <a:ext cx="1334421" cy="523220"/>
+          </a:xfrm>
+          <a:prstGeom prst="rect">
+            <a:avLst/>
+          </a:prstGeom>
+          <a:noFill/>
+        </p:spPr>
+        <p:txBody>
+          <a:bodyPr wrap="square" rtlCol="0">
+            <a:spAutoFit/>
+          </a:bodyPr>
+          <a:lstStyle/>
+          <a:p>
+            <a:r>
+              <a:rPr lang="en-US" sz="2800" dirty="0" smtClean="0"/>
+              <a:t>Data</a:t>
+            </a:r>
+            <a:endParaRPr lang="en-US" sz="2800" dirty="0"/>
+          </a:p>
+        </p:txBody>
+      </p:sp>
+      <p:sp>
+        <p:nvSpPr>
+          <p:cNvPr id="10" name="Rectangle 9"/>
+          <p:cNvSpPr/>
+          <p:nvPr/>
+        </p:nvSpPr>
+        <p:spPr>
+          <a:xfrm>
+            <a:off x="790972" y="4846408"/>
+            <a:ext cx="1919632" cy="45719"/>
+          </a:xfrm>
+          <a:prstGeom prst="rect">
+            <a:avLst/>
+          </a:prstGeom>
+        </p:spPr>
+        <p:style>
+          <a:lnRef idx="1">
+            <a:schemeClr val="accent1"/>
+          </a:lnRef>
+          <a:fillRef idx="3">
+            <a:schemeClr val="accent1"/>
+          </a:fillRef>
+          <a:effectRef idx="2">
+            <a:schemeClr val="accent1"/>
+          </a:effectRef>
+          <a:fontRef idx="minor">
+            <a:schemeClr val="lt1"/>
+          </a:fontRef>
+        </p:style>
+        <p:txBody>
+          <a:bodyPr rtlCol="0" anchor="ctr"/>
+          <a:lstStyle/>
+          <a:p>
+            <a:pPr algn="ctr"/>
+            <a:endParaRPr lang="en-US" dirty="0"/>
+          </a:p>
+        </p:txBody>
+      </p:sp>
+      <p:sp>
+        <p:nvSpPr>
+          <p:cNvPr id="11" name="TextBox 10"/>
+          <p:cNvSpPr txBox="1"/>
+          <p:nvPr/>
+        </p:nvSpPr>
+        <p:spPr>
+          <a:xfrm>
+            <a:off x="1286188" y="4416934"/>
+            <a:ext cx="774571" cy="369332"/>
+          </a:xfrm>
+          <a:prstGeom prst="rect">
+            <a:avLst/>
+          </a:prstGeom>
+          <a:noFill/>
+        </p:spPr>
+        <p:txBody>
+          <a:bodyPr wrap="none" rtlCol="0">
+            <a:spAutoFit/>
+          </a:bodyPr>
+          <a:lstStyle/>
+          <a:p>
+            <a:r>
+              <a:rPr lang="en-US" dirty="0" smtClean="0"/>
+              <a:t>Inputs</a:t>
+            </a:r>
+            <a:endParaRPr lang="en-US" dirty="0"/>
+          </a:p>
+        </p:txBody>
+      </p:sp>
+      <p:sp>
+        <p:nvSpPr>
+          <p:cNvPr id="12" name="TextBox 11"/>
+          <p:cNvSpPr txBox="1"/>
+          <p:nvPr/>
+        </p:nvSpPr>
+        <p:spPr>
+          <a:xfrm rot="16200000">
+            <a:off x="-78648" y="5362190"/>
+            <a:ext cx="1071703" cy="369332"/>
+          </a:xfrm>
+          <a:prstGeom prst="rect">
+            <a:avLst/>
+          </a:prstGeom>
+          <a:noFill/>
+        </p:spPr>
+        <p:txBody>
+          <a:bodyPr wrap="none" rtlCol="0">
+            <a:spAutoFit/>
+          </a:bodyPr>
+          <a:lstStyle/>
+          <a:p>
+            <a:r>
+              <a:rPr lang="en-US" dirty="0" smtClean="0"/>
+              <a:t>Examples</a:t>
+            </a:r>
+            <a:endParaRPr lang="en-US" dirty="0"/>
+          </a:p>
+        </p:txBody>
+      </p:sp>
+      <p:sp>
+        <p:nvSpPr>
+          <p:cNvPr id="14" name="Bent-Up Arrow 13"/>
+          <p:cNvSpPr/>
+          <p:nvPr/>
+        </p:nvSpPr>
+        <p:spPr>
+          <a:xfrm rot="10800000">
+            <a:off x="1453431" y="2539852"/>
+            <a:ext cx="1167178" cy="1864700"/>
+          </a:xfrm>
+          <a:prstGeom prst="bentUpArrow">
+            <a:avLst/>
+          </a:prstGeom>
+        </p:spPr>
+        <p:style>
+          <a:lnRef idx="1">
+            <a:schemeClr val="accent1"/>
+          </a:lnRef>
+          <a:fillRef idx="3">
+            <a:schemeClr val="accent1"/>
+          </a:fillRef>
+          <a:effectRef idx="2">
+            <a:schemeClr val="accent1"/>
+          </a:effectRef>
+          <a:fontRef idx="minor">
+            <a:schemeClr val="lt1"/>
+          </a:fontRef>
+        </p:style>
+        <p:txBody>
+          <a:bodyPr rtlCol="0" anchor="ctr"/>
+          <a:lstStyle/>
+          <a:p>
+            <a:pPr algn="ctr"/>
+            <a:endParaRPr lang="en-US" dirty="0"/>
+          </a:p>
+        </p:txBody>
+      </p:sp>
+      <p:pic>
+        <p:nvPicPr>
+          <p:cNvPr id="15" name="Picture 14"/>
+          <p:cNvPicPr>
+            <a:picLocks noChangeAspect="1"/>
+          </p:cNvPicPr>
+          <p:nvPr/>
+        </p:nvPicPr>
+        <p:blipFill>
+          <a:blip r:embed="rId3"/>
+          <a:stretch>
+            <a:fillRect/>
+          </a:stretch>
+        </p:blipFill>
+        <p:spPr>
+          <a:xfrm>
+            <a:off x="3692608" y="4822109"/>
+            <a:ext cx="1919632" cy="1279755"/>
+          </a:xfrm>
+          <a:prstGeom prst="rect">
+            <a:avLst/>
+          </a:prstGeom>
+        </p:spPr>
+      </p:pic>
+      <p:sp>
+        <p:nvSpPr>
+          <p:cNvPr id="16" name="TextBox 15"/>
+          <p:cNvSpPr txBox="1"/>
+          <p:nvPr/>
+        </p:nvSpPr>
+        <p:spPr>
+          <a:xfrm>
+            <a:off x="3853204" y="5008545"/>
+            <a:ext cx="1585189" cy="954107"/>
+          </a:xfrm>
+          <a:prstGeom prst="rect">
+            <a:avLst/>
+          </a:prstGeom>
+          <a:noFill/>
+        </p:spPr>
+        <p:txBody>
+          <a:bodyPr wrap="square" rtlCol="0">
+            <a:spAutoFit/>
+          </a:bodyPr>
+          <a:lstStyle/>
+          <a:p>
+            <a:pPr algn="ctr"/>
+            <a:r>
+              <a:rPr lang="en-US" sz="2800" dirty="0" smtClean="0"/>
+              <a:t>Hidden</a:t>
+            </a:r>
+          </a:p>
+          <a:p>
+            <a:pPr algn="ctr"/>
+            <a:r>
+              <a:rPr lang="en-US" sz="2800" dirty="0" smtClean="0"/>
+              <a:t>Weights</a:t>
+            </a:r>
+          </a:p>
+        </p:txBody>
+      </p:sp>
+      <p:sp>
+        <p:nvSpPr>
+          <p:cNvPr id="17" name="Rectangle 16"/>
+          <p:cNvSpPr/>
+          <p:nvPr/>
+        </p:nvSpPr>
+        <p:spPr>
+          <a:xfrm>
+            <a:off x="3692608" y="4822109"/>
+            <a:ext cx="45719" cy="1279755"/>
+          </a:xfrm>
+          <a:prstGeom prst="rect">
+            <a:avLst/>
+          </a:prstGeom>
+          <a:solidFill>
+            <a:schemeClr val="accent6">
+              <a:lumMod val="75000"/>
+            </a:schemeClr>
+          </a:solidFill>
+        </p:spPr>
+        <p:style>
+          <a:lnRef idx="1">
+            <a:schemeClr val="accent1"/>
+          </a:lnRef>
+          <a:fillRef idx="3">
+            <a:schemeClr val="accent1"/>
+          </a:fillRef>
+          <a:effectRef idx="2">
+            <a:schemeClr val="accent1"/>
+          </a:effectRef>
+          <a:fontRef idx="minor">
+            <a:schemeClr val="lt1"/>
+          </a:fontRef>
+        </p:style>
+        <p:txBody>
+          <a:bodyPr rtlCol="0" anchor="ctr"/>
+          <a:lstStyle/>
+          <a:p>
+            <a:pPr algn="ctr"/>
+            <a:endParaRPr lang="en-US" dirty="0"/>
+          </a:p>
+        </p:txBody>
+      </p:sp>
+      <p:sp>
+        <p:nvSpPr>
+          <p:cNvPr id="18" name="TextBox 17"/>
+          <p:cNvSpPr txBox="1"/>
+          <p:nvPr/>
+        </p:nvSpPr>
+        <p:spPr>
+          <a:xfrm rot="16200000">
+            <a:off x="2971552" y="5337891"/>
+            <a:ext cx="774571" cy="369332"/>
+          </a:xfrm>
+          <a:prstGeom prst="rect">
+            <a:avLst/>
+          </a:prstGeom>
+          <a:noFill/>
+        </p:spPr>
+        <p:txBody>
+          <a:bodyPr wrap="none" rtlCol="0">
+            <a:spAutoFit/>
+          </a:bodyPr>
+          <a:lstStyle/>
+          <a:p>
+            <a:r>
+              <a:rPr lang="en-US" dirty="0" smtClean="0"/>
+              <a:t>Inputs</a:t>
+            </a:r>
+            <a:endParaRPr lang="en-US" dirty="0"/>
+          </a:p>
+        </p:txBody>
+      </p:sp>
+      <p:sp>
+        <p:nvSpPr>
+          <p:cNvPr id="19" name="TextBox 18"/>
+          <p:cNvSpPr txBox="1"/>
+          <p:nvPr/>
+        </p:nvSpPr>
+        <p:spPr>
+          <a:xfrm>
+            <a:off x="4027051" y="4420511"/>
+            <a:ext cx="983563" cy="369332"/>
+          </a:xfrm>
+          <a:prstGeom prst="rect">
+            <a:avLst/>
+          </a:prstGeom>
+          <a:noFill/>
+        </p:spPr>
+        <p:txBody>
+          <a:bodyPr wrap="none" rtlCol="0">
+            <a:spAutoFit/>
+          </a:bodyPr>
+          <a:lstStyle/>
+          <a:p>
+            <a:r>
+              <a:rPr lang="en-US" dirty="0" smtClean="0"/>
+              <a:t>Neurons</a:t>
+            </a:r>
+            <a:endParaRPr lang="en-US" dirty="0"/>
+          </a:p>
+        </p:txBody>
+      </p:sp>
+      <p:cxnSp>
+        <p:nvCxnSpPr>
+          <p:cNvPr id="22" name="Straight Arrow Connector 21"/>
+          <p:cNvCxnSpPr/>
+          <p:nvPr/>
+        </p:nvCxnSpPr>
+        <p:spPr>
+          <a:xfrm flipV="1">
+            <a:off x="3360169" y="1736101"/>
+            <a:ext cx="819945" cy="1736101"/>
+          </a:xfrm>
+          <a:prstGeom prst="straightConnector1">
+            <a:avLst/>
+          </a:prstGeom>
+          <a:ln>
+            <a:solidFill>
+              <a:schemeClr val="accent6">
+                <a:lumMod val="75000"/>
+              </a:schemeClr>
+            </a:solidFill>
+            <a:tailEnd type="arrow"/>
+          </a:ln>
+        </p:spPr>
+        <p:style>
+          <a:lnRef idx="2">
+            <a:schemeClr val="accent1"/>
+          </a:lnRef>
+          <a:fillRef idx="0">
+            <a:schemeClr val="accent1"/>
+          </a:fillRef>
+          <a:effectRef idx="1">
+            <a:schemeClr val="accent1"/>
+          </a:effectRef>
+          <a:fontRef idx="minor">
+            <a:schemeClr val="tx1"/>
+          </a:fontRef>
+        </p:style>
+      </p:cxnSp>
+      <p:cxnSp>
+        <p:nvCxnSpPr>
+          <p:cNvPr id="24" name="Straight Arrow Connector 23"/>
+          <p:cNvCxnSpPr/>
+          <p:nvPr/>
+        </p:nvCxnSpPr>
+        <p:spPr>
+          <a:xfrm flipV="1">
+            <a:off x="3360169" y="1736101"/>
+            <a:ext cx="819945" cy="1157400"/>
+          </a:xfrm>
+          <a:prstGeom prst="straightConnector1">
+            <a:avLst/>
+          </a:prstGeom>
+          <a:ln>
+            <a:solidFill>
+              <a:schemeClr val="accent6">
+                <a:lumMod val="75000"/>
+              </a:schemeClr>
+            </a:solidFill>
+            <a:tailEnd type="arrow"/>
+          </a:ln>
+        </p:spPr>
+        <p:style>
+          <a:lnRef idx="2">
+            <a:schemeClr val="accent1"/>
+          </a:lnRef>
+          <a:fillRef idx="0">
+            <a:schemeClr val="accent1"/>
+          </a:fillRef>
+          <a:effectRef idx="1">
+            <a:schemeClr val="accent1"/>
+          </a:effectRef>
+          <a:fontRef idx="minor">
+            <a:schemeClr val="tx1"/>
+          </a:fontRef>
+        </p:style>
+      </p:cxnSp>
+      <p:cxnSp>
+        <p:nvCxnSpPr>
+          <p:cNvPr id="26" name="Straight Arrow Connector 25"/>
+          <p:cNvCxnSpPr/>
+          <p:nvPr/>
+        </p:nvCxnSpPr>
+        <p:spPr>
+          <a:xfrm flipV="1">
+            <a:off x="3360169" y="1736101"/>
+            <a:ext cx="819945" cy="562625"/>
+          </a:xfrm>
+          <a:prstGeom prst="straightConnector1">
+            <a:avLst/>
+          </a:prstGeom>
+          <a:ln>
+            <a:solidFill>
+              <a:schemeClr val="accent6">
+                <a:lumMod val="75000"/>
+              </a:schemeClr>
+            </a:solidFill>
+            <a:tailEnd type="arrow"/>
+          </a:ln>
+        </p:spPr>
+        <p:style>
+          <a:lnRef idx="2">
+            <a:schemeClr val="accent1"/>
+          </a:lnRef>
+          <a:fillRef idx="0">
+            <a:schemeClr val="accent1"/>
+          </a:fillRef>
+          <a:effectRef idx="1">
+            <a:schemeClr val="accent1"/>
+          </a:effectRef>
+          <a:fontRef idx="minor">
+            <a:schemeClr val="tx1"/>
+          </a:fontRef>
+        </p:style>
+      </p:cxnSp>
+      <p:cxnSp>
+        <p:nvCxnSpPr>
+          <p:cNvPr id="28" name="Straight Arrow Connector 27"/>
+          <p:cNvCxnSpPr/>
+          <p:nvPr/>
+        </p:nvCxnSpPr>
+        <p:spPr>
+          <a:xfrm>
+            <a:off x="3360169" y="1736101"/>
+            <a:ext cx="819945" cy="0"/>
+          </a:xfrm>
+          <a:prstGeom prst="straightConnector1">
+            <a:avLst/>
+          </a:prstGeom>
+          <a:ln>
+            <a:solidFill>
+              <a:schemeClr val="accent6">
+                <a:lumMod val="75000"/>
+              </a:schemeClr>
+            </a:solidFill>
+            <a:tailEnd type="arrow"/>
+          </a:ln>
+        </p:spPr>
+        <p:style>
+          <a:lnRef idx="2">
+            <a:schemeClr val="accent1"/>
+          </a:lnRef>
+          <a:fillRef idx="0">
+            <a:schemeClr val="accent1"/>
+          </a:fillRef>
+          <a:effectRef idx="1">
+            <a:schemeClr val="accent1"/>
+          </a:effectRef>
+          <a:fontRef idx="minor">
+            <a:schemeClr val="tx1"/>
+          </a:fontRef>
+        </p:style>
+      </p:cxnSp>
+      <p:sp>
+        <p:nvSpPr>
+          <p:cNvPr id="29" name="Down Arrow 28"/>
+          <p:cNvSpPr/>
+          <p:nvPr/>
+        </p:nvSpPr>
+        <p:spPr>
+          <a:xfrm>
+            <a:off x="4187824" y="4064615"/>
+            <a:ext cx="394224" cy="355896"/>
+          </a:xfrm>
+          <a:prstGeom prst="downArrow">
+            <a:avLst/>
+          </a:prstGeom>
+          <a:solidFill>
+            <a:schemeClr val="accent6">
+              <a:lumMod val="75000"/>
+            </a:schemeClr>
+          </a:solidFill>
+        </p:spPr>
+        <p:style>
+          <a:lnRef idx="1">
+            <a:schemeClr val="accent1"/>
+          </a:lnRef>
+          <a:fillRef idx="3">
+            <a:schemeClr val="accent1"/>
+          </a:fillRef>
+          <a:effectRef idx="2">
+            <a:schemeClr val="accent1"/>
+          </a:effectRef>
+          <a:fontRef idx="minor">
+            <a:schemeClr val="lt1"/>
+          </a:fontRef>
+        </p:style>
+        <p:txBody>
+          <a:bodyPr rtlCol="0" anchor="ctr"/>
+          <a:lstStyle/>
+          <a:p>
+            <a:pPr algn="ctr"/>
+            <a:endParaRPr lang="en-US" dirty="0"/>
+          </a:p>
+        </p:txBody>
+      </p:sp>
+      <p:pic>
+        <p:nvPicPr>
+          <p:cNvPr id="34" name="Picture 33"/>
+          <p:cNvPicPr>
+            <a:picLocks noChangeAspect="1"/>
+          </p:cNvPicPr>
+          <p:nvPr/>
+        </p:nvPicPr>
+        <p:blipFill>
+          <a:blip r:embed="rId3"/>
+          <a:stretch>
+            <a:fillRect/>
+          </a:stretch>
+        </p:blipFill>
+        <p:spPr>
+          <a:xfrm>
+            <a:off x="6721117" y="4846408"/>
+            <a:ext cx="1919632" cy="1279755"/>
+          </a:xfrm>
+          <a:prstGeom prst="rect">
+            <a:avLst/>
+          </a:prstGeom>
+        </p:spPr>
+      </p:pic>
+      <p:sp>
+        <p:nvSpPr>
+          <p:cNvPr id="35" name="TextBox 34"/>
+          <p:cNvSpPr txBox="1"/>
+          <p:nvPr/>
+        </p:nvSpPr>
+        <p:spPr>
+          <a:xfrm>
+            <a:off x="6899074" y="5011004"/>
+            <a:ext cx="1690526" cy="954107"/>
+          </a:xfrm>
+          <a:prstGeom prst="rect">
+            <a:avLst/>
+          </a:prstGeom>
+          <a:noFill/>
+        </p:spPr>
+        <p:txBody>
+          <a:bodyPr wrap="square" rtlCol="0">
+            <a:spAutoFit/>
+          </a:bodyPr>
+          <a:lstStyle/>
+          <a:p>
+            <a:pPr algn="ctr"/>
+            <a:r>
+              <a:rPr lang="en-US" sz="2800" dirty="0" smtClean="0"/>
+              <a:t>Output</a:t>
+            </a:r>
+          </a:p>
+          <a:p>
+            <a:pPr algn="ctr"/>
+            <a:r>
+              <a:rPr lang="en-US" sz="2800" dirty="0" smtClean="0"/>
+              <a:t>Weights</a:t>
+            </a:r>
+            <a:endParaRPr lang="en-US" sz="2800" dirty="0"/>
+          </a:p>
+        </p:txBody>
+      </p:sp>
+      <p:sp>
+        <p:nvSpPr>
+          <p:cNvPr id="36" name="Rectangle 35"/>
+          <p:cNvSpPr/>
+          <p:nvPr/>
+        </p:nvSpPr>
+        <p:spPr>
+          <a:xfrm>
+            <a:off x="6721117" y="4846408"/>
+            <a:ext cx="45719" cy="1279755"/>
+          </a:xfrm>
+          <a:prstGeom prst="rect">
+            <a:avLst/>
+          </a:prstGeom>
+          <a:solidFill>
+            <a:schemeClr val="accent6">
+              <a:lumMod val="75000"/>
+            </a:schemeClr>
+          </a:solidFill>
+        </p:spPr>
+        <p:style>
+          <a:lnRef idx="1">
+            <a:schemeClr val="accent1"/>
+          </a:lnRef>
+          <a:fillRef idx="3">
+            <a:schemeClr val="accent1"/>
+          </a:fillRef>
+          <a:effectRef idx="2">
+            <a:schemeClr val="accent1"/>
+          </a:effectRef>
+          <a:fontRef idx="minor">
+            <a:schemeClr val="lt1"/>
+          </a:fontRef>
+        </p:style>
+        <p:txBody>
+          <a:bodyPr rtlCol="0" anchor="ctr"/>
+          <a:lstStyle/>
+          <a:p>
+            <a:pPr algn="ctr"/>
+            <a:endParaRPr lang="en-US" dirty="0"/>
+          </a:p>
+        </p:txBody>
+      </p:sp>
+      <p:sp>
+        <p:nvSpPr>
+          <p:cNvPr id="37" name="TextBox 36"/>
+          <p:cNvSpPr txBox="1"/>
+          <p:nvPr/>
+        </p:nvSpPr>
+        <p:spPr>
+          <a:xfrm rot="16200000">
+            <a:off x="5895566" y="5362190"/>
+            <a:ext cx="983563" cy="369332"/>
+          </a:xfrm>
+          <a:prstGeom prst="rect">
+            <a:avLst/>
+          </a:prstGeom>
+          <a:noFill/>
+        </p:spPr>
+        <p:txBody>
+          <a:bodyPr wrap="none" rtlCol="0">
+            <a:spAutoFit/>
+          </a:bodyPr>
+          <a:lstStyle/>
+          <a:p>
+            <a:r>
+              <a:rPr lang="en-US" dirty="0" smtClean="0"/>
+              <a:t>Neurons</a:t>
+            </a:r>
+            <a:endParaRPr lang="en-US" dirty="0"/>
+          </a:p>
+        </p:txBody>
+      </p:sp>
+      <p:sp>
+        <p:nvSpPr>
+          <p:cNvPr id="38" name="TextBox 37"/>
+          <p:cNvSpPr txBox="1"/>
+          <p:nvPr/>
+        </p:nvSpPr>
+        <p:spPr>
+          <a:xfrm>
+            <a:off x="7333476" y="4458373"/>
+            <a:ext cx="856988" cy="369332"/>
+          </a:xfrm>
+          <a:prstGeom prst="rect">
+            <a:avLst/>
+          </a:prstGeom>
+          <a:noFill/>
+        </p:spPr>
+        <p:txBody>
+          <a:bodyPr wrap="none" rtlCol="0">
+            <a:spAutoFit/>
+          </a:bodyPr>
+          <a:lstStyle/>
+          <a:p>
+            <a:r>
+              <a:rPr lang="en-US" dirty="0" smtClean="0"/>
+              <a:t>Classes</a:t>
+            </a:r>
+            <a:endParaRPr lang="en-US" dirty="0"/>
+          </a:p>
+        </p:txBody>
+      </p:sp>
+      <p:sp>
+        <p:nvSpPr>
+          <p:cNvPr id="39" name="Down Arrow 38"/>
+          <p:cNvSpPr/>
+          <p:nvPr/>
+        </p:nvSpPr>
+        <p:spPr>
+          <a:xfrm rot="18801129">
+            <a:off x="6641952" y="2613511"/>
+            <a:ext cx="394224" cy="2187703"/>
+          </a:xfrm>
+          <a:prstGeom prst="downArrow">
+            <a:avLst/>
+          </a:prstGeom>
+          <a:solidFill>
+            <a:schemeClr val="accent6">
+              <a:lumMod val="75000"/>
+            </a:schemeClr>
+          </a:solidFill>
+        </p:spPr>
+        <p:style>
+          <a:lnRef idx="1">
+            <a:schemeClr val="accent1"/>
+          </a:lnRef>
+          <a:fillRef idx="3">
+            <a:schemeClr val="accent1"/>
+          </a:fillRef>
+          <a:effectRef idx="2">
+            <a:schemeClr val="accent1"/>
+          </a:effectRef>
+          <a:fontRef idx="minor">
+            <a:schemeClr val="lt1"/>
+          </a:fontRef>
+        </p:style>
+        <p:txBody>
+          <a:bodyPr rtlCol="0" anchor="ctr"/>
+          <a:lstStyle/>
+          <a:p>
+            <a:pPr algn="ctr"/>
+            <a:endParaRPr lang="en-US" dirty="0"/>
+          </a:p>
+        </p:txBody>
+      </p:sp>
+      <p:sp>
+        <p:nvSpPr>
+          <p:cNvPr id="40" name="TextBox 39"/>
+          <p:cNvSpPr txBox="1"/>
+          <p:nvPr/>
+        </p:nvSpPr>
+        <p:spPr>
+          <a:xfrm>
+            <a:off x="6251665" y="2386191"/>
+            <a:ext cx="1631240" cy="369332"/>
+          </a:xfrm>
+          <a:prstGeom prst="rect">
+            <a:avLst/>
+          </a:prstGeom>
+          <a:noFill/>
+        </p:spPr>
+        <p:txBody>
+          <a:bodyPr wrap="square" rtlCol="0">
+            <a:spAutoFit/>
+          </a:bodyPr>
+          <a:lstStyle/>
+          <a:p>
+            <a:r>
+              <a:rPr lang="en-US" dirty="0" smtClean="0"/>
+              <a:t>= f(activation)</a:t>
+            </a:r>
+            <a:endParaRPr lang="en-US" dirty="0"/>
+          </a:p>
+        </p:txBody>
+      </p:sp>
     </p:spTree>
     <p:extLst>
       <p:ext uri="{BB962C8B-B14F-4D97-AF65-F5344CB8AC3E}">
-        <p14:creationId xmlns:p14="http://schemas.microsoft.com/office/powerpoint/2010/main" val="4059090660"/>
+        <p14:creationId xmlns:p14="http://schemas.microsoft.com/office/powerpoint/2010/main" val="3268116437"/>
       </p:ext>
     </p:extLst>
   </p:cSld>
   <p:clrMapOvr>
     <a:masterClrMapping/>
   </p:clrMapOvr>
+  <p:timing>
+    <p:tnLst>
+      <p:par>
+        <p:cTn xmlns:p14="http://schemas.microsoft.com/office/powerpoint/2010/main" id="1" dur="indefinite" restart="never" nodeType="tmRoot"/>
+      </p:par>
+    </p:tnLst>
+  </p:timing>
 </p:sld>
 </file>
 
@@ -5774,12 +5588,37 @@
         </p:nvSpPr>
         <p:spPr/>
         <p:txBody>
+          <a:bodyPr>
+            <a:normAutofit/>
+          </a:bodyPr>
+          <a:lstStyle/>
+          <a:p>
+            <a:r>
+              <a:rPr lang="en-US" dirty="0" smtClean="0"/>
+              <a:t>Input</a:t>
+            </a:r>
+            <a:endParaRPr lang="en-US" dirty="0"/>
+          </a:p>
+        </p:txBody>
+      </p:sp>
+      <p:sp>
+        <p:nvSpPr>
+          <p:cNvPr id="3" name="Content Placeholder 2"/>
+          <p:cNvSpPr>
+            <a:spLocks noGrp="1"/>
+          </p:cNvSpPr>
+          <p:nvPr>
+            <p:ph idx="1"/>
+          </p:nvPr>
+        </p:nvSpPr>
+        <p:spPr/>
+        <p:txBody>
           <a:bodyPr/>
           <a:lstStyle/>
           <a:p>
             <a:r>
               <a:rPr lang="en-US" dirty="0" smtClean="0"/>
-              <a:t>Deep Neural Networks</a:t>
+              <a:t>Example: Images (can be anything, basically)</a:t>
             </a:r>
             <a:endParaRPr lang="en-US" dirty="0"/>
           </a:p>
@@ -5787,7 +5626,7 @@
       </p:sp>
       <p:pic>
         <p:nvPicPr>
-          <p:cNvPr id="6" name="Picture 5"/>
+          <p:cNvPr id="4" name="Picture 3"/>
           <p:cNvPicPr>
             <a:picLocks noChangeAspect="1"/>
           </p:cNvPicPr>
@@ -5801,18 +5640,512 @@
         </p:blipFill>
         <p:spPr>
           <a:xfrm>
-            <a:off x="374804" y="1417638"/>
-            <a:ext cx="8311996" cy="4998742"/>
+            <a:off x="1038853" y="2800431"/>
+            <a:ext cx="2904471" cy="2904471"/>
           </a:xfrm>
           <a:prstGeom prst="rect">
             <a:avLst/>
           </a:prstGeom>
         </p:spPr>
       </p:pic>
+      <p:sp>
+        <p:nvSpPr>
+          <p:cNvPr id="5" name="TextBox 4"/>
+          <p:cNvSpPr txBox="1"/>
+          <p:nvPr/>
+        </p:nvSpPr>
+        <p:spPr>
+          <a:xfrm>
+            <a:off x="1871408" y="2310634"/>
+            <a:ext cx="1654191" cy="523220"/>
+          </a:xfrm>
+          <a:prstGeom prst="rect">
+            <a:avLst/>
+          </a:prstGeom>
+          <a:noFill/>
+        </p:spPr>
+        <p:txBody>
+          <a:bodyPr wrap="square" rtlCol="0">
+            <a:spAutoFit/>
+          </a:bodyPr>
+          <a:lstStyle/>
+          <a:p>
+            <a:r>
+              <a:rPr lang="en-US" sz="2800" dirty="0" smtClean="0"/>
+              <a:t>20 pixels</a:t>
+            </a:r>
+            <a:endParaRPr lang="en-US" sz="2800" dirty="0"/>
+          </a:p>
+        </p:txBody>
+      </p:sp>
+      <p:sp>
+        <p:nvSpPr>
+          <p:cNvPr id="7" name="TextBox 6"/>
+          <p:cNvSpPr txBox="1"/>
+          <p:nvPr/>
+        </p:nvSpPr>
+        <p:spPr>
+          <a:xfrm rot="16200000">
+            <a:off x="-102228" y="3966821"/>
+            <a:ext cx="1654191" cy="523220"/>
+          </a:xfrm>
+          <a:prstGeom prst="rect">
+            <a:avLst/>
+          </a:prstGeom>
+          <a:noFill/>
+        </p:spPr>
+        <p:txBody>
+          <a:bodyPr wrap="square" rtlCol="0">
+            <a:spAutoFit/>
+          </a:bodyPr>
+          <a:lstStyle/>
+          <a:p>
+            <a:r>
+              <a:rPr lang="en-US" sz="2800" dirty="0" smtClean="0"/>
+              <a:t>20 pixels</a:t>
+            </a:r>
+            <a:endParaRPr lang="en-US" sz="2800" dirty="0"/>
+          </a:p>
+        </p:txBody>
+      </p:sp>
+      <p:pic>
+        <p:nvPicPr>
+          <p:cNvPr id="8" name="Picture 7"/>
+          <p:cNvPicPr>
+            <a:picLocks noChangeAspect="1"/>
+          </p:cNvPicPr>
+          <p:nvPr/>
+        </p:nvPicPr>
+        <p:blipFill rotWithShape="1">
+          <a:blip r:embed="rId3"/>
+          <a:srcRect l="789" t="8448" r="896" b="1"/>
+          <a:stretch/>
+        </p:blipFill>
+        <p:spPr>
+          <a:xfrm>
+            <a:off x="3552521" y="6424064"/>
+            <a:ext cx="5431424" cy="69762"/>
+          </a:xfrm>
+          <a:prstGeom prst="rect">
+            <a:avLst/>
+          </a:prstGeom>
+        </p:spPr>
+      </p:pic>
+      <p:sp>
+        <p:nvSpPr>
+          <p:cNvPr id="9" name="Rectangle 8"/>
+          <p:cNvSpPr/>
+          <p:nvPr/>
+        </p:nvSpPr>
+        <p:spPr>
+          <a:xfrm>
+            <a:off x="4494721" y="2833854"/>
+            <a:ext cx="1470392" cy="207647"/>
+          </a:xfrm>
+          <a:prstGeom prst="rect">
+            <a:avLst/>
+          </a:prstGeom>
+        </p:spPr>
+        <p:style>
+          <a:lnRef idx="1">
+            <a:schemeClr val="accent1"/>
+          </a:lnRef>
+          <a:fillRef idx="3">
+            <a:schemeClr val="accent1"/>
+          </a:fillRef>
+          <a:effectRef idx="2">
+            <a:schemeClr val="accent1"/>
+          </a:effectRef>
+          <a:fontRef idx="minor">
+            <a:schemeClr val="lt1"/>
+          </a:fontRef>
+        </p:style>
+        <p:txBody>
+          <a:bodyPr rtlCol="0" anchor="ctr"/>
+          <a:lstStyle/>
+          <a:p>
+            <a:pPr algn="ctr"/>
+            <a:endParaRPr lang="en-US" dirty="0"/>
+          </a:p>
+        </p:txBody>
+      </p:sp>
+      <p:sp>
+        <p:nvSpPr>
+          <p:cNvPr id="11" name="Rectangle 10"/>
+          <p:cNvSpPr/>
+          <p:nvPr/>
+        </p:nvSpPr>
+        <p:spPr>
+          <a:xfrm>
+            <a:off x="5965113" y="2833854"/>
+            <a:ext cx="1470392" cy="207647"/>
+          </a:xfrm>
+          <a:prstGeom prst="rect">
+            <a:avLst/>
+          </a:prstGeom>
+        </p:spPr>
+        <p:style>
+          <a:lnRef idx="1">
+            <a:schemeClr val="accent1"/>
+          </a:lnRef>
+          <a:fillRef idx="3">
+            <a:schemeClr val="accent1"/>
+          </a:fillRef>
+          <a:effectRef idx="2">
+            <a:schemeClr val="accent1"/>
+          </a:effectRef>
+          <a:fontRef idx="minor">
+            <a:schemeClr val="lt1"/>
+          </a:fontRef>
+        </p:style>
+        <p:txBody>
+          <a:bodyPr rtlCol="0" anchor="ctr"/>
+          <a:lstStyle/>
+          <a:p>
+            <a:pPr algn="ctr"/>
+            <a:endParaRPr lang="en-US" dirty="0"/>
+          </a:p>
+        </p:txBody>
+      </p:sp>
+      <p:sp>
+        <p:nvSpPr>
+          <p:cNvPr id="14" name="Rectangle 13"/>
+          <p:cNvSpPr/>
+          <p:nvPr/>
+        </p:nvSpPr>
+        <p:spPr>
+          <a:xfrm>
+            <a:off x="1038853" y="2925445"/>
+            <a:ext cx="2887762" cy="133734"/>
+          </a:xfrm>
+          <a:prstGeom prst="rect">
+            <a:avLst/>
+          </a:prstGeom>
+          <a:noFill/>
+          <a:ln w="28575" cmpd="sng">
+            <a:solidFill>
+              <a:schemeClr val="tx1"/>
+            </a:solidFill>
+          </a:ln>
+        </p:spPr>
+        <p:style>
+          <a:lnRef idx="1">
+            <a:schemeClr val="accent1"/>
+          </a:lnRef>
+          <a:fillRef idx="3">
+            <a:schemeClr val="accent1"/>
+          </a:fillRef>
+          <a:effectRef idx="2">
+            <a:schemeClr val="accent1"/>
+          </a:effectRef>
+          <a:fontRef idx="minor">
+            <a:schemeClr val="lt1"/>
+          </a:fontRef>
+        </p:style>
+        <p:txBody>
+          <a:bodyPr rtlCol="0" anchor="ctr"/>
+          <a:lstStyle/>
+          <a:p>
+            <a:pPr algn="ctr"/>
+            <a:endParaRPr lang="en-US" dirty="0"/>
+          </a:p>
+        </p:txBody>
+      </p:sp>
+      <p:sp>
+        <p:nvSpPr>
+          <p:cNvPr id="17" name="TextBox 16"/>
+          <p:cNvSpPr txBox="1"/>
+          <p:nvPr/>
+        </p:nvSpPr>
+        <p:spPr>
+          <a:xfrm>
+            <a:off x="7577827" y="2508043"/>
+            <a:ext cx="1108973" cy="584776"/>
+          </a:xfrm>
+          <a:prstGeom prst="rect">
+            <a:avLst/>
+          </a:prstGeom>
+          <a:noFill/>
+        </p:spPr>
+        <p:txBody>
+          <a:bodyPr wrap="square" rtlCol="0">
+            <a:spAutoFit/>
+          </a:bodyPr>
+          <a:lstStyle/>
+          <a:p>
+            <a:r>
+              <a:rPr lang="en-US" sz="3200" dirty="0" smtClean="0"/>
+              <a:t>…</a:t>
+            </a:r>
+            <a:endParaRPr lang="en-US" sz="3200" dirty="0"/>
+          </a:p>
+        </p:txBody>
+      </p:sp>
+      <p:sp>
+        <p:nvSpPr>
+          <p:cNvPr id="18" name="TextBox 17"/>
+          <p:cNvSpPr txBox="1"/>
+          <p:nvPr/>
+        </p:nvSpPr>
+        <p:spPr>
+          <a:xfrm>
+            <a:off x="4494721" y="4345973"/>
+            <a:ext cx="3418035" cy="1077218"/>
+          </a:xfrm>
+          <a:prstGeom prst="rect">
+            <a:avLst/>
+          </a:prstGeom>
+          <a:noFill/>
+        </p:spPr>
+        <p:txBody>
+          <a:bodyPr wrap="square" rtlCol="0">
+            <a:spAutoFit/>
+          </a:bodyPr>
+          <a:lstStyle/>
+          <a:p>
+            <a:pPr algn="ctr"/>
+            <a:r>
+              <a:rPr lang="en-US" sz="3200" dirty="0" smtClean="0"/>
+              <a:t>End product after </a:t>
+            </a:r>
+            <a:r>
+              <a:rPr lang="en-US" sz="3200" dirty="0" err="1" smtClean="0"/>
+              <a:t>vectorization</a:t>
+            </a:r>
+            <a:endParaRPr lang="en-US" sz="3200" dirty="0"/>
+          </a:p>
+        </p:txBody>
+      </p:sp>
+      <p:sp>
+        <p:nvSpPr>
+          <p:cNvPr id="19" name="Down Arrow 18"/>
+          <p:cNvSpPr/>
+          <p:nvPr/>
+        </p:nvSpPr>
+        <p:spPr>
+          <a:xfrm>
+            <a:off x="6148912" y="5423191"/>
+            <a:ext cx="367598" cy="492706"/>
+          </a:xfrm>
+          <a:prstGeom prst="downArrow">
+            <a:avLst/>
+          </a:prstGeom>
+        </p:spPr>
+        <p:style>
+          <a:lnRef idx="1">
+            <a:schemeClr val="accent1"/>
+          </a:lnRef>
+          <a:fillRef idx="3">
+            <a:schemeClr val="accent1"/>
+          </a:fillRef>
+          <a:effectRef idx="2">
+            <a:schemeClr val="accent1"/>
+          </a:effectRef>
+          <a:fontRef idx="minor">
+            <a:schemeClr val="lt1"/>
+          </a:fontRef>
+        </p:style>
+        <p:txBody>
+          <a:bodyPr rtlCol="0" anchor="ctr"/>
+          <a:lstStyle/>
+          <a:p>
+            <a:pPr algn="ctr"/>
+            <a:endParaRPr lang="en-US"/>
+          </a:p>
+        </p:txBody>
+      </p:sp>
+      <p:sp>
+        <p:nvSpPr>
+          <p:cNvPr id="20" name="TextBox 19"/>
+          <p:cNvSpPr txBox="1"/>
+          <p:nvPr/>
+        </p:nvSpPr>
+        <p:spPr>
+          <a:xfrm>
+            <a:off x="5463843" y="5900844"/>
+            <a:ext cx="1654191" cy="523220"/>
+          </a:xfrm>
+          <a:prstGeom prst="rect">
+            <a:avLst/>
+          </a:prstGeom>
+          <a:noFill/>
+        </p:spPr>
+        <p:txBody>
+          <a:bodyPr wrap="square" rtlCol="0">
+            <a:spAutoFit/>
+          </a:bodyPr>
+          <a:lstStyle/>
+          <a:p>
+            <a:r>
+              <a:rPr lang="en-US" sz="2800" dirty="0" smtClean="0"/>
+              <a:t>400 pixels</a:t>
+            </a:r>
+            <a:endParaRPr lang="en-US" sz="2800" dirty="0"/>
+          </a:p>
+        </p:txBody>
+      </p:sp>
+      <p:sp>
+        <p:nvSpPr>
+          <p:cNvPr id="21" name="TextBox 20"/>
+          <p:cNvSpPr txBox="1"/>
+          <p:nvPr/>
+        </p:nvSpPr>
+        <p:spPr>
+          <a:xfrm>
+            <a:off x="1871408" y="6126163"/>
+            <a:ext cx="2236987" cy="523220"/>
+          </a:xfrm>
+          <a:prstGeom prst="rect">
+            <a:avLst/>
+          </a:prstGeom>
+          <a:noFill/>
+        </p:spPr>
+        <p:txBody>
+          <a:bodyPr wrap="square" rtlCol="0">
+            <a:spAutoFit/>
+          </a:bodyPr>
+          <a:lstStyle/>
+          <a:p>
+            <a:r>
+              <a:rPr lang="en-US" sz="2800" dirty="0" smtClean="0"/>
+              <a:t>1 example</a:t>
+            </a:r>
+            <a:endParaRPr lang="en-US" sz="2800" dirty="0"/>
+          </a:p>
+        </p:txBody>
+      </p:sp>
+      <p:sp>
+        <p:nvSpPr>
+          <p:cNvPr id="24" name="Rectangle 23"/>
+          <p:cNvSpPr/>
+          <p:nvPr/>
+        </p:nvSpPr>
+        <p:spPr>
+          <a:xfrm>
+            <a:off x="1038853" y="2800431"/>
+            <a:ext cx="2887762" cy="144015"/>
+          </a:xfrm>
+          <a:prstGeom prst="rect">
+            <a:avLst/>
+          </a:prstGeom>
+          <a:noFill/>
+          <a:ln w="28575" cmpd="sng">
+            <a:solidFill>
+              <a:schemeClr val="tx1"/>
+            </a:solidFill>
+          </a:ln>
+        </p:spPr>
+        <p:style>
+          <a:lnRef idx="1">
+            <a:schemeClr val="accent1"/>
+          </a:lnRef>
+          <a:fillRef idx="3">
+            <a:schemeClr val="accent1"/>
+          </a:fillRef>
+          <a:effectRef idx="2">
+            <a:schemeClr val="accent1"/>
+          </a:effectRef>
+          <a:fontRef idx="minor">
+            <a:schemeClr val="lt1"/>
+          </a:fontRef>
+        </p:style>
+        <p:txBody>
+          <a:bodyPr rtlCol="0" anchor="ctr"/>
+          <a:lstStyle/>
+          <a:p>
+            <a:pPr algn="ctr"/>
+            <a:endParaRPr lang="en-US" dirty="0"/>
+          </a:p>
+        </p:txBody>
+      </p:sp>
+      <p:sp>
+        <p:nvSpPr>
+          <p:cNvPr id="15" name="U-Turn Arrow 14"/>
+          <p:cNvSpPr/>
+          <p:nvPr/>
+        </p:nvSpPr>
+        <p:spPr>
+          <a:xfrm>
+            <a:off x="3525599" y="2491793"/>
+            <a:ext cx="1854699" cy="346502"/>
+          </a:xfrm>
+          <a:prstGeom prst="uturnArrow">
+            <a:avLst/>
+          </a:prstGeom>
+        </p:spPr>
+        <p:style>
+          <a:lnRef idx="1">
+            <a:schemeClr val="accent1"/>
+          </a:lnRef>
+          <a:fillRef idx="3">
+            <a:schemeClr val="accent1"/>
+          </a:fillRef>
+          <a:effectRef idx="2">
+            <a:schemeClr val="accent1"/>
+          </a:effectRef>
+          <a:fontRef idx="minor">
+            <a:schemeClr val="lt1"/>
+          </a:fontRef>
+        </p:style>
+        <p:txBody>
+          <a:bodyPr rtlCol="0" anchor="ctr"/>
+          <a:lstStyle/>
+          <a:p>
+            <a:pPr algn="ctr"/>
+            <a:endParaRPr lang="en-US" dirty="0">
+              <a:solidFill>
+                <a:schemeClr val="tx1"/>
+              </a:solidFill>
+            </a:endParaRPr>
+          </a:p>
+        </p:txBody>
+      </p:sp>
+      <p:sp>
+        <p:nvSpPr>
+          <p:cNvPr id="26" name="U-Turn Arrow 25"/>
+          <p:cNvSpPr/>
+          <p:nvPr/>
+        </p:nvSpPr>
+        <p:spPr>
+          <a:xfrm flipV="1">
+            <a:off x="3677999" y="3040743"/>
+            <a:ext cx="2989102" cy="346502"/>
+          </a:xfrm>
+          <a:prstGeom prst="uturnArrow">
+            <a:avLst/>
+          </a:prstGeom>
+        </p:spPr>
+        <p:style>
+          <a:lnRef idx="1">
+            <a:schemeClr val="accent1"/>
+          </a:lnRef>
+          <a:fillRef idx="3">
+            <a:schemeClr val="accent1"/>
+          </a:fillRef>
+          <a:effectRef idx="2">
+            <a:schemeClr val="accent1"/>
+          </a:effectRef>
+          <a:fontRef idx="minor">
+            <a:schemeClr val="lt1"/>
+          </a:fontRef>
+        </p:style>
+        <p:txBody>
+          <a:bodyPr rtlCol="0" anchor="ctr"/>
+          <a:lstStyle/>
+          <a:p>
+            <a:pPr algn="ctr"/>
+            <a:endParaRPr lang="en-US" dirty="0">
+              <a:solidFill>
+                <a:schemeClr val="tx1"/>
+              </a:solidFill>
+            </a:endParaRPr>
+          </a:p>
+        </p:txBody>
+      </p:sp>
     </p:spTree>
     <p:extLst>
       <p:ext uri="{BB962C8B-B14F-4D97-AF65-F5344CB8AC3E}">
-        <p14:creationId xmlns:p14="http://schemas.microsoft.com/office/powerpoint/2010/main" val="1702167205"/>
+        <p14:creationId xmlns:p14="http://schemas.microsoft.com/office/powerpoint/2010/main" val="2645405434"/>
       </p:ext>
     </p:extLst>
   </p:cSld>
@@ -5874,7 +6207,9 @@
         </p:nvSpPr>
         <p:spPr/>
         <p:txBody>
-          <a:bodyPr/>
+          <a:bodyPr>
+            <a:normAutofit lnSpcReduction="10000"/>
+          </a:bodyPr>
           <a:lstStyle/>
           <a:p>
             <a:r>
@@ -5897,7 +6232,27 @@
           <a:p>
             <a:r>
               <a:rPr lang="en-US" dirty="0" smtClean="0"/>
-              <a:t>Go Deeper</a:t>
+              <a:t>Nitty</a:t>
+            </a:r>
+            <a:r>
+              <a:rPr lang="en-US" dirty="0"/>
+              <a:t>-</a:t>
+            </a:r>
+            <a:r>
+              <a:rPr lang="en-US" dirty="0" smtClean="0"/>
+              <a:t>gritty</a:t>
+            </a:r>
+          </a:p>
+          <a:p>
+            <a:r>
+              <a:rPr lang="en-US" dirty="0" smtClean="0"/>
+              <a:t>Demonstrations</a:t>
+            </a:r>
+          </a:p>
+          <a:p>
+            <a:r>
+              <a:rPr lang="en-US" dirty="0" smtClean="0"/>
+              <a:t>Going Deeper</a:t>
             </a:r>
           </a:p>
           <a:p>
@@ -5964,22 +6319,65 @@
         </p:nvSpPr>
         <p:spPr/>
         <p:txBody>
-          <a:bodyPr>
-            <a:normAutofit fontScale="90000"/>
-          </a:bodyPr>
-          <a:lstStyle/>
-          <a:p>
-            <a:r>
-              <a:rPr lang="en-US" dirty="0" smtClean="0"/>
-              <a:t>Deep Convolutional Neural Networks</a:t>
-            </a:r>
-            <a:endParaRPr lang="en-US" dirty="0"/>
+          <a:bodyPr/>
+          <a:lstStyle/>
+          <a:p>
+            <a:r>
+              <a:rPr lang="en-US" dirty="0" smtClean="0"/>
+              <a:t>Feed Forward</a:t>
+            </a:r>
+            <a:endParaRPr lang="en-US" dirty="0"/>
+          </a:p>
+        </p:txBody>
+      </p:sp>
+      <p:sp>
+        <p:nvSpPr>
+          <p:cNvPr id="3" name="Content Placeholder 2"/>
+          <p:cNvSpPr>
+            <a:spLocks noGrp="1"/>
+          </p:cNvSpPr>
+          <p:nvPr>
+            <p:ph idx="1"/>
+          </p:nvPr>
+        </p:nvSpPr>
+        <p:spPr>
+          <a:xfrm>
+            <a:off x="457200" y="1274797"/>
+            <a:ext cx="8229600" cy="4525963"/>
+          </a:xfrm>
+        </p:spPr>
+        <p:txBody>
+          <a:bodyPr/>
+          <a:lstStyle/>
+          <a:p>
+            <a:r>
+              <a:rPr lang="en-US" dirty="0" smtClean="0"/>
+              <a:t>Hidden Layer Activation</a:t>
+            </a:r>
+          </a:p>
+          <a:p>
+            <a:endParaRPr lang="en-US" dirty="0"/>
+          </a:p>
+          <a:p>
+            <a:endParaRPr lang="en-US" dirty="0" smtClean="0"/>
+          </a:p>
+          <a:p>
+            <a:endParaRPr lang="en-US" dirty="0"/>
+          </a:p>
+          <a:p>
+            <a:endParaRPr lang="en-US" dirty="0" smtClean="0"/>
+          </a:p>
+          <a:p>
+            <a:r>
+              <a:rPr lang="en-US" dirty="0" smtClean="0"/>
+              <a:t>Hidden Layer Output</a:t>
+            </a:r>
           </a:p>
         </p:txBody>
       </p:sp>
       <p:pic>
         <p:nvPicPr>
-          <p:cNvPr id="6" name="Picture 5"/>
+          <p:cNvPr id="4" name="Picture 3"/>
           <p:cNvPicPr>
             <a:picLocks noChangeAspect="1"/>
           </p:cNvPicPr>
@@ -5993,8 +6391,8 @@
         </p:blipFill>
         <p:spPr>
           <a:xfrm>
-            <a:off x="112542" y="2279041"/>
-            <a:ext cx="8826472" cy="2063027"/>
+            <a:off x="707883" y="2367484"/>
+            <a:ext cx="1919632" cy="1279755"/>
           </a:xfrm>
           <a:prstGeom prst="rect">
             <a:avLst/>
@@ -6003,14 +6401,14 @@
       </p:pic>
       <p:sp>
         <p:nvSpPr>
-          <p:cNvPr id="7" name="TextBox 6"/>
+          <p:cNvPr id="5" name="TextBox 4"/>
           <p:cNvSpPr txBox="1"/>
           <p:nvPr/>
         </p:nvSpPr>
         <p:spPr>
           <a:xfrm>
-            <a:off x="948564" y="5111852"/>
-            <a:ext cx="7508129" cy="646331"/>
+            <a:off x="1203099" y="2745453"/>
+            <a:ext cx="1334421" cy="523220"/>
           </a:xfrm>
           <a:prstGeom prst="rect">
             <a:avLst/>
@@ -6024,9 +6422,890 @@
           <a:lstStyle/>
           <a:p>
             <a:r>
-              <a:rPr lang="en-US" dirty="0" smtClean="0"/>
-              <a:t>For when images become too large for standard neural networks (way too many weights to train) or shift invariance is desired (which in most cases it is)</a:t>
-            </a:r>
+              <a:rPr lang="en-US" sz="2800" dirty="0" smtClean="0"/>
+              <a:t>Data</a:t>
+            </a:r>
+            <a:endParaRPr lang="en-US" sz="2800" dirty="0"/>
+          </a:p>
+        </p:txBody>
+      </p:sp>
+      <p:sp>
+        <p:nvSpPr>
+          <p:cNvPr id="6" name="Rectangle 5"/>
+          <p:cNvSpPr/>
+          <p:nvPr/>
+        </p:nvSpPr>
+        <p:spPr>
+          <a:xfrm>
+            <a:off x="707883" y="2367484"/>
+            <a:ext cx="1919632" cy="45719"/>
+          </a:xfrm>
+          <a:prstGeom prst="rect">
+            <a:avLst/>
+          </a:prstGeom>
+        </p:spPr>
+        <p:style>
+          <a:lnRef idx="1">
+            <a:schemeClr val="accent1"/>
+          </a:lnRef>
+          <a:fillRef idx="3">
+            <a:schemeClr val="accent1"/>
+          </a:fillRef>
+          <a:effectRef idx="2">
+            <a:schemeClr val="accent1"/>
+          </a:effectRef>
+          <a:fontRef idx="minor">
+            <a:schemeClr val="lt1"/>
+          </a:fontRef>
+        </p:style>
+        <p:txBody>
+          <a:bodyPr rtlCol="0" anchor="ctr"/>
+          <a:lstStyle/>
+          <a:p>
+            <a:pPr algn="ctr"/>
+            <a:endParaRPr lang="en-US" dirty="0"/>
+          </a:p>
+        </p:txBody>
+      </p:sp>
+      <p:sp>
+        <p:nvSpPr>
+          <p:cNvPr id="7" name="TextBox 6"/>
+          <p:cNvSpPr txBox="1"/>
+          <p:nvPr/>
+        </p:nvSpPr>
+        <p:spPr>
+          <a:xfrm>
+            <a:off x="1203099" y="2022078"/>
+            <a:ext cx="774571" cy="369332"/>
+          </a:xfrm>
+          <a:prstGeom prst="rect">
+            <a:avLst/>
+          </a:prstGeom>
+          <a:noFill/>
+        </p:spPr>
+        <p:txBody>
+          <a:bodyPr wrap="none" rtlCol="0">
+            <a:spAutoFit/>
+          </a:bodyPr>
+          <a:lstStyle/>
+          <a:p>
+            <a:r>
+              <a:rPr lang="en-US" dirty="0" smtClean="0"/>
+              <a:t>Inputs</a:t>
+            </a:r>
+            <a:endParaRPr lang="en-US" dirty="0"/>
+          </a:p>
+        </p:txBody>
+      </p:sp>
+      <p:sp>
+        <p:nvSpPr>
+          <p:cNvPr id="8" name="TextBox 7"/>
+          <p:cNvSpPr txBox="1"/>
+          <p:nvPr/>
+        </p:nvSpPr>
+        <p:spPr>
+          <a:xfrm rot="16200000">
+            <a:off x="-12634" y="2835983"/>
+            <a:ext cx="1071703" cy="369332"/>
+          </a:xfrm>
+          <a:prstGeom prst="rect">
+            <a:avLst/>
+          </a:prstGeom>
+          <a:noFill/>
+        </p:spPr>
+        <p:txBody>
+          <a:bodyPr wrap="none" rtlCol="0">
+            <a:spAutoFit/>
+          </a:bodyPr>
+          <a:lstStyle/>
+          <a:p>
+            <a:r>
+              <a:rPr lang="en-US" dirty="0" smtClean="0"/>
+              <a:t>Examples</a:t>
+            </a:r>
+            <a:endParaRPr lang="en-US" dirty="0"/>
+          </a:p>
+        </p:txBody>
+      </p:sp>
+      <p:pic>
+        <p:nvPicPr>
+          <p:cNvPr id="9" name="Picture 8"/>
+          <p:cNvPicPr>
+            <a:picLocks noChangeAspect="1"/>
+          </p:cNvPicPr>
+          <p:nvPr/>
+        </p:nvPicPr>
+        <p:blipFill>
+          <a:blip r:embed="rId2"/>
+          <a:stretch>
+            <a:fillRect/>
+          </a:stretch>
+        </p:blipFill>
+        <p:spPr>
+          <a:xfrm>
+            <a:off x="3836042" y="2394454"/>
+            <a:ext cx="1919632" cy="1279755"/>
+          </a:xfrm>
+          <a:prstGeom prst="rect">
+            <a:avLst/>
+          </a:prstGeom>
+        </p:spPr>
+      </p:pic>
+      <p:sp>
+        <p:nvSpPr>
+          <p:cNvPr id="10" name="TextBox 9"/>
+          <p:cNvSpPr txBox="1"/>
+          <p:nvPr/>
+        </p:nvSpPr>
+        <p:spPr>
+          <a:xfrm>
+            <a:off x="3881761" y="2518119"/>
+            <a:ext cx="1983128" cy="954107"/>
+          </a:xfrm>
+          <a:prstGeom prst="rect">
+            <a:avLst/>
+          </a:prstGeom>
+          <a:noFill/>
+        </p:spPr>
+        <p:txBody>
+          <a:bodyPr wrap="square" rtlCol="0">
+            <a:spAutoFit/>
+          </a:bodyPr>
+          <a:lstStyle/>
+          <a:p>
+            <a:pPr algn="ctr"/>
+            <a:r>
+              <a:rPr lang="en-US" sz="2800" dirty="0" smtClean="0"/>
+              <a:t>Hidden</a:t>
+            </a:r>
+          </a:p>
+          <a:p>
+            <a:pPr algn="ctr"/>
+            <a:r>
+              <a:rPr lang="en-US" sz="2800" dirty="0" smtClean="0"/>
+              <a:t>Weights</a:t>
+            </a:r>
+          </a:p>
+        </p:txBody>
+      </p:sp>
+      <p:sp>
+        <p:nvSpPr>
+          <p:cNvPr id="11" name="Rectangle 10"/>
+          <p:cNvSpPr/>
+          <p:nvPr/>
+        </p:nvSpPr>
+        <p:spPr>
+          <a:xfrm>
+            <a:off x="3836042" y="2394454"/>
+            <a:ext cx="45719" cy="1279755"/>
+          </a:xfrm>
+          <a:prstGeom prst="rect">
+            <a:avLst/>
+          </a:prstGeom>
+          <a:solidFill>
+            <a:schemeClr val="accent6">
+              <a:lumMod val="75000"/>
+            </a:schemeClr>
+          </a:solidFill>
+        </p:spPr>
+        <p:style>
+          <a:lnRef idx="1">
+            <a:schemeClr val="accent1"/>
+          </a:lnRef>
+          <a:fillRef idx="3">
+            <a:schemeClr val="accent1"/>
+          </a:fillRef>
+          <a:effectRef idx="2">
+            <a:schemeClr val="accent1"/>
+          </a:effectRef>
+          <a:fontRef idx="minor">
+            <a:schemeClr val="lt1"/>
+          </a:fontRef>
+        </p:style>
+        <p:txBody>
+          <a:bodyPr rtlCol="0" anchor="ctr"/>
+          <a:lstStyle/>
+          <a:p>
+            <a:pPr algn="ctr"/>
+            <a:endParaRPr lang="en-US" dirty="0"/>
+          </a:p>
+        </p:txBody>
+      </p:sp>
+      <p:sp>
+        <p:nvSpPr>
+          <p:cNvPr id="12" name="TextBox 11"/>
+          <p:cNvSpPr txBox="1"/>
+          <p:nvPr/>
+        </p:nvSpPr>
+        <p:spPr>
+          <a:xfrm rot="16200000">
+            <a:off x="3258340" y="2910236"/>
+            <a:ext cx="774571" cy="369332"/>
+          </a:xfrm>
+          <a:prstGeom prst="rect">
+            <a:avLst/>
+          </a:prstGeom>
+          <a:noFill/>
+        </p:spPr>
+        <p:txBody>
+          <a:bodyPr wrap="none" rtlCol="0">
+            <a:spAutoFit/>
+          </a:bodyPr>
+          <a:lstStyle/>
+          <a:p>
+            <a:r>
+              <a:rPr lang="en-US" dirty="0" smtClean="0"/>
+              <a:t>Inputs</a:t>
+            </a:r>
+            <a:endParaRPr lang="en-US" dirty="0"/>
+          </a:p>
+        </p:txBody>
+      </p:sp>
+      <p:sp>
+        <p:nvSpPr>
+          <p:cNvPr id="13" name="TextBox 12"/>
+          <p:cNvSpPr txBox="1"/>
+          <p:nvPr/>
+        </p:nvSpPr>
+        <p:spPr>
+          <a:xfrm>
+            <a:off x="4170485" y="2025122"/>
+            <a:ext cx="983563" cy="369332"/>
+          </a:xfrm>
+          <a:prstGeom prst="rect">
+            <a:avLst/>
+          </a:prstGeom>
+          <a:noFill/>
+        </p:spPr>
+        <p:txBody>
+          <a:bodyPr wrap="none" rtlCol="0">
+            <a:spAutoFit/>
+          </a:bodyPr>
+          <a:lstStyle/>
+          <a:p>
+            <a:r>
+              <a:rPr lang="en-US" dirty="0" smtClean="0"/>
+              <a:t>Neurons</a:t>
+            </a:r>
+            <a:endParaRPr lang="en-US" dirty="0"/>
+          </a:p>
+        </p:txBody>
+      </p:sp>
+      <p:sp>
+        <p:nvSpPr>
+          <p:cNvPr id="14" name="TextBox 13"/>
+          <p:cNvSpPr txBox="1"/>
+          <p:nvPr/>
+        </p:nvSpPr>
+        <p:spPr>
+          <a:xfrm>
+            <a:off x="2883171" y="2745453"/>
+            <a:ext cx="434434" cy="523220"/>
+          </a:xfrm>
+          <a:prstGeom prst="rect">
+            <a:avLst/>
+          </a:prstGeom>
+          <a:noFill/>
+        </p:spPr>
+        <p:txBody>
+          <a:bodyPr wrap="square" rtlCol="0">
+            <a:spAutoFit/>
+          </a:bodyPr>
+          <a:lstStyle/>
+          <a:p>
+            <a:r>
+              <a:rPr lang="en-US" sz="2800" dirty="0" smtClean="0"/>
+              <a:t>X</a:t>
+            </a:r>
+            <a:endParaRPr lang="en-US" sz="2800" dirty="0"/>
+          </a:p>
+        </p:txBody>
+      </p:sp>
+      <p:sp>
+        <p:nvSpPr>
+          <p:cNvPr id="16" name="TextBox 15"/>
+          <p:cNvSpPr txBox="1"/>
+          <p:nvPr/>
+        </p:nvSpPr>
+        <p:spPr>
+          <a:xfrm>
+            <a:off x="6034858" y="2707616"/>
+            <a:ext cx="414597" cy="646331"/>
+          </a:xfrm>
+          <a:prstGeom prst="rect">
+            <a:avLst/>
+          </a:prstGeom>
+          <a:noFill/>
+        </p:spPr>
+        <p:txBody>
+          <a:bodyPr wrap="none" rtlCol="0">
+            <a:spAutoFit/>
+          </a:bodyPr>
+          <a:lstStyle/>
+          <a:p>
+            <a:r>
+              <a:rPr lang="en-US" sz="3600" dirty="0" smtClean="0"/>
+              <a:t>=</a:t>
+            </a:r>
+            <a:endParaRPr lang="en-US" sz="3600" dirty="0"/>
+          </a:p>
+        </p:txBody>
+      </p:sp>
+      <p:pic>
+        <p:nvPicPr>
+          <p:cNvPr id="17" name="Picture 16"/>
+          <p:cNvPicPr>
+            <a:picLocks noChangeAspect="1"/>
+          </p:cNvPicPr>
+          <p:nvPr/>
+        </p:nvPicPr>
+        <p:blipFill>
+          <a:blip r:embed="rId2"/>
+          <a:stretch>
+            <a:fillRect/>
+          </a:stretch>
+        </p:blipFill>
+        <p:spPr>
+          <a:xfrm>
+            <a:off x="7032932" y="2409899"/>
+            <a:ext cx="1919632" cy="1279755"/>
+          </a:xfrm>
+          <a:prstGeom prst="rect">
+            <a:avLst/>
+          </a:prstGeom>
+        </p:spPr>
+      </p:pic>
+      <p:sp>
+        <p:nvSpPr>
+          <p:cNvPr id="18" name="TextBox 17"/>
+          <p:cNvSpPr txBox="1"/>
+          <p:nvPr/>
+        </p:nvSpPr>
+        <p:spPr>
+          <a:xfrm>
+            <a:off x="7078651" y="2574494"/>
+            <a:ext cx="1873913" cy="954107"/>
+          </a:xfrm>
+          <a:prstGeom prst="rect">
+            <a:avLst/>
+          </a:prstGeom>
+          <a:noFill/>
+        </p:spPr>
+        <p:txBody>
+          <a:bodyPr wrap="square" rtlCol="0">
+            <a:spAutoFit/>
+          </a:bodyPr>
+          <a:lstStyle/>
+          <a:p>
+            <a:pPr algn="ctr"/>
+            <a:r>
+              <a:rPr lang="en-US" sz="2800" dirty="0" smtClean="0"/>
+              <a:t>Hidden</a:t>
+            </a:r>
+          </a:p>
+          <a:p>
+            <a:pPr algn="ctr"/>
+            <a:r>
+              <a:rPr lang="en-US" sz="2800" dirty="0" smtClean="0"/>
+              <a:t>Activation</a:t>
+            </a:r>
+            <a:endParaRPr lang="en-US" sz="2800" dirty="0"/>
+          </a:p>
+        </p:txBody>
+      </p:sp>
+      <p:sp>
+        <p:nvSpPr>
+          <p:cNvPr id="20" name="TextBox 19"/>
+          <p:cNvSpPr txBox="1"/>
+          <p:nvPr/>
+        </p:nvSpPr>
+        <p:spPr>
+          <a:xfrm rot="16200000">
+            <a:off x="6312415" y="2898063"/>
+            <a:ext cx="1071703" cy="369332"/>
+          </a:xfrm>
+          <a:prstGeom prst="rect">
+            <a:avLst/>
+          </a:prstGeom>
+          <a:noFill/>
+        </p:spPr>
+        <p:txBody>
+          <a:bodyPr wrap="none" rtlCol="0">
+            <a:spAutoFit/>
+          </a:bodyPr>
+          <a:lstStyle/>
+          <a:p>
+            <a:r>
+              <a:rPr lang="en-US" dirty="0" smtClean="0"/>
+              <a:t>Examples</a:t>
+            </a:r>
+            <a:endParaRPr lang="en-US" dirty="0"/>
+          </a:p>
+        </p:txBody>
+      </p:sp>
+      <p:sp>
+        <p:nvSpPr>
+          <p:cNvPr id="21" name="TextBox 20"/>
+          <p:cNvSpPr txBox="1"/>
+          <p:nvPr/>
+        </p:nvSpPr>
+        <p:spPr>
+          <a:xfrm>
+            <a:off x="7367375" y="2040567"/>
+            <a:ext cx="983563" cy="369332"/>
+          </a:xfrm>
+          <a:prstGeom prst="rect">
+            <a:avLst/>
+          </a:prstGeom>
+          <a:noFill/>
+        </p:spPr>
+        <p:txBody>
+          <a:bodyPr wrap="none" rtlCol="0">
+            <a:spAutoFit/>
+          </a:bodyPr>
+          <a:lstStyle/>
+          <a:p>
+            <a:r>
+              <a:rPr lang="en-US" dirty="0" smtClean="0"/>
+              <a:t>Neurons</a:t>
+            </a:r>
+            <a:endParaRPr lang="en-US" dirty="0"/>
+          </a:p>
+        </p:txBody>
+      </p:sp>
+      <p:pic>
+        <p:nvPicPr>
+          <p:cNvPr id="27" name="Picture 26"/>
+          <p:cNvPicPr>
+            <a:picLocks noChangeAspect="1"/>
+          </p:cNvPicPr>
+          <p:nvPr/>
+        </p:nvPicPr>
+        <p:blipFill>
+          <a:blip r:embed="rId2"/>
+          <a:stretch>
+            <a:fillRect/>
+          </a:stretch>
+        </p:blipFill>
+        <p:spPr>
+          <a:xfrm>
+            <a:off x="2056946" y="5053533"/>
+            <a:ext cx="1919632" cy="1279755"/>
+          </a:xfrm>
+          <a:prstGeom prst="rect">
+            <a:avLst/>
+          </a:prstGeom>
+        </p:spPr>
+      </p:pic>
+      <p:sp>
+        <p:nvSpPr>
+          <p:cNvPr id="28" name="TextBox 27"/>
+          <p:cNvSpPr txBox="1"/>
+          <p:nvPr/>
+        </p:nvSpPr>
+        <p:spPr>
+          <a:xfrm>
+            <a:off x="2102665" y="5218128"/>
+            <a:ext cx="1873913" cy="954107"/>
+          </a:xfrm>
+          <a:prstGeom prst="rect">
+            <a:avLst/>
+          </a:prstGeom>
+          <a:noFill/>
+        </p:spPr>
+        <p:txBody>
+          <a:bodyPr wrap="square" rtlCol="0">
+            <a:spAutoFit/>
+          </a:bodyPr>
+          <a:lstStyle/>
+          <a:p>
+            <a:pPr algn="ctr"/>
+            <a:r>
+              <a:rPr lang="en-US" sz="2800" dirty="0" smtClean="0"/>
+              <a:t>Hidden</a:t>
+            </a:r>
+          </a:p>
+          <a:p>
+            <a:pPr algn="ctr"/>
+            <a:r>
+              <a:rPr lang="en-US" sz="2800" dirty="0" smtClean="0"/>
+              <a:t>Activation</a:t>
+            </a:r>
+            <a:endParaRPr lang="en-US" sz="2800" dirty="0"/>
+          </a:p>
+        </p:txBody>
+      </p:sp>
+      <p:sp>
+        <p:nvSpPr>
+          <p:cNvPr id="29" name="TextBox 28"/>
+          <p:cNvSpPr txBox="1"/>
+          <p:nvPr/>
+        </p:nvSpPr>
+        <p:spPr>
+          <a:xfrm rot="16200000">
+            <a:off x="1336429" y="5541697"/>
+            <a:ext cx="1071703" cy="369332"/>
+          </a:xfrm>
+          <a:prstGeom prst="rect">
+            <a:avLst/>
+          </a:prstGeom>
+          <a:noFill/>
+        </p:spPr>
+        <p:txBody>
+          <a:bodyPr wrap="none" rtlCol="0">
+            <a:spAutoFit/>
+          </a:bodyPr>
+          <a:lstStyle/>
+          <a:p>
+            <a:r>
+              <a:rPr lang="en-US" dirty="0" smtClean="0"/>
+              <a:t>Examples</a:t>
+            </a:r>
+            <a:endParaRPr lang="en-US" dirty="0"/>
+          </a:p>
+        </p:txBody>
+      </p:sp>
+      <p:sp>
+        <p:nvSpPr>
+          <p:cNvPr id="30" name="TextBox 29"/>
+          <p:cNvSpPr txBox="1"/>
+          <p:nvPr/>
+        </p:nvSpPr>
+        <p:spPr>
+          <a:xfrm>
+            <a:off x="2391389" y="4684201"/>
+            <a:ext cx="983563" cy="369332"/>
+          </a:xfrm>
+          <a:prstGeom prst="rect">
+            <a:avLst/>
+          </a:prstGeom>
+          <a:noFill/>
+        </p:spPr>
+        <p:txBody>
+          <a:bodyPr wrap="none" rtlCol="0">
+            <a:spAutoFit/>
+          </a:bodyPr>
+          <a:lstStyle/>
+          <a:p>
+            <a:r>
+              <a:rPr lang="en-US" dirty="0" smtClean="0"/>
+              <a:t>Neurons</a:t>
+            </a:r>
+            <a:endParaRPr lang="en-US" dirty="0"/>
+          </a:p>
+        </p:txBody>
+      </p:sp>
+      <p:sp>
+        <p:nvSpPr>
+          <p:cNvPr id="31" name="Block Arc 30"/>
+          <p:cNvSpPr/>
+          <p:nvPr/>
+        </p:nvSpPr>
+        <p:spPr>
+          <a:xfrm rot="16200000">
+            <a:off x="962469" y="5534539"/>
+            <a:ext cx="1339822" cy="377810"/>
+          </a:xfrm>
+          <a:prstGeom prst="blockArc">
+            <a:avLst/>
+          </a:prstGeom>
+        </p:spPr>
+        <p:style>
+          <a:lnRef idx="1">
+            <a:schemeClr val="accent1"/>
+          </a:lnRef>
+          <a:fillRef idx="3">
+            <a:schemeClr val="accent1"/>
+          </a:fillRef>
+          <a:effectRef idx="2">
+            <a:schemeClr val="accent1"/>
+          </a:effectRef>
+          <a:fontRef idx="minor">
+            <a:schemeClr val="lt1"/>
+          </a:fontRef>
+        </p:style>
+        <p:txBody>
+          <a:bodyPr rtlCol="0" anchor="ctr"/>
+          <a:lstStyle/>
+          <a:p>
+            <a:pPr algn="ctr"/>
+            <a:endParaRPr lang="en-US" dirty="0">
+              <a:solidFill>
+                <a:schemeClr val="tx1"/>
+              </a:solidFill>
+            </a:endParaRPr>
+          </a:p>
+        </p:txBody>
+      </p:sp>
+      <p:sp>
+        <p:nvSpPr>
+          <p:cNvPr id="32" name="Block Arc 31"/>
+          <p:cNvSpPr/>
+          <p:nvPr/>
+        </p:nvSpPr>
+        <p:spPr>
+          <a:xfrm rot="5400000" flipH="1">
+            <a:off x="3415805" y="5534539"/>
+            <a:ext cx="1339822" cy="377810"/>
+          </a:xfrm>
+          <a:prstGeom prst="blockArc">
+            <a:avLst/>
+          </a:prstGeom>
+        </p:spPr>
+        <p:style>
+          <a:lnRef idx="1">
+            <a:schemeClr val="accent1"/>
+          </a:lnRef>
+          <a:fillRef idx="3">
+            <a:schemeClr val="accent1"/>
+          </a:fillRef>
+          <a:effectRef idx="2">
+            <a:schemeClr val="accent1"/>
+          </a:effectRef>
+          <a:fontRef idx="minor">
+            <a:schemeClr val="lt1"/>
+          </a:fontRef>
+        </p:style>
+        <p:txBody>
+          <a:bodyPr rtlCol="0" anchor="ctr"/>
+          <a:lstStyle/>
+          <a:p>
+            <a:pPr algn="ctr"/>
+            <a:endParaRPr lang="en-US" dirty="0">
+              <a:solidFill>
+                <a:schemeClr val="tx1"/>
+              </a:solidFill>
+            </a:endParaRPr>
+          </a:p>
+        </p:txBody>
+      </p:sp>
+      <p:sp>
+        <p:nvSpPr>
+          <p:cNvPr id="33" name="TextBox 32"/>
+          <p:cNvSpPr txBox="1"/>
+          <p:nvPr/>
+        </p:nvSpPr>
+        <p:spPr>
+          <a:xfrm>
+            <a:off x="835303" y="5110500"/>
+            <a:ext cx="735591" cy="1015663"/>
+          </a:xfrm>
+          <a:prstGeom prst="rect">
+            <a:avLst/>
+          </a:prstGeom>
+          <a:noFill/>
+        </p:spPr>
+        <p:txBody>
+          <a:bodyPr wrap="square" rtlCol="0">
+            <a:spAutoFit/>
+          </a:bodyPr>
+          <a:lstStyle/>
+          <a:p>
+            <a:r>
+              <a:rPr lang="en-US" sz="6000" i="1" dirty="0" smtClean="0">
+                <a:latin typeface="Times New Roman"/>
+                <a:cs typeface="Times New Roman"/>
+              </a:rPr>
+              <a:t>f</a:t>
+            </a:r>
+            <a:endParaRPr lang="en-US" sz="6000" i="1" dirty="0">
+              <a:latin typeface="Times New Roman"/>
+              <a:cs typeface="Times New Roman"/>
+            </a:endParaRPr>
+          </a:p>
+        </p:txBody>
+      </p:sp>
+      <p:sp>
+        <p:nvSpPr>
+          <p:cNvPr id="35" name="TextBox 34"/>
+          <p:cNvSpPr txBox="1"/>
+          <p:nvPr/>
+        </p:nvSpPr>
+        <p:spPr>
+          <a:xfrm>
+            <a:off x="4516358" y="5341238"/>
+            <a:ext cx="414597" cy="646331"/>
+          </a:xfrm>
+          <a:prstGeom prst="rect">
+            <a:avLst/>
+          </a:prstGeom>
+          <a:noFill/>
+        </p:spPr>
+        <p:txBody>
+          <a:bodyPr wrap="none" rtlCol="0">
+            <a:spAutoFit/>
+          </a:bodyPr>
+          <a:lstStyle/>
+          <a:p>
+            <a:r>
+              <a:rPr lang="en-US" sz="3600" dirty="0" smtClean="0"/>
+              <a:t>=</a:t>
+            </a:r>
+            <a:endParaRPr lang="en-US" sz="3600" dirty="0"/>
+          </a:p>
+        </p:txBody>
+      </p:sp>
+      <p:pic>
+        <p:nvPicPr>
+          <p:cNvPr id="36" name="Picture 35"/>
+          <p:cNvPicPr>
+            <a:picLocks noChangeAspect="1"/>
+          </p:cNvPicPr>
+          <p:nvPr/>
+        </p:nvPicPr>
+        <p:blipFill>
+          <a:blip r:embed="rId2"/>
+          <a:stretch>
+            <a:fillRect/>
+          </a:stretch>
+        </p:blipFill>
+        <p:spPr>
+          <a:xfrm>
+            <a:off x="5489639" y="5060260"/>
+            <a:ext cx="1919632" cy="1279755"/>
+          </a:xfrm>
+          <a:prstGeom prst="rect">
+            <a:avLst/>
+          </a:prstGeom>
+        </p:spPr>
+      </p:pic>
+      <p:sp>
+        <p:nvSpPr>
+          <p:cNvPr id="37" name="TextBox 36"/>
+          <p:cNvSpPr txBox="1"/>
+          <p:nvPr/>
+        </p:nvSpPr>
+        <p:spPr>
+          <a:xfrm>
+            <a:off x="5535358" y="5224855"/>
+            <a:ext cx="1873913" cy="954107"/>
+          </a:xfrm>
+          <a:prstGeom prst="rect">
+            <a:avLst/>
+          </a:prstGeom>
+          <a:noFill/>
+        </p:spPr>
+        <p:txBody>
+          <a:bodyPr wrap="square" rtlCol="0">
+            <a:spAutoFit/>
+          </a:bodyPr>
+          <a:lstStyle/>
+          <a:p>
+            <a:pPr algn="ctr"/>
+            <a:r>
+              <a:rPr lang="en-US" sz="2800" dirty="0" smtClean="0"/>
+              <a:t>Hidden</a:t>
+            </a:r>
+          </a:p>
+          <a:p>
+            <a:pPr algn="ctr"/>
+            <a:r>
+              <a:rPr lang="en-US" sz="2800" dirty="0" smtClean="0"/>
+              <a:t>Output</a:t>
+            </a:r>
+            <a:endParaRPr lang="en-US" sz="2800" dirty="0"/>
+          </a:p>
+        </p:txBody>
+      </p:sp>
+      <p:sp>
+        <p:nvSpPr>
+          <p:cNvPr id="38" name="TextBox 37"/>
+          <p:cNvSpPr txBox="1"/>
+          <p:nvPr/>
+        </p:nvSpPr>
+        <p:spPr>
+          <a:xfrm rot="16200000">
+            <a:off x="4769122" y="5548424"/>
+            <a:ext cx="1071703" cy="369332"/>
+          </a:xfrm>
+          <a:prstGeom prst="rect">
+            <a:avLst/>
+          </a:prstGeom>
+          <a:noFill/>
+        </p:spPr>
+        <p:txBody>
+          <a:bodyPr wrap="none" rtlCol="0">
+            <a:spAutoFit/>
+          </a:bodyPr>
+          <a:lstStyle/>
+          <a:p>
+            <a:r>
+              <a:rPr lang="en-US" dirty="0" smtClean="0"/>
+              <a:t>Examples</a:t>
+            </a:r>
+            <a:endParaRPr lang="en-US" dirty="0"/>
+          </a:p>
+        </p:txBody>
+      </p:sp>
+      <p:sp>
+        <p:nvSpPr>
+          <p:cNvPr id="39" name="TextBox 38"/>
+          <p:cNvSpPr txBox="1"/>
+          <p:nvPr/>
+        </p:nvSpPr>
+        <p:spPr>
+          <a:xfrm>
+            <a:off x="5824082" y="4690928"/>
+            <a:ext cx="983563" cy="369332"/>
+          </a:xfrm>
+          <a:prstGeom prst="rect">
+            <a:avLst/>
+          </a:prstGeom>
+          <a:noFill/>
+        </p:spPr>
+        <p:txBody>
+          <a:bodyPr wrap="none" rtlCol="0">
+            <a:spAutoFit/>
+          </a:bodyPr>
+          <a:lstStyle/>
+          <a:p>
+            <a:r>
+              <a:rPr lang="en-US" dirty="0" smtClean="0"/>
+              <a:t>Neurons</a:t>
+            </a:r>
+            <a:endParaRPr lang="en-US" dirty="0"/>
+          </a:p>
+        </p:txBody>
+      </p:sp>
+      <p:sp>
+        <p:nvSpPr>
+          <p:cNvPr id="44" name="Rectangle 43"/>
+          <p:cNvSpPr/>
+          <p:nvPr/>
+        </p:nvSpPr>
+        <p:spPr>
+          <a:xfrm>
+            <a:off x="7055791" y="2418344"/>
+            <a:ext cx="45719" cy="66454"/>
+          </a:xfrm>
+          <a:prstGeom prst="rect">
+            <a:avLst/>
+          </a:prstGeom>
+          <a:solidFill>
+            <a:schemeClr val="accent3">
+              <a:lumMod val="50000"/>
+            </a:schemeClr>
+          </a:solidFill>
+        </p:spPr>
+        <p:style>
+          <a:lnRef idx="1">
+            <a:schemeClr val="accent1"/>
+          </a:lnRef>
+          <a:fillRef idx="3">
+            <a:schemeClr val="accent1"/>
+          </a:fillRef>
+          <a:effectRef idx="2">
+            <a:schemeClr val="accent1"/>
+          </a:effectRef>
+          <a:fontRef idx="minor">
+            <a:schemeClr val="lt1"/>
+          </a:fontRef>
+        </p:style>
+        <p:txBody>
+          <a:bodyPr rtlCol="0" anchor="ctr"/>
+          <a:lstStyle/>
+          <a:p>
+            <a:pPr algn="ctr"/>
             <a:endParaRPr lang="en-US" dirty="0"/>
           </a:p>
         </p:txBody>
@@ -6034,13 +7313,20 @@
     </p:spTree>
     <p:extLst>
       <p:ext uri="{BB962C8B-B14F-4D97-AF65-F5344CB8AC3E}">
-        <p14:creationId xmlns:p14="http://schemas.microsoft.com/office/powerpoint/2010/main" val="1353523725"/>
+        <p14:creationId xmlns:p14="http://schemas.microsoft.com/office/powerpoint/2010/main" val="4159929354"/>
       </p:ext>
     </p:extLst>
   </p:cSld>
   <p:clrMapOvr>
     <a:masterClrMapping/>
   </p:clrMapOvr>
+  <p:timing>
+    <p:tnLst>
+      <p:par>
+        <p:cTn xmlns:p14="http://schemas.microsoft.com/office/powerpoint/2010/main" id="1" dur="indefinite" restart="never" nodeType="tmRoot"/>
+      </p:par>
+    </p:tnLst>
+  </p:timing>
 </p:sld>
 </file>
 
@@ -6078,103 +7364,53 @@
           <a:p>
             <a:r>
               <a:rPr lang="en-US" dirty="0" smtClean="0"/>
-              <a:t>Coding</a:t>
-            </a:r>
-            <a:endParaRPr lang="en-US" dirty="0"/>
-          </a:p>
-        </p:txBody>
-      </p:sp>
-      <p:sp>
-        <p:nvSpPr>
-          <p:cNvPr id="3" name="Content Placeholder 2"/>
-          <p:cNvSpPr>
-            <a:spLocks noGrp="1"/>
-          </p:cNvSpPr>
-          <p:nvPr>
-            <p:ph idx="1"/>
-          </p:nvPr>
-        </p:nvSpPr>
-        <p:spPr/>
-        <p:txBody>
-          <a:bodyPr/>
-          <a:lstStyle/>
-          <a:p>
-            <a:r>
-              <a:rPr lang="en-US" dirty="0" smtClean="0"/>
-              <a:t>MATLAB</a:t>
-            </a:r>
-          </a:p>
-          <a:p>
-            <a:r>
-              <a:rPr lang="en-US" dirty="0" smtClean="0"/>
-              <a:t>Python</a:t>
-            </a:r>
-          </a:p>
-          <a:p>
-            <a:pPr lvl="1"/>
-            <a:r>
-              <a:rPr lang="en-US" dirty="0" err="1" smtClean="0"/>
-              <a:t>Scipy</a:t>
-            </a:r>
-            <a:endParaRPr lang="en-US" dirty="0" smtClean="0"/>
-          </a:p>
-          <a:p>
-            <a:pPr lvl="1"/>
-            <a:r>
-              <a:rPr lang="en-US" dirty="0" err="1" smtClean="0"/>
-              <a:t>PyBrain</a:t>
-            </a:r>
-            <a:endParaRPr lang="en-US" dirty="0" smtClean="0"/>
-          </a:p>
-          <a:p>
-            <a:pPr lvl="1"/>
-            <a:r>
-              <a:rPr lang="en-US" dirty="0" err="1" smtClean="0"/>
-              <a:t>Scikit</a:t>
-            </a:r>
-            <a:r>
-              <a:rPr lang="en-US" dirty="0" smtClean="0"/>
-              <a:t>-Learn</a:t>
-            </a:r>
-          </a:p>
-          <a:p>
-            <a:pPr lvl="1"/>
-            <a:r>
-              <a:rPr lang="en-US" dirty="0" err="1" smtClean="0"/>
-              <a:t>Theano</a:t>
-            </a:r>
-            <a:endParaRPr lang="en-US" dirty="0" smtClean="0"/>
-          </a:p>
-          <a:p>
-            <a:pPr lvl="2"/>
-            <a:r>
-              <a:rPr lang="en-US" dirty="0" err="1" smtClean="0"/>
-              <a:t>Deepy</a:t>
-            </a:r>
-            <a:endParaRPr lang="en-US" dirty="0" smtClean="0"/>
-          </a:p>
-          <a:p>
-            <a:r>
-              <a:rPr lang="en-US" dirty="0" smtClean="0"/>
-              <a:t>Torch7</a:t>
-            </a:r>
-            <a:endParaRPr lang="en-US" dirty="0"/>
-          </a:p>
-          <a:p>
-            <a:endParaRPr lang="en-US" dirty="0"/>
-          </a:p>
-        </p:txBody>
-      </p:sp>
+              <a:t>Matrix Multiplication</a:t>
+            </a:r>
+            <a:endParaRPr lang="en-US" dirty="0"/>
+          </a:p>
+        </p:txBody>
+      </p:sp>
+      <p:pic>
+        <p:nvPicPr>
+          <p:cNvPr id="4" name="Picture 3"/>
+          <p:cNvPicPr>
+            <a:picLocks noChangeAspect="1"/>
+          </p:cNvPicPr>
+          <p:nvPr/>
+        </p:nvPicPr>
+        <p:blipFill>
+          <a:blip r:embed="rId2"/>
+          <a:stretch>
+            <a:fillRect/>
+          </a:stretch>
+        </p:blipFill>
+        <p:spPr>
+          <a:xfrm>
+            <a:off x="181455" y="1842752"/>
+            <a:ext cx="8756299" cy="3621924"/>
+          </a:xfrm>
+          <a:prstGeom prst="rect">
+            <a:avLst/>
+          </a:prstGeom>
+        </p:spPr>
+      </p:pic>
     </p:spTree>
     <p:extLst>
       <p:ext uri="{BB962C8B-B14F-4D97-AF65-F5344CB8AC3E}">
-        <p14:creationId xmlns:p14="http://schemas.microsoft.com/office/powerpoint/2010/main" val="3243704917"/>
+        <p14:creationId xmlns:p14="http://schemas.microsoft.com/office/powerpoint/2010/main" val="1677242035"/>
       </p:ext>
     </p:extLst>
   </p:cSld>
   <p:clrMapOvr>
     <a:masterClrMapping/>
   </p:clrMapOvr>
+  <p:timing>
+    <p:tnLst>
+      <p:par>
+        <p:cTn xmlns:p14="http://schemas.microsoft.com/office/powerpoint/2010/main" id="1" dur="indefinite" restart="never" nodeType="tmRoot"/>
+      </p:par>
+    </p:tnLst>
+  </p:timing>
 </p:sld>
 </file>
 
@@ -6212,7 +7448,7 @@
           <a:p>
             <a:r>
               <a:rPr lang="en-US" dirty="0" smtClean="0"/>
-              <a:t>Resources</a:t>
+              <a:t>Cost Function</a:t>
             </a:r>
             <a:endParaRPr lang="en-US" dirty="0"/>
           </a:p>
@@ -6234,31 +7470,711 @@
           <a:lstStyle/>
           <a:p>
             <a:r>
+              <a:rPr lang="en-US" dirty="0" smtClean="0"/>
+              <a:t>Cost functions come in many different forms</a:t>
+            </a:r>
+          </a:p>
+          <a:p>
+            <a:r>
+              <a:rPr lang="en-US" dirty="0" smtClean="0"/>
+              <a:t>Logistic regression cost function</a:t>
+            </a:r>
+            <a:endParaRPr lang="en-US" dirty="0"/>
+          </a:p>
+        </p:txBody>
+      </p:sp>
+      <p:pic>
+        <p:nvPicPr>
+          <p:cNvPr id="4" name="Picture 3"/>
+          <p:cNvPicPr>
+            <a:picLocks noChangeAspect="1"/>
+          </p:cNvPicPr>
+          <p:nvPr/>
+        </p:nvPicPr>
+        <p:blipFill>
+          <a:blip r:embed="rId2"/>
+          <a:stretch>
+            <a:fillRect/>
+          </a:stretch>
+        </p:blipFill>
+        <p:spPr>
+          <a:xfrm>
+            <a:off x="209006" y="2963266"/>
+            <a:ext cx="8686800" cy="1017985"/>
+          </a:xfrm>
+          <a:prstGeom prst="rect">
+            <a:avLst/>
+          </a:prstGeom>
+        </p:spPr>
+      </p:pic>
+      <p:pic>
+        <p:nvPicPr>
+          <p:cNvPr id="5" name="Picture 4"/>
+          <p:cNvPicPr>
+            <a:picLocks noChangeAspect="1"/>
+          </p:cNvPicPr>
+          <p:nvPr/>
+        </p:nvPicPr>
+        <p:blipFill rotWithShape="1">
+          <a:blip r:embed="rId3"/>
+          <a:srcRect l="40695" r="36518"/>
+          <a:stretch/>
+        </p:blipFill>
+        <p:spPr>
+          <a:xfrm>
+            <a:off x="2946727" y="4095277"/>
+            <a:ext cx="462774" cy="2030886"/>
+          </a:xfrm>
+          <a:prstGeom prst="rect">
+            <a:avLst/>
+          </a:prstGeom>
+        </p:spPr>
+      </p:pic>
+      <p:sp>
+        <p:nvSpPr>
+          <p:cNvPr id="6" name="Right Arrow 5"/>
+          <p:cNvSpPr/>
+          <p:nvPr/>
+        </p:nvSpPr>
+        <p:spPr>
+          <a:xfrm>
+            <a:off x="3826412" y="4701004"/>
+            <a:ext cx="1315097" cy="700377"/>
+          </a:xfrm>
+          <a:prstGeom prst="rightArrow">
+            <a:avLst/>
+          </a:prstGeom>
+        </p:spPr>
+        <p:style>
+          <a:lnRef idx="1">
+            <a:schemeClr val="accent1"/>
+          </a:lnRef>
+          <a:fillRef idx="3">
+            <a:schemeClr val="accent1"/>
+          </a:fillRef>
+          <a:effectRef idx="2">
+            <a:schemeClr val="accent1"/>
+          </a:effectRef>
+          <a:fontRef idx="minor">
+            <a:schemeClr val="lt1"/>
+          </a:fontRef>
+        </p:style>
+        <p:txBody>
+          <a:bodyPr rtlCol="0" anchor="ctr"/>
+          <a:lstStyle/>
+          <a:p>
+            <a:pPr algn="ctr"/>
+            <a:endParaRPr lang="en-US" dirty="0"/>
+          </a:p>
+        </p:txBody>
+      </p:sp>
+      <p:pic>
+        <p:nvPicPr>
+          <p:cNvPr id="7" name="Picture 6"/>
+          <p:cNvPicPr>
+            <a:picLocks noChangeAspect="1"/>
+          </p:cNvPicPr>
+          <p:nvPr/>
+        </p:nvPicPr>
+        <p:blipFill rotWithShape="1">
+          <a:blip r:embed="rId3"/>
+          <a:srcRect l="40695" r="36518"/>
+          <a:stretch/>
+        </p:blipFill>
+        <p:spPr>
+          <a:xfrm>
+            <a:off x="5609869" y="4095277"/>
+            <a:ext cx="462774" cy="2030886"/>
+          </a:xfrm>
+          <a:prstGeom prst="rect">
+            <a:avLst/>
+          </a:prstGeom>
+        </p:spPr>
+      </p:pic>
+      <p:sp>
+        <p:nvSpPr>
+          <p:cNvPr id="8" name="TextBox 7"/>
+          <p:cNvSpPr txBox="1"/>
+          <p:nvPr/>
+        </p:nvSpPr>
+        <p:spPr>
+          <a:xfrm>
+            <a:off x="2189763" y="6283928"/>
+            <a:ext cx="2122212" cy="369332"/>
+          </a:xfrm>
+          <a:prstGeom prst="rect">
+            <a:avLst/>
+          </a:prstGeom>
+          <a:noFill/>
+        </p:spPr>
+        <p:txBody>
+          <a:bodyPr wrap="square" rtlCol="0">
+            <a:spAutoFit/>
+          </a:bodyPr>
+          <a:lstStyle/>
+          <a:p>
+            <a:r>
+              <a:rPr lang="en-US" dirty="0" smtClean="0"/>
+              <a:t>Output of Network</a:t>
+            </a:r>
+            <a:endParaRPr lang="en-US" dirty="0"/>
+          </a:p>
+        </p:txBody>
+      </p:sp>
+      <p:sp>
+        <p:nvSpPr>
+          <p:cNvPr id="9" name="TextBox 8"/>
+          <p:cNvSpPr txBox="1"/>
+          <p:nvPr/>
+        </p:nvSpPr>
+        <p:spPr>
+          <a:xfrm>
+            <a:off x="5011537" y="6297858"/>
+            <a:ext cx="2122212" cy="369332"/>
+          </a:xfrm>
+          <a:prstGeom prst="rect">
+            <a:avLst/>
+          </a:prstGeom>
+          <a:noFill/>
+        </p:spPr>
+        <p:txBody>
+          <a:bodyPr wrap="square" rtlCol="0">
+            <a:spAutoFit/>
+          </a:bodyPr>
+          <a:lstStyle/>
+          <a:p>
+            <a:r>
+              <a:rPr lang="en-US" dirty="0" smtClean="0"/>
+              <a:t>Correct answer</a:t>
+            </a:r>
+            <a:endParaRPr lang="en-US" dirty="0"/>
+          </a:p>
+        </p:txBody>
+      </p:sp>
+    </p:spTree>
+    <p:extLst>
+      <p:ext uri="{BB962C8B-B14F-4D97-AF65-F5344CB8AC3E}">
+        <p14:creationId xmlns:p14="http://schemas.microsoft.com/office/powerpoint/2010/main" val="3153095872"/>
+      </p:ext>
+    </p:extLst>
+  </p:cSld>
+  <p:clrMapOvr>
+    <a:masterClrMapping/>
+  </p:clrMapOvr>
+</p:sld>
+</file>
+
+<file path=ppt/slides/slide23.xml><?xml version="1.0" encoding="utf-8"?>
+<p:sld xmlns:a="http://schemas.openxmlformats.org/drawingml/2006/main" xmlns:r="http://schemas.openxmlformats.org/officeDocument/2006/relationships" xmlns:p="http://schemas.openxmlformats.org/presentationml/2006/main">
+  <p:cSld>
+    <p:spTree>
+      <p:nvGrpSpPr>
+        <p:cNvPr id="1" name=""/>
+        <p:cNvGrpSpPr/>
+        <p:nvPr/>
+      </p:nvGrpSpPr>
+      <p:grpSpPr>
+        <a:xfrm>
+          <a:off x="0" y="0"/>
+          <a:ext cx="0" cy="0"/>
+          <a:chOff x="0" y="0"/>
+          <a:chExt cx="0" cy="0"/>
+        </a:xfrm>
+      </p:grpSpPr>
+      <p:sp>
+        <p:nvSpPr>
+          <p:cNvPr id="2" name="Title 1"/>
+          <p:cNvSpPr>
+            <a:spLocks noGrp="1"/>
+          </p:cNvSpPr>
+          <p:nvPr>
+            <p:ph type="title"/>
+          </p:nvPr>
+        </p:nvSpPr>
+        <p:spPr/>
+        <p:txBody>
+          <a:bodyPr/>
+          <a:lstStyle/>
+          <a:p>
+            <a:r>
+              <a:rPr lang="en-US" dirty="0" smtClean="0"/>
+              <a:t>Vector Representation of Class</a:t>
+            </a:r>
+            <a:endParaRPr lang="en-US" dirty="0"/>
+          </a:p>
+        </p:txBody>
+      </p:sp>
+      <p:sp>
+        <p:nvSpPr>
+          <p:cNvPr id="3" name="Content Placeholder 2"/>
+          <p:cNvSpPr>
+            <a:spLocks noGrp="1"/>
+          </p:cNvSpPr>
+          <p:nvPr>
+            <p:ph idx="1"/>
+          </p:nvPr>
+        </p:nvSpPr>
+        <p:spPr/>
+        <p:txBody>
+          <a:bodyPr/>
+          <a:lstStyle/>
+          <a:p>
+            <a:r>
+              <a:rPr lang="en-US" dirty="0" smtClean="0"/>
+              <a:t>In order to compare output of neural network to correct class when classes &gt; 2, we use vector representation of class</a:t>
+            </a:r>
+            <a:endParaRPr lang="en-US" dirty="0"/>
+          </a:p>
+        </p:txBody>
+      </p:sp>
+      <p:pic>
+        <p:nvPicPr>
+          <p:cNvPr id="4" name="Picture 3"/>
+          <p:cNvPicPr>
+            <a:picLocks noChangeAspect="1"/>
+          </p:cNvPicPr>
+          <p:nvPr/>
+        </p:nvPicPr>
+        <p:blipFill>
+          <a:blip r:embed="rId2"/>
+          <a:stretch>
+            <a:fillRect/>
+          </a:stretch>
+        </p:blipFill>
+        <p:spPr>
+          <a:xfrm>
+            <a:off x="1638604" y="3709738"/>
+            <a:ext cx="2224499" cy="2224499"/>
+          </a:xfrm>
+          <a:prstGeom prst="rect">
+            <a:avLst/>
+          </a:prstGeom>
+        </p:spPr>
+      </p:pic>
+      <p:pic>
+        <p:nvPicPr>
+          <p:cNvPr id="5" name="Picture 4"/>
+          <p:cNvPicPr>
+            <a:picLocks noChangeAspect="1"/>
+          </p:cNvPicPr>
+          <p:nvPr/>
+        </p:nvPicPr>
+        <p:blipFill>
+          <a:blip r:embed="rId3"/>
+          <a:stretch>
+            <a:fillRect/>
+          </a:stretch>
+        </p:blipFill>
+        <p:spPr>
+          <a:xfrm>
+            <a:off x="6481116" y="3321633"/>
+            <a:ext cx="342487" cy="3042090"/>
+          </a:xfrm>
+          <a:prstGeom prst="rect">
+            <a:avLst/>
+          </a:prstGeom>
+        </p:spPr>
+      </p:pic>
+      <p:sp>
+        <p:nvSpPr>
+          <p:cNvPr id="6" name="Right Arrow 5"/>
+          <p:cNvSpPr/>
+          <p:nvPr/>
+        </p:nvSpPr>
+        <p:spPr>
+          <a:xfrm>
+            <a:off x="4145339" y="4480855"/>
+            <a:ext cx="1958011" cy="458670"/>
+          </a:xfrm>
+          <a:prstGeom prst="rightArrow">
+            <a:avLst/>
+          </a:prstGeom>
+        </p:spPr>
+        <p:style>
+          <a:lnRef idx="1">
+            <a:schemeClr val="accent1"/>
+          </a:lnRef>
+          <a:fillRef idx="3">
+            <a:schemeClr val="accent1"/>
+          </a:fillRef>
+          <a:effectRef idx="2">
+            <a:schemeClr val="accent1"/>
+          </a:effectRef>
+          <a:fontRef idx="minor">
+            <a:schemeClr val="lt1"/>
+          </a:fontRef>
+        </p:style>
+        <p:txBody>
+          <a:bodyPr rtlCol="0" anchor="ctr"/>
+          <a:lstStyle/>
+          <a:p>
+            <a:pPr algn="ctr"/>
+            <a:endParaRPr lang="en-US" dirty="0"/>
+          </a:p>
+        </p:txBody>
+      </p:sp>
+    </p:spTree>
+    <p:extLst>
+      <p:ext uri="{BB962C8B-B14F-4D97-AF65-F5344CB8AC3E}">
+        <p14:creationId xmlns:p14="http://schemas.microsoft.com/office/powerpoint/2010/main" val="2504473079"/>
+      </p:ext>
+    </p:extLst>
+  </p:cSld>
+  <p:clrMapOvr>
+    <a:masterClrMapping/>
+  </p:clrMapOvr>
+</p:sld>
+</file>
+
+<file path=ppt/slides/slide24.xml><?xml version="1.0" encoding="utf-8"?>
+<p:sld xmlns:a="http://schemas.openxmlformats.org/drawingml/2006/main" xmlns:r="http://schemas.openxmlformats.org/officeDocument/2006/relationships" xmlns:p="http://schemas.openxmlformats.org/presentationml/2006/main">
+  <p:cSld>
+    <p:spTree>
+      <p:nvGrpSpPr>
+        <p:cNvPr id="1" name=""/>
+        <p:cNvGrpSpPr/>
+        <p:nvPr/>
+      </p:nvGrpSpPr>
+      <p:grpSpPr>
+        <a:xfrm>
+          <a:off x="0" y="0"/>
+          <a:ext cx="0" cy="0"/>
+          <a:chOff x="0" y="0"/>
+          <a:chExt cx="0" cy="0"/>
+        </a:xfrm>
+      </p:grpSpPr>
+      <p:sp>
+        <p:nvSpPr>
+          <p:cNvPr id="2" name="Title 1"/>
+          <p:cNvSpPr>
+            <a:spLocks noGrp="1"/>
+          </p:cNvSpPr>
+          <p:nvPr>
+            <p:ph type="title"/>
+          </p:nvPr>
+        </p:nvSpPr>
+        <p:spPr/>
+        <p:txBody>
+          <a:bodyPr/>
+          <a:lstStyle/>
+          <a:p>
+            <a:r>
+              <a:rPr lang="en-US" dirty="0" smtClean="0"/>
+              <a:t>Example: MNIST</a:t>
+            </a:r>
+            <a:endParaRPr lang="en-US" dirty="0"/>
+          </a:p>
+        </p:txBody>
+      </p:sp>
+      <p:pic>
+        <p:nvPicPr>
+          <p:cNvPr id="5" name="Picture 4"/>
+          <p:cNvPicPr>
+            <a:picLocks noChangeAspect="1"/>
+          </p:cNvPicPr>
+          <p:nvPr/>
+        </p:nvPicPr>
+        <p:blipFill>
+          <a:blip r:embed="rId2"/>
+          <a:stretch>
+            <a:fillRect/>
+          </a:stretch>
+        </p:blipFill>
+        <p:spPr>
+          <a:xfrm>
+            <a:off x="209006" y="1728800"/>
+            <a:ext cx="8686800" cy="1017985"/>
+          </a:xfrm>
+          <a:prstGeom prst="rect">
+            <a:avLst/>
+          </a:prstGeom>
+        </p:spPr>
+      </p:pic>
+      <p:sp>
+        <p:nvSpPr>
+          <p:cNvPr id="12" name="Left Brace 11"/>
+          <p:cNvSpPr/>
+          <p:nvPr/>
+        </p:nvSpPr>
+        <p:spPr>
+          <a:xfrm rot="16200000">
+            <a:off x="3089758" y="1867328"/>
+            <a:ext cx="1207699" cy="2548598"/>
+          </a:xfrm>
+          <a:prstGeom prst="leftBrace">
+            <a:avLst>
+              <a:gd name="adj1" fmla="val 8333"/>
+              <a:gd name="adj2" fmla="val 50680"/>
+            </a:avLst>
+          </a:prstGeom>
+        </p:spPr>
+        <p:style>
+          <a:lnRef idx="2">
+            <a:schemeClr val="accent1"/>
+          </a:lnRef>
+          <a:fillRef idx="0">
+            <a:schemeClr val="accent1"/>
+          </a:fillRef>
+          <a:effectRef idx="1">
+            <a:schemeClr val="accent1"/>
+          </a:effectRef>
+          <a:fontRef idx="minor">
+            <a:schemeClr val="tx1"/>
+          </a:fontRef>
+        </p:style>
+        <p:txBody>
+          <a:bodyPr rtlCol="0" anchor="ctr"/>
+          <a:lstStyle/>
+          <a:p>
+            <a:pPr algn="ctr"/>
+            <a:endParaRPr lang="en-US" dirty="0"/>
+          </a:p>
+        </p:txBody>
+      </p:sp>
+      <p:sp>
+        <p:nvSpPr>
+          <p:cNvPr id="13" name="Left Brace 12"/>
+          <p:cNvSpPr/>
+          <p:nvPr/>
+        </p:nvSpPr>
+        <p:spPr>
+          <a:xfrm rot="16200000">
+            <a:off x="6357162" y="1415839"/>
+            <a:ext cx="1207699" cy="3451575"/>
+          </a:xfrm>
+          <a:prstGeom prst="leftBrace">
+            <a:avLst>
+              <a:gd name="adj1" fmla="val 8333"/>
+              <a:gd name="adj2" fmla="val 50680"/>
+            </a:avLst>
+          </a:prstGeom>
+        </p:spPr>
+        <p:style>
+          <a:lnRef idx="2">
+            <a:schemeClr val="accent1"/>
+          </a:lnRef>
+          <a:fillRef idx="0">
+            <a:schemeClr val="accent1"/>
+          </a:fillRef>
+          <a:effectRef idx="1">
+            <a:schemeClr val="accent1"/>
+          </a:effectRef>
+          <a:fontRef idx="minor">
+            <a:schemeClr val="tx1"/>
+          </a:fontRef>
+        </p:style>
+        <p:txBody>
+          <a:bodyPr rtlCol="0" anchor="ctr"/>
+          <a:lstStyle/>
+          <a:p>
+            <a:pPr algn="ctr"/>
+            <a:endParaRPr lang="en-US" dirty="0"/>
+          </a:p>
+        </p:txBody>
+      </p:sp>
+      <p:sp>
+        <p:nvSpPr>
+          <p:cNvPr id="14" name="TextBox 13"/>
+          <p:cNvSpPr txBox="1"/>
+          <p:nvPr/>
+        </p:nvSpPr>
+        <p:spPr>
+          <a:xfrm>
+            <a:off x="2419308" y="4018752"/>
+            <a:ext cx="2846001" cy="923330"/>
+          </a:xfrm>
+          <a:prstGeom prst="rect">
+            <a:avLst/>
+          </a:prstGeom>
+          <a:noFill/>
+        </p:spPr>
+        <p:txBody>
+          <a:bodyPr wrap="square" rtlCol="0">
+            <a:spAutoFit/>
+          </a:bodyPr>
+          <a:lstStyle/>
+          <a:p>
+            <a:r>
+              <a:rPr lang="en-US" dirty="0" smtClean="0"/>
+              <a:t>How likely did the network think the input belonged to the right category?</a:t>
+            </a:r>
+            <a:endParaRPr lang="en-US" dirty="0"/>
+          </a:p>
+        </p:txBody>
+      </p:sp>
+      <p:sp>
+        <p:nvSpPr>
+          <p:cNvPr id="15" name="TextBox 14"/>
+          <p:cNvSpPr txBox="1"/>
+          <p:nvPr/>
+        </p:nvSpPr>
+        <p:spPr>
+          <a:xfrm>
+            <a:off x="5827854" y="4018752"/>
+            <a:ext cx="2858945" cy="923330"/>
+          </a:xfrm>
+          <a:prstGeom prst="rect">
+            <a:avLst/>
+          </a:prstGeom>
+          <a:noFill/>
+        </p:spPr>
+        <p:txBody>
+          <a:bodyPr wrap="square" rtlCol="0">
+            <a:spAutoFit/>
+          </a:bodyPr>
+          <a:lstStyle/>
+          <a:p>
+            <a:r>
+              <a:rPr lang="en-US" dirty="0" smtClean="0"/>
+              <a:t>How likely did the network thing the input belonged to the wrong categories?</a:t>
+            </a:r>
+            <a:endParaRPr lang="en-US" dirty="0"/>
+          </a:p>
+        </p:txBody>
+      </p:sp>
+      <p:sp>
+        <p:nvSpPr>
+          <p:cNvPr id="16" name="TextBox 15"/>
+          <p:cNvSpPr txBox="1"/>
+          <p:nvPr/>
+        </p:nvSpPr>
+        <p:spPr>
+          <a:xfrm>
+            <a:off x="2419308" y="5908088"/>
+            <a:ext cx="5401994" cy="369332"/>
+          </a:xfrm>
+          <a:prstGeom prst="rect">
+            <a:avLst/>
+          </a:prstGeom>
+          <a:noFill/>
+        </p:spPr>
+        <p:txBody>
+          <a:bodyPr wrap="square" rtlCol="0">
+            <a:spAutoFit/>
+          </a:bodyPr>
+          <a:lstStyle/>
+          <a:p>
+            <a:r>
+              <a:rPr lang="en-US" dirty="0" smtClean="0"/>
+              <a:t>-- Logistic Regression Spreadsheet Here -- </a:t>
+            </a:r>
+            <a:endParaRPr lang="en-US" dirty="0"/>
+          </a:p>
+        </p:txBody>
+      </p:sp>
+    </p:spTree>
+    <p:extLst>
+      <p:ext uri="{BB962C8B-B14F-4D97-AF65-F5344CB8AC3E}">
+        <p14:creationId xmlns:p14="http://schemas.microsoft.com/office/powerpoint/2010/main" val="3157313065"/>
+      </p:ext>
+    </p:extLst>
+  </p:cSld>
+  <p:clrMapOvr>
+    <a:masterClrMapping/>
+  </p:clrMapOvr>
+</p:sld>
+</file>
+
+<file path=ppt/slides/slide25.xml><?xml version="1.0" encoding="utf-8"?>
+<p:sld xmlns:a="http://schemas.openxmlformats.org/drawingml/2006/main" xmlns:r="http://schemas.openxmlformats.org/officeDocument/2006/relationships" xmlns:p="http://schemas.openxmlformats.org/presentationml/2006/main">
+  <p:cSld>
+    <p:spTree>
+      <p:nvGrpSpPr>
+        <p:cNvPr id="1" name=""/>
+        <p:cNvGrpSpPr/>
+        <p:nvPr/>
+      </p:nvGrpSpPr>
+      <p:grpSpPr>
+        <a:xfrm>
+          <a:off x="0" y="0"/>
+          <a:ext cx="0" cy="0"/>
+          <a:chOff x="0" y="0"/>
+          <a:chExt cx="0" cy="0"/>
+        </a:xfrm>
+      </p:grpSpPr>
+      <p:sp>
+        <p:nvSpPr>
+          <p:cNvPr id="2" name="Title 1"/>
+          <p:cNvSpPr>
+            <a:spLocks noGrp="1"/>
+          </p:cNvSpPr>
+          <p:nvPr>
+            <p:ph type="title"/>
+          </p:nvPr>
+        </p:nvSpPr>
+        <p:spPr/>
+        <p:txBody>
+          <a:bodyPr/>
+          <a:lstStyle/>
+          <a:p>
+            <a:r>
               <a:rPr lang="en-US" dirty="0" err="1" smtClean="0"/>
-              <a:t>Coursera</a:t>
-            </a:r>
-            <a:r>
-              <a:rPr lang="en-US" dirty="0" smtClean="0"/>
-              <a:t>: Machine Learning (Andrew Ng)</a:t>
-            </a:r>
+              <a:t>Backpropagation</a:t>
+            </a:r>
+            <a:endParaRPr lang="en-US" dirty="0"/>
+          </a:p>
+        </p:txBody>
+      </p:sp>
+      <p:sp>
+        <p:nvSpPr>
+          <p:cNvPr id="3" name="Content Placeholder 2"/>
+          <p:cNvSpPr>
+            <a:spLocks noGrp="1"/>
+          </p:cNvSpPr>
+          <p:nvPr>
+            <p:ph idx="1"/>
+          </p:nvPr>
+        </p:nvSpPr>
+        <p:spPr/>
+        <p:txBody>
+          <a:bodyPr/>
+          <a:lstStyle/>
+          <a:p>
+            <a:r>
+              <a:rPr lang="en-US" dirty="0" smtClean="0"/>
+              <a:t>Calculation derivatives of weights with respect to the cost (this is how it learns)</a:t>
+            </a:r>
+          </a:p>
+          <a:p>
+            <a:r>
+              <a:rPr lang="en-US" dirty="0" smtClean="0"/>
+              <a:t>Math heavy!!!</a:t>
+            </a:r>
+          </a:p>
+          <a:p>
+            <a:r>
+              <a:rPr lang="en-US" dirty="0" smtClean="0"/>
+              <a:t>I side-step this by using automatic differentiation in </a:t>
+            </a:r>
+            <a:r>
+              <a:rPr lang="en-US" dirty="0" err="1" smtClean="0"/>
+              <a:t>Theano</a:t>
+            </a:r>
+            <a:r>
+              <a:rPr lang="en-US" dirty="0" smtClean="0"/>
+              <a:t> (python library)</a:t>
+            </a:r>
+          </a:p>
+          <a:p>
+            <a:endParaRPr lang="en-US" dirty="0"/>
+          </a:p>
+          <a:p>
+            <a:endParaRPr lang="en-US" dirty="0" smtClean="0"/>
           </a:p>
           <a:p>
             <a:r>
               <a:rPr lang="en-US" dirty="0" smtClean="0">
                 <a:hlinkClick r:id="rId2"/>
               </a:rPr>
-              <a:t>http://deeplearning.net/</a:t>
+              <a:t>http://deeplearning.net/software/theano/</a:t>
             </a:r>
             <a:endParaRPr lang="en-US" dirty="0" smtClean="0"/>
           </a:p>
           <a:p>
-            <a:r>
-              <a:rPr lang="en-US" dirty="0" smtClean="0">
-                <a:hlinkClick r:id="rId3"/>
-              </a:rPr>
-              <a:t>http://deeplearning.net/tutorial/</a:t>
-            </a:r>
             <a:endParaRPr lang="en-US" dirty="0" smtClean="0"/>
+          </a:p>
+          <a:p>
+            <a:endParaRPr lang="en-US" dirty="0"/>
           </a:p>
           <a:p>
             <a:pPr marL="0" indent="0">
@@ -6268,10 +8184,524 @@
           </a:p>
         </p:txBody>
       </p:sp>
+      <p:pic>
+        <p:nvPicPr>
+          <p:cNvPr id="4" name="Picture 3"/>
+          <p:cNvPicPr>
+            <a:picLocks noChangeAspect="1"/>
+          </p:cNvPicPr>
+          <p:nvPr/>
+        </p:nvPicPr>
+        <p:blipFill>
+          <a:blip r:embed="rId3"/>
+          <a:stretch>
+            <a:fillRect/>
+          </a:stretch>
+        </p:blipFill>
+        <p:spPr>
+          <a:xfrm>
+            <a:off x="2814369" y="4557871"/>
+            <a:ext cx="3385903" cy="778757"/>
+          </a:xfrm>
+          <a:prstGeom prst="rect">
+            <a:avLst/>
+          </a:prstGeom>
+        </p:spPr>
+      </p:pic>
+      <p:pic>
+        <p:nvPicPr>
+          <p:cNvPr id="5" name="Picture 4"/>
+          <p:cNvPicPr>
+            <a:picLocks noChangeAspect="1"/>
+          </p:cNvPicPr>
+          <p:nvPr/>
+        </p:nvPicPr>
+        <p:blipFill>
+          <a:blip r:embed="rId4"/>
+          <a:stretch>
+            <a:fillRect/>
+          </a:stretch>
+        </p:blipFill>
+        <p:spPr>
+          <a:xfrm>
+            <a:off x="3390901" y="2610555"/>
+            <a:ext cx="759177" cy="759177"/>
+          </a:xfrm>
+          <a:prstGeom prst="rect">
+            <a:avLst/>
+          </a:prstGeom>
+        </p:spPr>
+      </p:pic>
     </p:spTree>
     <p:extLst>
       <p:ext uri="{BB962C8B-B14F-4D97-AF65-F5344CB8AC3E}">
-        <p14:creationId xmlns:p14="http://schemas.microsoft.com/office/powerpoint/2010/main" val="1734689020"/>
+        <p14:creationId xmlns:p14="http://schemas.microsoft.com/office/powerpoint/2010/main" val="2877500341"/>
+      </p:ext>
+    </p:extLst>
+  </p:cSld>
+  <p:clrMapOvr>
+    <a:masterClrMapping/>
+  </p:clrMapOvr>
+</p:sld>
+</file>
+
+<file path=ppt/slides/slide26.xml><?xml version="1.0" encoding="utf-8"?>
+<p:sld xmlns:a="http://schemas.openxmlformats.org/drawingml/2006/main" xmlns:r="http://schemas.openxmlformats.org/officeDocument/2006/relationships" xmlns:p="http://schemas.openxmlformats.org/presentationml/2006/main">
+  <p:cSld>
+    <p:spTree>
+      <p:nvGrpSpPr>
+        <p:cNvPr id="1" name=""/>
+        <p:cNvGrpSpPr/>
+        <p:nvPr/>
+      </p:nvGrpSpPr>
+      <p:grpSpPr>
+        <a:xfrm>
+          <a:off x="0" y="0"/>
+          <a:ext cx="0" cy="0"/>
+          <a:chOff x="0" y="0"/>
+          <a:chExt cx="0" cy="0"/>
+        </a:xfrm>
+      </p:grpSpPr>
+      <p:sp>
+        <p:nvSpPr>
+          <p:cNvPr id="2" name="Title 1"/>
+          <p:cNvSpPr>
+            <a:spLocks noGrp="1"/>
+          </p:cNvSpPr>
+          <p:nvPr>
+            <p:ph type="title"/>
+          </p:nvPr>
+        </p:nvSpPr>
+        <p:spPr/>
+        <p:txBody>
+          <a:bodyPr>
+            <a:normAutofit fontScale="90000"/>
+          </a:bodyPr>
+          <a:lstStyle/>
+          <a:p>
+            <a:r>
+              <a:rPr lang="en-US" dirty="0" smtClean="0"/>
+              <a:t>Supervised Artificial Neural Network Demonstration</a:t>
+            </a:r>
+            <a:endParaRPr lang="en-US" dirty="0"/>
+          </a:p>
+        </p:txBody>
+      </p:sp>
+      <p:sp>
+        <p:nvSpPr>
+          <p:cNvPr id="3" name="Content Placeholder 2"/>
+          <p:cNvSpPr>
+            <a:spLocks noGrp="1"/>
+          </p:cNvSpPr>
+          <p:nvPr>
+            <p:ph idx="1"/>
+          </p:nvPr>
+        </p:nvSpPr>
+        <p:spPr/>
+        <p:txBody>
+          <a:bodyPr>
+            <a:normAutofit fontScale="92500" lnSpcReduction="20000"/>
+          </a:bodyPr>
+          <a:lstStyle/>
+          <a:p>
+            <a:r>
+              <a:rPr lang="en-US" dirty="0" smtClean="0">
+                <a:hlinkClick r:id="rId2"/>
+              </a:rPr>
+              <a:t>https://github.com/dlacombe2013/MPCR_demo</a:t>
+            </a:r>
+            <a:endParaRPr lang="en-US" dirty="0" smtClean="0"/>
+          </a:p>
+          <a:p>
+            <a:r>
+              <a:rPr lang="en-US" dirty="0" smtClean="0"/>
+              <a:t>Download	the entire subdirectory</a:t>
+            </a:r>
+          </a:p>
+          <a:p>
+            <a:r>
+              <a:rPr lang="en-US" dirty="0" smtClean="0"/>
+              <a:t>All of the code is in </a:t>
+            </a:r>
+            <a:r>
+              <a:rPr lang="en-US" dirty="0" err="1" smtClean="0"/>
+              <a:t>demo_code</a:t>
+            </a:r>
+            <a:r>
+              <a:rPr lang="en-US" dirty="0" smtClean="0"/>
+              <a:t>/</a:t>
+            </a:r>
+          </a:p>
+          <a:p>
+            <a:pPr lvl="1"/>
+            <a:r>
+              <a:rPr lang="en-US" dirty="0" err="1" smtClean="0"/>
+              <a:t>aNN.m</a:t>
+            </a:r>
+            <a:r>
+              <a:rPr lang="en-US" dirty="0" smtClean="0"/>
+              <a:t> (main script)</a:t>
+            </a:r>
+          </a:p>
+          <a:p>
+            <a:pPr lvl="1"/>
+            <a:r>
+              <a:rPr lang="en-US" dirty="0" err="1" smtClean="0"/>
+              <a:t>get_cost_grads.m</a:t>
+            </a:r>
+            <a:r>
+              <a:rPr lang="en-US" dirty="0" smtClean="0"/>
+              <a:t> (function calculating cost/grads)</a:t>
+            </a:r>
+          </a:p>
+          <a:p>
+            <a:pPr lvl="1"/>
+            <a:r>
+              <a:rPr lang="en-US" dirty="0" err="1" smtClean="0"/>
+              <a:t>predict.m</a:t>
+            </a:r>
+            <a:r>
+              <a:rPr lang="en-US" dirty="0" smtClean="0"/>
+              <a:t> (predicts class of test data)</a:t>
+            </a:r>
+          </a:p>
+          <a:p>
+            <a:pPr lvl="1"/>
+            <a:r>
+              <a:rPr lang="en-US" dirty="0" err="1" smtClean="0"/>
+              <a:t>sigmoid.m</a:t>
+            </a:r>
+            <a:r>
+              <a:rPr lang="en-US" dirty="0" smtClean="0"/>
+              <a:t> (activation function applied)</a:t>
+            </a:r>
+          </a:p>
+          <a:p>
+            <a:pPr lvl="1"/>
+            <a:r>
+              <a:rPr lang="en-US" dirty="0" err="1" smtClean="0"/>
+              <a:t>fmincg.m</a:t>
+            </a:r>
+            <a:r>
+              <a:rPr lang="en-US" dirty="0" smtClean="0"/>
+              <a:t> (optimization algorithm)</a:t>
+            </a:r>
+          </a:p>
+          <a:p>
+            <a:pPr lvl="1"/>
+            <a:r>
+              <a:rPr lang="en-US" dirty="0" err="1" smtClean="0"/>
+              <a:t>displayData.m</a:t>
+            </a:r>
+            <a:r>
+              <a:rPr lang="en-US" dirty="0" smtClean="0"/>
+              <a:t> (displays inputs and hidden layer)</a:t>
+            </a:r>
+          </a:p>
+          <a:p>
+            <a:pPr lvl="1"/>
+            <a:r>
+              <a:rPr lang="en-US" dirty="0" err="1" smtClean="0"/>
+              <a:t>MNIST.mat</a:t>
+            </a:r>
+            <a:r>
+              <a:rPr lang="en-US" dirty="0" smtClean="0"/>
+              <a:t> (data used to train network)</a:t>
+            </a:r>
+            <a:endParaRPr lang="en-US" dirty="0"/>
+          </a:p>
+        </p:txBody>
+      </p:sp>
+    </p:spTree>
+    <p:extLst>
+      <p:ext uri="{BB962C8B-B14F-4D97-AF65-F5344CB8AC3E}">
+        <p14:creationId xmlns:p14="http://schemas.microsoft.com/office/powerpoint/2010/main" val="1336442720"/>
+      </p:ext>
+    </p:extLst>
+  </p:cSld>
+  <p:clrMapOvr>
+    <a:masterClrMapping/>
+  </p:clrMapOvr>
+</p:sld>
+</file>
+
+<file path=ppt/slides/slide27.xml><?xml version="1.0" encoding="utf-8"?>
+<p:sld xmlns:a="http://schemas.openxmlformats.org/drawingml/2006/main" xmlns:r="http://schemas.openxmlformats.org/officeDocument/2006/relationships" xmlns:p="http://schemas.openxmlformats.org/presentationml/2006/main">
+  <p:cSld>
+    <p:spTree>
+      <p:nvGrpSpPr>
+        <p:cNvPr id="1" name=""/>
+        <p:cNvGrpSpPr/>
+        <p:nvPr/>
+      </p:nvGrpSpPr>
+      <p:grpSpPr>
+        <a:xfrm>
+          <a:off x="0" y="0"/>
+          <a:ext cx="0" cy="0"/>
+          <a:chOff x="0" y="0"/>
+          <a:chExt cx="0" cy="0"/>
+        </a:xfrm>
+      </p:grpSpPr>
+      <p:sp>
+        <p:nvSpPr>
+          <p:cNvPr id="2" name="Title 1"/>
+          <p:cNvSpPr>
+            <a:spLocks noGrp="1"/>
+          </p:cNvSpPr>
+          <p:nvPr>
+            <p:ph type="title"/>
+          </p:nvPr>
+        </p:nvSpPr>
+        <p:spPr/>
+        <p:txBody>
+          <a:bodyPr/>
+          <a:lstStyle/>
+          <a:p>
+            <a:r>
+              <a:rPr lang="en-US" dirty="0" smtClean="0"/>
+              <a:t>Deep Neural Networks</a:t>
+            </a:r>
+            <a:endParaRPr lang="en-US" dirty="0"/>
+          </a:p>
+        </p:txBody>
+      </p:sp>
+      <p:sp>
+        <p:nvSpPr>
+          <p:cNvPr id="3" name="Content Placeholder 2"/>
+          <p:cNvSpPr>
+            <a:spLocks noGrp="1"/>
+          </p:cNvSpPr>
+          <p:nvPr>
+            <p:ph idx="1"/>
+          </p:nvPr>
+        </p:nvSpPr>
+        <p:spPr/>
+        <p:txBody>
+          <a:bodyPr/>
+          <a:lstStyle/>
+          <a:p>
+            <a:r>
+              <a:rPr lang="en-US" dirty="0" smtClean="0"/>
+              <a:t>Neural Networks with more than one hidden layer </a:t>
+            </a:r>
+            <a:endParaRPr lang="en-US" dirty="0"/>
+          </a:p>
+        </p:txBody>
+      </p:sp>
+      <p:pic>
+        <p:nvPicPr>
+          <p:cNvPr id="4" name="Picture 3"/>
+          <p:cNvPicPr>
+            <a:picLocks noChangeAspect="1"/>
+          </p:cNvPicPr>
+          <p:nvPr/>
+        </p:nvPicPr>
+        <p:blipFill>
+          <a:blip r:embed="rId2"/>
+          <a:stretch>
+            <a:fillRect/>
+          </a:stretch>
+        </p:blipFill>
+        <p:spPr>
+          <a:xfrm>
+            <a:off x="1557774" y="2823188"/>
+            <a:ext cx="6350000" cy="3479800"/>
+          </a:xfrm>
+          <a:prstGeom prst="rect">
+            <a:avLst/>
+          </a:prstGeom>
+        </p:spPr>
+      </p:pic>
+    </p:spTree>
+    <p:extLst>
+      <p:ext uri="{BB962C8B-B14F-4D97-AF65-F5344CB8AC3E}">
+        <p14:creationId xmlns:p14="http://schemas.microsoft.com/office/powerpoint/2010/main" val="4059090660"/>
+      </p:ext>
+    </p:extLst>
+  </p:cSld>
+  <p:clrMapOvr>
+    <a:masterClrMapping/>
+  </p:clrMapOvr>
+</p:sld>
+</file>
+
+<file path=ppt/slides/slide28.xml><?xml version="1.0" encoding="utf-8"?>
+<p:sld xmlns:a="http://schemas.openxmlformats.org/drawingml/2006/main" xmlns:r="http://schemas.openxmlformats.org/officeDocument/2006/relationships" xmlns:p="http://schemas.openxmlformats.org/presentationml/2006/main">
+  <p:cSld>
+    <p:spTree>
+      <p:nvGrpSpPr>
+        <p:cNvPr id="1" name=""/>
+        <p:cNvGrpSpPr/>
+        <p:nvPr/>
+      </p:nvGrpSpPr>
+      <p:grpSpPr>
+        <a:xfrm>
+          <a:off x="0" y="0"/>
+          <a:ext cx="0" cy="0"/>
+          <a:chOff x="0" y="0"/>
+          <a:chExt cx="0" cy="0"/>
+        </a:xfrm>
+      </p:grpSpPr>
+      <p:sp>
+        <p:nvSpPr>
+          <p:cNvPr id="2" name="Title 1"/>
+          <p:cNvSpPr>
+            <a:spLocks noGrp="1"/>
+          </p:cNvSpPr>
+          <p:nvPr>
+            <p:ph type="title"/>
+          </p:nvPr>
+        </p:nvSpPr>
+        <p:spPr/>
+        <p:txBody>
+          <a:bodyPr/>
+          <a:lstStyle/>
+          <a:p>
+            <a:r>
+              <a:rPr lang="en-US" dirty="0" smtClean="0"/>
+              <a:t>Deep Neural Networks</a:t>
+            </a:r>
+            <a:endParaRPr lang="en-US" dirty="0"/>
+          </a:p>
+        </p:txBody>
+      </p:sp>
+      <p:pic>
+        <p:nvPicPr>
+          <p:cNvPr id="6" name="Picture 5"/>
+          <p:cNvPicPr>
+            <a:picLocks noChangeAspect="1"/>
+          </p:cNvPicPr>
+          <p:nvPr/>
+        </p:nvPicPr>
+        <p:blipFill>
+          <a:blip r:embed="rId2"/>
+          <a:stretch>
+            <a:fillRect/>
+          </a:stretch>
+        </p:blipFill>
+        <p:spPr>
+          <a:xfrm>
+            <a:off x="374804" y="1417638"/>
+            <a:ext cx="8311996" cy="4998742"/>
+          </a:xfrm>
+          <a:prstGeom prst="rect">
+            <a:avLst/>
+          </a:prstGeom>
+        </p:spPr>
+      </p:pic>
+    </p:spTree>
+    <p:extLst>
+      <p:ext uri="{BB962C8B-B14F-4D97-AF65-F5344CB8AC3E}">
+        <p14:creationId xmlns:p14="http://schemas.microsoft.com/office/powerpoint/2010/main" val="1702167205"/>
+      </p:ext>
+    </p:extLst>
+  </p:cSld>
+  <p:clrMapOvr>
+    <a:masterClrMapping/>
+  </p:clrMapOvr>
+</p:sld>
+</file>
+
+<file path=ppt/slides/slide29.xml><?xml version="1.0" encoding="utf-8"?>
+<p:sld xmlns:a="http://schemas.openxmlformats.org/drawingml/2006/main" xmlns:r="http://schemas.openxmlformats.org/officeDocument/2006/relationships" xmlns:p="http://schemas.openxmlformats.org/presentationml/2006/main">
+  <p:cSld>
+    <p:spTree>
+      <p:nvGrpSpPr>
+        <p:cNvPr id="1" name=""/>
+        <p:cNvGrpSpPr/>
+        <p:nvPr/>
+      </p:nvGrpSpPr>
+      <p:grpSpPr>
+        <a:xfrm>
+          <a:off x="0" y="0"/>
+          <a:ext cx="0" cy="0"/>
+          <a:chOff x="0" y="0"/>
+          <a:chExt cx="0" cy="0"/>
+        </a:xfrm>
+      </p:grpSpPr>
+      <p:sp>
+        <p:nvSpPr>
+          <p:cNvPr id="2" name="Title 1"/>
+          <p:cNvSpPr>
+            <a:spLocks noGrp="1"/>
+          </p:cNvSpPr>
+          <p:nvPr>
+            <p:ph type="title"/>
+          </p:nvPr>
+        </p:nvSpPr>
+        <p:spPr/>
+        <p:txBody>
+          <a:bodyPr>
+            <a:normAutofit fontScale="90000"/>
+          </a:bodyPr>
+          <a:lstStyle/>
+          <a:p>
+            <a:r>
+              <a:rPr lang="en-US" dirty="0" smtClean="0"/>
+              <a:t>Deep Convolutional Neural Networks</a:t>
+            </a:r>
+            <a:endParaRPr lang="en-US" dirty="0"/>
+          </a:p>
+        </p:txBody>
+      </p:sp>
+      <p:pic>
+        <p:nvPicPr>
+          <p:cNvPr id="6" name="Picture 5"/>
+          <p:cNvPicPr>
+            <a:picLocks noChangeAspect="1"/>
+          </p:cNvPicPr>
+          <p:nvPr/>
+        </p:nvPicPr>
+        <p:blipFill>
+          <a:blip r:embed="rId2"/>
+          <a:stretch>
+            <a:fillRect/>
+          </a:stretch>
+        </p:blipFill>
+        <p:spPr>
+          <a:xfrm>
+            <a:off x="112542" y="2279041"/>
+            <a:ext cx="8826472" cy="2063027"/>
+          </a:xfrm>
+          <a:prstGeom prst="rect">
+            <a:avLst/>
+          </a:prstGeom>
+        </p:spPr>
+      </p:pic>
+      <p:sp>
+        <p:nvSpPr>
+          <p:cNvPr id="7" name="TextBox 6"/>
+          <p:cNvSpPr txBox="1"/>
+          <p:nvPr/>
+        </p:nvSpPr>
+        <p:spPr>
+          <a:xfrm>
+            <a:off x="948564" y="5111852"/>
+            <a:ext cx="7508129" cy="646331"/>
+          </a:xfrm>
+          <a:prstGeom prst="rect">
+            <a:avLst/>
+          </a:prstGeom>
+          <a:noFill/>
+        </p:spPr>
+        <p:txBody>
+          <a:bodyPr wrap="square" rtlCol="0">
+            <a:spAutoFit/>
+          </a:bodyPr>
+          <a:lstStyle/>
+          <a:p>
+            <a:r>
+              <a:rPr lang="en-US" dirty="0" smtClean="0"/>
+              <a:t>For when images become too large for standard neural networks (way too many weights to train) or shift invariance is desired (which in most cases it is)</a:t>
+            </a:r>
+            <a:endParaRPr lang="en-US" dirty="0"/>
+          </a:p>
+        </p:txBody>
+      </p:sp>
+    </p:spTree>
+    <p:extLst>
+      <p:ext uri="{BB962C8B-B14F-4D97-AF65-F5344CB8AC3E}">
+        <p14:creationId xmlns:p14="http://schemas.microsoft.com/office/powerpoint/2010/main" val="1353523725"/>
       </p:ext>
     </p:extLst>
   </p:cSld>
@@ -6419,6 +8849,395 @@
 </p:sld>
 </file>
 
+<file path=ppt/slides/slide30.xml><?xml version="1.0" encoding="utf-8"?>
+<p:sld xmlns:a="http://schemas.openxmlformats.org/drawingml/2006/main" xmlns:r="http://schemas.openxmlformats.org/officeDocument/2006/relationships" xmlns:p="http://schemas.openxmlformats.org/presentationml/2006/main">
+  <p:cSld>
+    <p:spTree>
+      <p:nvGrpSpPr>
+        <p:cNvPr id="1" name=""/>
+        <p:cNvGrpSpPr/>
+        <p:nvPr/>
+      </p:nvGrpSpPr>
+      <p:grpSpPr>
+        <a:xfrm>
+          <a:off x="0" y="0"/>
+          <a:ext cx="0" cy="0"/>
+          <a:chOff x="0" y="0"/>
+          <a:chExt cx="0" cy="0"/>
+        </a:xfrm>
+      </p:grpSpPr>
+      <p:sp>
+        <p:nvSpPr>
+          <p:cNvPr id="2" name="Title 1"/>
+          <p:cNvSpPr>
+            <a:spLocks noGrp="1"/>
+          </p:cNvSpPr>
+          <p:nvPr>
+            <p:ph type="title"/>
+          </p:nvPr>
+        </p:nvSpPr>
+        <p:spPr/>
+        <p:txBody>
+          <a:bodyPr/>
+          <a:lstStyle/>
+          <a:p>
+            <a:r>
+              <a:rPr lang="en-US" dirty="0" smtClean="0"/>
+              <a:t>Coding</a:t>
+            </a:r>
+            <a:endParaRPr lang="en-US" dirty="0"/>
+          </a:p>
+        </p:txBody>
+      </p:sp>
+      <p:sp>
+        <p:nvSpPr>
+          <p:cNvPr id="3" name="Content Placeholder 2"/>
+          <p:cNvSpPr>
+            <a:spLocks noGrp="1"/>
+          </p:cNvSpPr>
+          <p:nvPr>
+            <p:ph idx="1"/>
+          </p:nvPr>
+        </p:nvSpPr>
+        <p:spPr/>
+        <p:txBody>
+          <a:bodyPr/>
+          <a:lstStyle/>
+          <a:p>
+            <a:r>
+              <a:rPr lang="en-US" sz="4000" dirty="0" smtClean="0"/>
+              <a:t>MATLAB</a:t>
+            </a:r>
+          </a:p>
+          <a:p>
+            <a:r>
+              <a:rPr lang="en-US" sz="4000" dirty="0" smtClean="0"/>
+              <a:t>Python</a:t>
+            </a:r>
+          </a:p>
+          <a:p>
+            <a:pPr lvl="1"/>
+            <a:r>
+              <a:rPr lang="en-US" sz="3600" dirty="0" err="1" smtClean="0"/>
+              <a:t>Scipy</a:t>
+            </a:r>
+            <a:endParaRPr lang="en-US" sz="3600" dirty="0" smtClean="0"/>
+          </a:p>
+          <a:p>
+            <a:pPr lvl="1"/>
+            <a:r>
+              <a:rPr lang="en-US" sz="3600" dirty="0" err="1" smtClean="0"/>
+              <a:t>Scikit</a:t>
+            </a:r>
+            <a:r>
+              <a:rPr lang="en-US" sz="3600" dirty="0" smtClean="0"/>
+              <a:t>-Learn</a:t>
+            </a:r>
+          </a:p>
+          <a:p>
+            <a:pPr lvl="1"/>
+            <a:r>
+              <a:rPr lang="en-US" sz="3600" dirty="0" err="1" smtClean="0"/>
+              <a:t>Theano</a:t>
+            </a:r>
+            <a:endParaRPr lang="en-US" sz="3600" dirty="0" smtClean="0"/>
+          </a:p>
+          <a:p>
+            <a:r>
+              <a:rPr lang="en-US" sz="4000" dirty="0" smtClean="0"/>
+              <a:t>Torch7</a:t>
+            </a:r>
+            <a:endParaRPr lang="en-US" sz="4000" dirty="0"/>
+          </a:p>
+          <a:p>
+            <a:endParaRPr lang="en-US" dirty="0"/>
+          </a:p>
+        </p:txBody>
+      </p:sp>
+      <p:pic>
+        <p:nvPicPr>
+          <p:cNvPr id="4" name="Picture 3"/>
+          <p:cNvPicPr>
+            <a:picLocks noChangeAspect="1"/>
+          </p:cNvPicPr>
+          <p:nvPr/>
+        </p:nvPicPr>
+        <p:blipFill>
+          <a:blip r:embed="rId2"/>
+          <a:stretch>
+            <a:fillRect/>
+          </a:stretch>
+        </p:blipFill>
+        <p:spPr>
+          <a:xfrm>
+            <a:off x="3174749" y="1809791"/>
+            <a:ext cx="1893811" cy="1702033"/>
+          </a:xfrm>
+          <a:prstGeom prst="rect">
+            <a:avLst/>
+          </a:prstGeom>
+        </p:spPr>
+      </p:pic>
+      <p:pic>
+        <p:nvPicPr>
+          <p:cNvPr id="5" name="Picture 4"/>
+          <p:cNvPicPr>
+            <a:picLocks noChangeAspect="1"/>
+          </p:cNvPicPr>
+          <p:nvPr/>
+        </p:nvPicPr>
+        <p:blipFill>
+          <a:blip r:embed="rId3"/>
+          <a:stretch>
+            <a:fillRect/>
+          </a:stretch>
+        </p:blipFill>
+        <p:spPr>
+          <a:xfrm>
+            <a:off x="5926454" y="992263"/>
+            <a:ext cx="2760346" cy="2760346"/>
+          </a:xfrm>
+          <a:prstGeom prst="rect">
+            <a:avLst/>
+          </a:prstGeom>
+        </p:spPr>
+      </p:pic>
+      <p:pic>
+        <p:nvPicPr>
+          <p:cNvPr id="6" name="Picture 5"/>
+          <p:cNvPicPr>
+            <a:picLocks noChangeAspect="1"/>
+          </p:cNvPicPr>
+          <p:nvPr/>
+        </p:nvPicPr>
+        <p:blipFill>
+          <a:blip r:embed="rId4"/>
+          <a:stretch>
+            <a:fillRect/>
+          </a:stretch>
+        </p:blipFill>
+        <p:spPr>
+          <a:xfrm>
+            <a:off x="6400343" y="4973415"/>
+            <a:ext cx="2118376" cy="487226"/>
+          </a:xfrm>
+          <a:prstGeom prst="rect">
+            <a:avLst/>
+          </a:prstGeom>
+        </p:spPr>
+      </p:pic>
+      <p:pic>
+        <p:nvPicPr>
+          <p:cNvPr id="7" name="Picture 6"/>
+          <p:cNvPicPr>
+            <a:picLocks noChangeAspect="1"/>
+          </p:cNvPicPr>
+          <p:nvPr/>
+        </p:nvPicPr>
+        <p:blipFill>
+          <a:blip r:embed="rId5"/>
+          <a:stretch>
+            <a:fillRect/>
+          </a:stretch>
+        </p:blipFill>
+        <p:spPr>
+          <a:xfrm>
+            <a:off x="7239154" y="3560262"/>
+            <a:ext cx="1428750" cy="1428750"/>
+          </a:xfrm>
+          <a:prstGeom prst="rect">
+            <a:avLst/>
+          </a:prstGeom>
+        </p:spPr>
+      </p:pic>
+      <p:pic>
+        <p:nvPicPr>
+          <p:cNvPr id="8" name="Picture 7"/>
+          <p:cNvPicPr>
+            <a:picLocks noChangeAspect="1"/>
+          </p:cNvPicPr>
+          <p:nvPr/>
+        </p:nvPicPr>
+        <p:blipFill>
+          <a:blip r:embed="rId6"/>
+          <a:stretch>
+            <a:fillRect/>
+          </a:stretch>
+        </p:blipFill>
+        <p:spPr>
+          <a:xfrm>
+            <a:off x="5907558" y="3560262"/>
+            <a:ext cx="1331596" cy="1240049"/>
+          </a:xfrm>
+          <a:prstGeom prst="rect">
+            <a:avLst/>
+          </a:prstGeom>
+        </p:spPr>
+      </p:pic>
+      <p:pic>
+        <p:nvPicPr>
+          <p:cNvPr id="9" name="Picture 8"/>
+          <p:cNvPicPr>
+            <a:picLocks noChangeAspect="1"/>
+          </p:cNvPicPr>
+          <p:nvPr/>
+        </p:nvPicPr>
+        <p:blipFill>
+          <a:blip r:embed="rId7"/>
+          <a:stretch>
+            <a:fillRect/>
+          </a:stretch>
+        </p:blipFill>
+        <p:spPr>
+          <a:xfrm>
+            <a:off x="3273707" y="4419266"/>
+            <a:ext cx="1794853" cy="1794853"/>
+          </a:xfrm>
+          <a:prstGeom prst="rect">
+            <a:avLst/>
+          </a:prstGeom>
+        </p:spPr>
+      </p:pic>
+    </p:spTree>
+    <p:extLst>
+      <p:ext uri="{BB962C8B-B14F-4D97-AF65-F5344CB8AC3E}">
+        <p14:creationId xmlns:p14="http://schemas.microsoft.com/office/powerpoint/2010/main" val="3243704917"/>
+      </p:ext>
+    </p:extLst>
+  </p:cSld>
+  <p:clrMapOvr>
+    <a:masterClrMapping/>
+  </p:clrMapOvr>
+</p:sld>
+</file>
+
+<file path=ppt/slides/slide31.xml><?xml version="1.0" encoding="utf-8"?>
+<p:sld xmlns:a="http://schemas.openxmlformats.org/drawingml/2006/main" xmlns:r="http://schemas.openxmlformats.org/officeDocument/2006/relationships" xmlns:p="http://schemas.openxmlformats.org/presentationml/2006/main">
+  <p:cSld>
+    <p:spTree>
+      <p:nvGrpSpPr>
+        <p:cNvPr id="1" name=""/>
+        <p:cNvGrpSpPr/>
+        <p:nvPr/>
+      </p:nvGrpSpPr>
+      <p:grpSpPr>
+        <a:xfrm>
+          <a:off x="0" y="0"/>
+          <a:ext cx="0" cy="0"/>
+          <a:chOff x="0" y="0"/>
+          <a:chExt cx="0" cy="0"/>
+        </a:xfrm>
+      </p:grpSpPr>
+      <p:sp>
+        <p:nvSpPr>
+          <p:cNvPr id="2" name="Title 1"/>
+          <p:cNvSpPr>
+            <a:spLocks noGrp="1"/>
+          </p:cNvSpPr>
+          <p:nvPr>
+            <p:ph type="title"/>
+          </p:nvPr>
+        </p:nvSpPr>
+        <p:spPr/>
+        <p:txBody>
+          <a:bodyPr/>
+          <a:lstStyle/>
+          <a:p>
+            <a:r>
+              <a:rPr lang="en-US" dirty="0" smtClean="0"/>
+              <a:t>Resources</a:t>
+            </a:r>
+            <a:endParaRPr lang="en-US" dirty="0"/>
+          </a:p>
+        </p:txBody>
+      </p:sp>
+      <p:sp>
+        <p:nvSpPr>
+          <p:cNvPr id="3" name="Content Placeholder 2"/>
+          <p:cNvSpPr>
+            <a:spLocks noGrp="1"/>
+          </p:cNvSpPr>
+          <p:nvPr>
+            <p:ph idx="1"/>
+          </p:nvPr>
+        </p:nvSpPr>
+        <p:spPr/>
+        <p:txBody>
+          <a:bodyPr/>
+          <a:lstStyle/>
+          <a:p>
+            <a:r>
+              <a:rPr lang="en-US" dirty="0" err="1" smtClean="0"/>
+              <a:t>Coursera</a:t>
+            </a:r>
+            <a:r>
+              <a:rPr lang="en-US" dirty="0" smtClean="0"/>
+              <a:t>: Machine Learning (Andrew Ng)</a:t>
+            </a:r>
+          </a:p>
+          <a:p>
+            <a:r>
+              <a:rPr lang="en-US" dirty="0" smtClean="0">
+                <a:hlinkClick r:id="rId2"/>
+              </a:rPr>
+              <a:t>http://deeplearning.net/</a:t>
+            </a:r>
+            <a:endParaRPr lang="en-US" dirty="0" smtClean="0"/>
+          </a:p>
+          <a:p>
+            <a:r>
+              <a:rPr lang="en-US" dirty="0" smtClean="0">
+                <a:hlinkClick r:id="rId3"/>
+              </a:rPr>
+              <a:t>http://deeplearning.net/tutorial/</a:t>
+            </a:r>
+            <a:endParaRPr lang="en-US" dirty="0" smtClean="0"/>
+          </a:p>
+          <a:p>
+            <a:r>
+              <a:rPr lang="en-US" dirty="0" smtClean="0">
+                <a:hlinkClick r:id="rId4"/>
+              </a:rPr>
+              <a:t>http://cs231n.stanford.edu/</a:t>
+            </a:r>
+            <a:endParaRPr lang="en-US" dirty="0" smtClean="0"/>
+          </a:p>
+          <a:p>
+            <a:endParaRPr lang="en-US" dirty="0"/>
+          </a:p>
+          <a:p>
+            <a:pPr marL="0" indent="0" algn="ctr">
+              <a:buNone/>
+            </a:pPr>
+            <a:r>
+              <a:rPr lang="en-US" dirty="0" smtClean="0"/>
+              <a:t>And so many more…</a:t>
+            </a:r>
+          </a:p>
+          <a:p>
+            <a:endParaRPr lang="en-US" dirty="0" smtClean="0"/>
+          </a:p>
+          <a:p>
+            <a:pPr marL="0" indent="0">
+              <a:buNone/>
+            </a:pPr>
+            <a:endParaRPr lang="en-US" dirty="0"/>
+          </a:p>
+        </p:txBody>
+      </p:sp>
+    </p:spTree>
+    <p:extLst>
+      <p:ext uri="{BB962C8B-B14F-4D97-AF65-F5344CB8AC3E}">
+        <p14:creationId xmlns:p14="http://schemas.microsoft.com/office/powerpoint/2010/main" val="1734689020"/>
+      </p:ext>
+    </p:extLst>
+  </p:cSld>
+  <p:clrMapOvr>
+    <a:masterClrMapping/>
+  </p:clrMapOvr>
+</p:sld>
+</file>
+
 <file path=ppt/slides/slide4.xml><?xml version="1.0" encoding="utf-8"?>
 <p:sld xmlns:a="http://schemas.openxmlformats.org/drawingml/2006/main" xmlns:r="http://schemas.openxmlformats.org/officeDocument/2006/relationships" xmlns:p="http://schemas.openxmlformats.org/presentationml/2006/main">
   <p:cSld>
@@ -6483,7 +9302,7 @@
             <a:pPr lvl="1"/>
             <a:r>
               <a:rPr lang="en-US" dirty="0" smtClean="0"/>
-              <a:t>Allows for the computer to program itself through learning</a:t>
+              <a:t>Allows for the computer to program itself through learning </a:t>
             </a:r>
           </a:p>
           <a:p>
@@ -6579,7 +9398,7 @@
           <a:p>
             <a:r>
               <a:rPr lang="en-US" dirty="0" smtClean="0"/>
-              <a:t>The Basics</a:t>
+              <a:t>The Basics: Goals</a:t>
             </a:r>
             <a:endParaRPr lang="en-US" dirty="0"/>
           </a:p>
@@ -6630,8 +9449,8 @@
         </p:nvSpPr>
         <p:spPr>
           <a:xfrm>
-            <a:off x="1214554" y="4506990"/>
-            <a:ext cx="1011445" cy="369332"/>
+            <a:off x="1214555" y="4506990"/>
+            <a:ext cx="890779" cy="369332"/>
           </a:xfrm>
           <a:prstGeom prst="rect">
             <a:avLst/>
@@ -6665,7 +9484,7 @@
         </p:nvSpPr>
         <p:spPr>
           <a:xfrm>
-            <a:off x="3750963" y="4506990"/>
+            <a:off x="3617291" y="4506990"/>
             <a:ext cx="1980267" cy="369332"/>
           </a:xfrm>
           <a:prstGeom prst="rect">
@@ -6700,7 +9519,7 @@
         </p:nvSpPr>
         <p:spPr>
           <a:xfrm>
-            <a:off x="6880906" y="4506990"/>
+            <a:off x="7014578" y="4485151"/>
             <a:ext cx="979755" cy="369332"/>
           </a:xfrm>
           <a:prstGeom prst="rect">
@@ -6736,7 +9555,7 @@
         <p:spPr>
           <a:xfrm>
             <a:off x="2225999" y="4587909"/>
-            <a:ext cx="1524964" cy="192275"/>
+            <a:ext cx="1266182" cy="192275"/>
           </a:xfrm>
           <a:prstGeom prst="rightArrow">
             <a:avLst/>
@@ -6838,6 +9657,45 @@
               <a:t>Network Output ≈ Desired Output</a:t>
             </a:r>
             <a:endParaRPr lang="en-US" sz="2400" dirty="0"/>
+          </a:p>
+        </p:txBody>
+      </p:sp>
+      <p:sp>
+        <p:nvSpPr>
+          <p:cNvPr id="10" name="Rectangle 9"/>
+          <p:cNvSpPr/>
+          <p:nvPr/>
+        </p:nvSpPr>
+        <p:spPr>
+          <a:xfrm>
+            <a:off x="2105334" y="5321528"/>
+            <a:ext cx="5112954" cy="1028859"/>
+          </a:xfrm>
+          <a:prstGeom prst="rect">
+            <a:avLst/>
+          </a:prstGeom>
+          <a:noFill/>
+        </p:spPr>
+        <p:style>
+          <a:lnRef idx="1">
+            <a:schemeClr val="accent1"/>
+          </a:lnRef>
+          <a:fillRef idx="3">
+            <a:schemeClr val="accent1"/>
+          </a:fillRef>
+          <a:effectRef idx="2">
+            <a:schemeClr val="accent1"/>
+          </a:effectRef>
+          <a:fontRef idx="minor">
+            <a:schemeClr val="lt1"/>
+          </a:fontRef>
+        </p:style>
+        <p:txBody>
+          <a:bodyPr rtlCol="0" anchor="ctr"/>
+          <a:lstStyle/>
+          <a:p>
+            <a:pPr algn="ctr"/>
+            <a:endParaRPr lang="en-US" dirty="0"/>
           </a:p>
         </p:txBody>
       </p:sp>
@@ -6895,77 +9753,125 @@
           <a:p>
             <a:r>
               <a:rPr lang="en-US" dirty="0" smtClean="0"/>
-              <a:t>Single Neuron</a:t>
-            </a:r>
-            <a:endParaRPr lang="en-US" dirty="0"/>
-          </a:p>
-        </p:txBody>
-      </p:sp>
-      <p:pic>
-        <p:nvPicPr>
-          <p:cNvPr id="4" name="Picture 3"/>
-          <p:cNvPicPr>
-            <a:picLocks noChangeAspect="1"/>
-          </p:cNvPicPr>
-          <p:nvPr/>
-        </p:nvPicPr>
-        <p:blipFill>
-          <a:blip r:embed="rId2"/>
-          <a:stretch>
-            <a:fillRect/>
-          </a:stretch>
-        </p:blipFill>
-        <p:spPr>
-          <a:xfrm>
-            <a:off x="2195174" y="4243802"/>
-            <a:ext cx="4526065" cy="2127522"/>
-          </a:xfrm>
-          <a:prstGeom prst="rect">
-            <a:avLst/>
-          </a:prstGeom>
-        </p:spPr>
-      </p:pic>
-      <p:pic>
-        <p:nvPicPr>
-          <p:cNvPr id="5" name="Picture 4"/>
-          <p:cNvPicPr>
-            <a:picLocks noChangeAspect="1"/>
-          </p:cNvPicPr>
-          <p:nvPr/>
-        </p:nvPicPr>
-        <p:blipFill>
-          <a:blip r:embed="rId3"/>
-          <a:stretch>
-            <a:fillRect/>
-          </a:stretch>
-        </p:blipFill>
-        <p:spPr>
-          <a:xfrm>
-            <a:off x="2427681" y="1568050"/>
-            <a:ext cx="4051495" cy="2542715"/>
-          </a:xfrm>
-          <a:prstGeom prst="rect">
-            <a:avLst/>
-          </a:prstGeom>
-        </p:spPr>
-      </p:pic>
+              <a:t>The Basics: Workflow</a:t>
+            </a:r>
+            <a:endParaRPr lang="en-US" dirty="0"/>
+          </a:p>
+        </p:txBody>
+      </p:sp>
+      <p:sp>
+        <p:nvSpPr>
+          <p:cNvPr id="3" name="Content Placeholder 2"/>
+          <p:cNvSpPr>
+            <a:spLocks noGrp="1"/>
+          </p:cNvSpPr>
+          <p:nvPr>
+            <p:ph idx="1"/>
+          </p:nvPr>
+        </p:nvSpPr>
+        <p:spPr/>
+        <p:txBody>
+          <a:bodyPr/>
+          <a:lstStyle/>
+          <a:p>
+            <a:r>
+              <a:rPr lang="en-US" dirty="0" err="1" smtClean="0"/>
+              <a:t>Pseudocode</a:t>
+            </a:r>
+            <a:r>
+              <a:rPr lang="en-US" dirty="0" smtClean="0"/>
+              <a:t>:</a:t>
+            </a:r>
+          </a:p>
+          <a:p>
+            <a:pPr lvl="1"/>
+            <a:r>
+              <a:rPr lang="en-US" dirty="0" smtClean="0"/>
+              <a:t>Read in and preprocess data (e.g., scaling)</a:t>
+            </a:r>
+          </a:p>
+          <a:p>
+            <a:pPr lvl="1"/>
+            <a:r>
+              <a:rPr lang="en-US" dirty="0" smtClean="0"/>
+              <a:t>Randomly initialize network</a:t>
+            </a:r>
+          </a:p>
+          <a:p>
+            <a:pPr lvl="1"/>
+            <a:r>
+              <a:rPr lang="en-US" dirty="0"/>
+              <a:t>f</a:t>
+            </a:r>
+            <a:r>
+              <a:rPr lang="en-US" dirty="0" smtClean="0"/>
+              <a:t>or </a:t>
+            </a:r>
+            <a:r>
+              <a:rPr lang="en-US" dirty="0" err="1" smtClean="0"/>
+              <a:t>i</a:t>
+            </a:r>
+            <a:r>
+              <a:rPr lang="en-US" dirty="0" smtClean="0"/>
+              <a:t> = 1:maximum_iterations</a:t>
+            </a:r>
+          </a:p>
+          <a:p>
+            <a:pPr lvl="2"/>
+            <a:r>
+              <a:rPr lang="en-US" dirty="0" smtClean="0"/>
+              <a:t>Feed forward inputs to get output activation</a:t>
+            </a:r>
+          </a:p>
+          <a:p>
+            <a:pPr lvl="2"/>
+            <a:r>
+              <a:rPr lang="en-US" dirty="0" smtClean="0"/>
+              <a:t>Calculate cost (discrepancy with desired output)</a:t>
+            </a:r>
+          </a:p>
+          <a:p>
+            <a:pPr lvl="2"/>
+            <a:r>
+              <a:rPr lang="en-US" dirty="0" err="1" smtClean="0"/>
+              <a:t>Backpropagate</a:t>
+            </a:r>
+            <a:r>
+              <a:rPr lang="en-US" dirty="0" smtClean="0"/>
+              <a:t> errors by adjusting weights</a:t>
+            </a:r>
+          </a:p>
+          <a:p>
+            <a:pPr lvl="2"/>
+            <a:r>
+              <a:rPr lang="en-US" dirty="0" smtClean="0"/>
+              <a:t>Repeat until convergence or maximum iterations</a:t>
+            </a:r>
+          </a:p>
+          <a:p>
+            <a:pPr lvl="2"/>
+            <a:endParaRPr lang="en-US" dirty="0"/>
+          </a:p>
+          <a:p>
+            <a:pPr lvl="2"/>
+            <a:endParaRPr lang="en-US" dirty="0" smtClean="0"/>
+          </a:p>
+          <a:p>
+            <a:pPr lvl="1"/>
+            <a:endParaRPr lang="en-US" dirty="0"/>
+          </a:p>
+        </p:txBody>
+      </p:sp>
     </p:spTree>
     <p:extLst>
       <p:ext uri="{BB962C8B-B14F-4D97-AF65-F5344CB8AC3E}">
-        <p14:creationId xmlns:p14="http://schemas.microsoft.com/office/powerpoint/2010/main" val="1041156651"/>
+        <p14:creationId xmlns:p14="http://schemas.microsoft.com/office/powerpoint/2010/main" val="2589298409"/>
       </p:ext>
     </p:extLst>
   </p:cSld>
   <p:clrMapOvr>
     <a:masterClrMapping/>
   </p:clrMapOvr>
-  <p:timing>
-    <p:tnLst>
-      <p:par>
-        <p:cTn xmlns:p14="http://schemas.microsoft.com/office/powerpoint/2010/main" id="1" dur="indefinite" restart="never" nodeType="tmRoot"/>
-      </p:par>
-    </p:tnLst>
-  </p:timing>
 </p:sld>
 </file>
 
@@ -7003,77 +9909,96 @@
           <a:p>
             <a:r>
               <a:rPr lang="en-US" dirty="0" smtClean="0"/>
-              <a:t>Output (Transfer) Function</a:t>
-            </a:r>
-            <a:endParaRPr lang="en-US" dirty="0"/>
-          </a:p>
-        </p:txBody>
-      </p:sp>
-      <p:pic>
-        <p:nvPicPr>
-          <p:cNvPr id="4" name="Content Placeholder 3"/>
-          <p:cNvPicPr>
-            <a:picLocks noGrp="1" noChangeAspect="1"/>
-          </p:cNvPicPr>
+              <a:t>Terms</a:t>
+            </a:r>
+            <a:endParaRPr lang="en-US" dirty="0"/>
+          </a:p>
+        </p:txBody>
+      </p:sp>
+      <p:sp>
+        <p:nvSpPr>
+          <p:cNvPr id="3" name="Content Placeholder 2"/>
+          <p:cNvSpPr>
+            <a:spLocks noGrp="1"/>
+          </p:cNvSpPr>
           <p:nvPr>
             <p:ph idx="1"/>
           </p:nvPr>
-        </p:nvPicPr>
-        <p:blipFill>
-          <a:blip r:embed="rId2"/>
-          <a:srcRect t="9058" b="9058"/>
-          <a:stretch>
-            <a:fillRect/>
-          </a:stretch>
-        </p:blipFill>
-        <p:spPr>
-          <a:xfrm>
-            <a:off x="2081014" y="4002330"/>
-            <a:ext cx="4124848" cy="2268508"/>
-          </a:xfrm>
-        </p:spPr>
-      </p:pic>
-      <p:pic>
-        <p:nvPicPr>
-          <p:cNvPr id="5" name="Picture 4"/>
-          <p:cNvPicPr>
-            <a:picLocks noChangeAspect="1"/>
-          </p:cNvPicPr>
-          <p:nvPr/>
-        </p:nvPicPr>
-        <p:blipFill>
-          <a:blip r:embed="rId3"/>
-          <a:stretch>
-            <a:fillRect/>
-          </a:stretch>
-        </p:blipFill>
-        <p:spPr>
-          <a:xfrm>
-            <a:off x="1013990" y="1417638"/>
-            <a:ext cx="6395986" cy="2250154"/>
-          </a:xfrm>
-          <a:prstGeom prst="rect">
-            <a:avLst/>
-          </a:prstGeom>
-        </p:spPr>
-      </p:pic>
+        </p:nvSpPr>
+        <p:spPr/>
+        <p:txBody>
+          <a:bodyPr>
+            <a:normAutofit fontScale="85000" lnSpcReduction="20000"/>
+          </a:bodyPr>
+          <a:lstStyle/>
+          <a:p>
+            <a:r>
+              <a:rPr lang="en-US" dirty="0" smtClean="0"/>
+              <a:t>Scaling</a:t>
+            </a:r>
+          </a:p>
+          <a:p>
+            <a:pPr lvl="1"/>
+            <a:r>
+              <a:rPr lang="en-US" dirty="0" smtClean="0"/>
+              <a:t>Adjust data so that it falls within some range</a:t>
+            </a:r>
+          </a:p>
+          <a:p>
+            <a:r>
+              <a:rPr lang="en-US" dirty="0" smtClean="0"/>
+              <a:t>Feed forward</a:t>
+            </a:r>
+          </a:p>
+          <a:p>
+            <a:pPr lvl="1"/>
+            <a:r>
+              <a:rPr lang="en-US" dirty="0" smtClean="0"/>
+              <a:t>Propagate the input through the network by calculating the activation of each layer successively with an output at the final layer</a:t>
+            </a:r>
+          </a:p>
+          <a:p>
+            <a:r>
+              <a:rPr lang="en-US" dirty="0" smtClean="0"/>
+              <a:t>Cost function</a:t>
+            </a:r>
+          </a:p>
+          <a:p>
+            <a:pPr lvl="1"/>
+            <a:r>
+              <a:rPr lang="en-US" dirty="0" smtClean="0"/>
+              <a:t>A function that returns a scalar value indicating how well the network performed </a:t>
+            </a:r>
+          </a:p>
+          <a:p>
+            <a:r>
+              <a:rPr lang="en-US" dirty="0" smtClean="0"/>
+              <a:t>Back propagation</a:t>
+            </a:r>
+          </a:p>
+          <a:p>
+            <a:pPr lvl="1"/>
+            <a:r>
+              <a:rPr lang="en-US" dirty="0" smtClean="0"/>
+              <a:t>An algorithm for propagating the error derivatives back through the network so that weights can be adjusted</a:t>
+            </a:r>
+            <a:endParaRPr lang="en-US" dirty="0"/>
+          </a:p>
+          <a:p>
+            <a:endParaRPr lang="en-US" dirty="0"/>
+          </a:p>
+        </p:txBody>
+      </p:sp>
     </p:spTree>
     <p:extLst>
       <p:ext uri="{BB962C8B-B14F-4D97-AF65-F5344CB8AC3E}">
-        <p14:creationId xmlns:p14="http://schemas.microsoft.com/office/powerpoint/2010/main" val="255245467"/>
+        <p14:creationId xmlns:p14="http://schemas.microsoft.com/office/powerpoint/2010/main" val="2925650867"/>
       </p:ext>
     </p:extLst>
   </p:cSld>
   <p:clrMapOvr>
     <a:masterClrMapping/>
   </p:clrMapOvr>
-  <p:timing>
-    <p:tnLst>
-      <p:par>
-        <p:cTn xmlns:p14="http://schemas.microsoft.com/office/powerpoint/2010/main" id="1" dur="indefinite" restart="never" nodeType="tmRoot"/>
-      </p:par>
-    </p:tnLst>
-  </p:timing>
 </p:sld>
 </file>
 
@@ -7111,53 +10036,108 @@
           <a:p>
             <a:r>
               <a:rPr lang="en-US" dirty="0" smtClean="0"/>
-              <a:t>Sigmoid Function</a:t>
-            </a:r>
-            <a:endParaRPr lang="en-US" dirty="0"/>
-          </a:p>
-        </p:txBody>
-      </p:sp>
-      <p:pic>
-        <p:nvPicPr>
-          <p:cNvPr id="4" name="Picture 3"/>
-          <p:cNvPicPr>
-            <a:picLocks noChangeAspect="1"/>
-          </p:cNvPicPr>
-          <p:nvPr/>
-        </p:nvPicPr>
-        <p:blipFill>
-          <a:blip r:embed="rId2"/>
-          <a:stretch>
-            <a:fillRect/>
-          </a:stretch>
-        </p:blipFill>
-        <p:spPr>
-          <a:xfrm>
-            <a:off x="1363339" y="1417638"/>
-            <a:ext cx="6450260" cy="5132465"/>
-          </a:xfrm>
-          <a:prstGeom prst="rect">
-            <a:avLst/>
-          </a:prstGeom>
-        </p:spPr>
-      </p:pic>
+              <a:t>Types of Learning: Supervised</a:t>
+            </a:r>
+            <a:endParaRPr lang="en-US" dirty="0"/>
+          </a:p>
+        </p:txBody>
+      </p:sp>
+      <p:sp>
+        <p:nvSpPr>
+          <p:cNvPr id="3" name="Content Placeholder 2"/>
+          <p:cNvSpPr>
+            <a:spLocks noGrp="1"/>
+          </p:cNvSpPr>
+          <p:nvPr>
+            <p:ph idx="1"/>
+          </p:nvPr>
+        </p:nvSpPr>
+        <p:spPr/>
+        <p:txBody>
+          <a:bodyPr/>
+          <a:lstStyle/>
+          <a:p>
+            <a:r>
+              <a:rPr lang="en-US" dirty="0" smtClean="0"/>
+              <a:t>Supervised Learning for Classification</a:t>
+            </a:r>
+          </a:p>
+          <a:p>
+            <a:pPr lvl="1"/>
+            <a:r>
+              <a:rPr lang="en-US" dirty="0" smtClean="0"/>
+              <a:t>The goal of this type of network is to have the output of the final layer accurately classify a given input</a:t>
+            </a:r>
+          </a:p>
+          <a:p>
+            <a:pPr lvl="1"/>
+            <a:r>
+              <a:rPr lang="en-US" dirty="0" smtClean="0"/>
+              <a:t>Cost function in this case is some quantification of the difference between the output neuron label and the actual label assigned to a given instance</a:t>
+            </a:r>
+          </a:p>
+          <a:p>
+            <a:endParaRPr lang="en-US" dirty="0"/>
+          </a:p>
+        </p:txBody>
+      </p:sp>
+      <p:sp>
+        <p:nvSpPr>
+          <p:cNvPr id="5" name="TextBox 4"/>
+          <p:cNvSpPr txBox="1"/>
+          <p:nvPr/>
+        </p:nvSpPr>
+        <p:spPr>
+          <a:xfrm>
+            <a:off x="2339259" y="5202833"/>
+            <a:ext cx="4528139" cy="923330"/>
+          </a:xfrm>
+          <a:prstGeom prst="rect">
+            <a:avLst/>
+          </a:prstGeom>
+          <a:noFill/>
+          <a:ln>
+            <a:solidFill>
+              <a:srgbClr val="000000"/>
+            </a:solidFill>
+          </a:ln>
+        </p:spPr>
+        <p:txBody>
+          <a:bodyPr wrap="square" rtlCol="0">
+            <a:spAutoFit/>
+          </a:bodyPr>
+          <a:lstStyle/>
+          <a:p>
+            <a:r>
+              <a:rPr lang="en-US" dirty="0" smtClean="0"/>
+              <a:t>Examples:</a:t>
+            </a:r>
+          </a:p>
+          <a:p>
+            <a:r>
+              <a:rPr lang="en-US" dirty="0" smtClean="0"/>
+              <a:t>-ALVINN</a:t>
+            </a:r>
+          </a:p>
+          <a:p>
+            <a:r>
+              <a:rPr lang="en-US" dirty="0" smtClean="0"/>
+              <a:t>-Deep Neural Networks for Image Recognition</a:t>
+            </a:r>
+            <a:endParaRPr lang="en-US" dirty="0"/>
+          </a:p>
+        </p:txBody>
+      </p:sp>
     </p:spTree>
     <p:extLst>
       <p:ext uri="{BB962C8B-B14F-4D97-AF65-F5344CB8AC3E}">
-        <p14:creationId xmlns:p14="http://schemas.microsoft.com/office/powerpoint/2010/main" val="1301507961"/>
+        <p14:creationId xmlns:p14="http://schemas.microsoft.com/office/powerpoint/2010/main" val="2157175011"/>
       </p:ext>
     </p:extLst>
   </p:cSld>
   <p:clrMapOvr>
     <a:masterClrMapping/>
   </p:clrMapOvr>
-  <p:timing>
-    <p:tnLst>
-      <p:par>
-        <p:cTn xmlns:p14="http://schemas.microsoft.com/office/powerpoint/2010/main" id="1" dur="indefinite" restart="never" nodeType="tmRoot"/>
-      </p:par>
-    </p:tnLst>
-  </p:timing>
 </p:sld>
 </file>
 
@@ -7195,7 +10175,110 @@
           <a:p>
             <a:r>
               <a:rPr lang="en-US" dirty="0" smtClean="0"/>
-              <a:t>Architecture</a:t>
+              <a:t>Types of Learning: Unsupervised</a:t>
+            </a:r>
+            <a:endParaRPr lang="en-US" dirty="0"/>
+          </a:p>
+        </p:txBody>
+      </p:sp>
+      <p:sp>
+        <p:nvSpPr>
+          <p:cNvPr id="3" name="Content Placeholder 2"/>
+          <p:cNvSpPr>
+            <a:spLocks noGrp="1"/>
+          </p:cNvSpPr>
+          <p:nvPr>
+            <p:ph idx="1"/>
+          </p:nvPr>
+        </p:nvSpPr>
+        <p:spPr/>
+        <p:txBody>
+          <a:bodyPr/>
+          <a:lstStyle/>
+          <a:p>
+            <a:r>
+              <a:rPr lang="en-US" dirty="0" smtClean="0"/>
+              <a:t>Unsupervised Feature Learning</a:t>
+            </a:r>
+          </a:p>
+          <a:p>
+            <a:pPr lvl="1"/>
+            <a:r>
+              <a:rPr lang="en-US" dirty="0" smtClean="0"/>
+              <a:t>The goal of this type of network is to learn a good representation (or prior) of the world with unlabeled data</a:t>
+            </a:r>
+          </a:p>
+          <a:p>
+            <a:pPr lvl="1"/>
+            <a:r>
+              <a:rPr lang="en-US" dirty="0" smtClean="0"/>
+              <a:t>Cost function here could be the difference between input and reconstructed input</a:t>
+            </a:r>
+            <a:endParaRPr lang="en-US" dirty="0"/>
+          </a:p>
+        </p:txBody>
+      </p:sp>
+      <p:sp>
+        <p:nvSpPr>
+          <p:cNvPr id="6" name="TextBox 5"/>
+          <p:cNvSpPr txBox="1"/>
+          <p:nvPr/>
+        </p:nvSpPr>
+        <p:spPr>
+          <a:xfrm>
+            <a:off x="1099379" y="4925834"/>
+            <a:ext cx="4528139" cy="1200329"/>
+          </a:xfrm>
+          <a:prstGeom prst="rect">
+            <a:avLst/>
+          </a:prstGeom>
+          <a:noFill/>
+          <a:ln>
+            <a:solidFill>
+              <a:srgbClr val="000000"/>
+            </a:solidFill>
+          </a:ln>
+        </p:spPr>
+        <p:txBody>
+          <a:bodyPr wrap="square" rtlCol="0">
+            <a:spAutoFit/>
+          </a:bodyPr>
+          <a:lstStyle/>
+          <a:p>
+            <a:r>
+              <a:rPr lang="en-US" dirty="0" smtClean="0"/>
+              <a:t>Examples:</a:t>
+            </a:r>
+          </a:p>
+          <a:p>
+            <a:r>
+              <a:rPr lang="en-US" dirty="0" smtClean="0"/>
+              <a:t>-Sparse Filtering</a:t>
+            </a:r>
+          </a:p>
+          <a:p>
+            <a:r>
+              <a:rPr lang="en-US" dirty="0" smtClean="0"/>
+              <a:t>-(Sparse) </a:t>
+            </a:r>
+            <a:r>
+              <a:rPr lang="en-US" dirty="0" err="1" smtClean="0"/>
+              <a:t>Autoencoders</a:t>
+            </a:r>
+            <a:endParaRPr lang="en-US" dirty="0" smtClean="0"/>
+          </a:p>
+          <a:p>
+            <a:r>
+              <a:rPr lang="en-US" dirty="0" smtClean="0"/>
+              <a:t>-Restricted </a:t>
+            </a:r>
+            <a:r>
+              <a:rPr lang="en-US" dirty="0" err="1" smtClean="0"/>
+              <a:t>Boltzman</a:t>
+            </a:r>
+            <a:r>
+              <a:rPr lang="en-US" dirty="0" smtClean="0"/>
+              <a:t> Machines</a:t>
             </a:r>
             <a:endParaRPr lang="en-US" dirty="0"/>
           </a:p>
@@ -7209,141 +10292,31 @@
           </p:cNvPicPr>
           <p:nvPr/>
         </p:nvPicPr>
-        <p:blipFill>
+        <p:blipFill rotWithShape="1">
           <a:blip r:embed="rId2"/>
-          <a:stretch>
-            <a:fillRect/>
-          </a:stretch>
+          <a:srcRect l="9741" b="7626"/>
+          <a:stretch/>
         </p:blipFill>
         <p:spPr>
           <a:xfrm>
-            <a:off x="1109338" y="1265772"/>
-            <a:ext cx="7395587" cy="5116006"/>
+            <a:off x="6060717" y="4530432"/>
+            <a:ext cx="2002931" cy="2026026"/>
           </a:xfrm>
           <a:prstGeom prst="rect">
             <a:avLst/>
           </a:prstGeom>
         </p:spPr>
       </p:pic>
-      <p:sp>
-        <p:nvSpPr>
-          <p:cNvPr id="8" name="TextBox 7"/>
-          <p:cNvSpPr txBox="1"/>
-          <p:nvPr/>
-        </p:nvSpPr>
-        <p:spPr>
-          <a:xfrm>
-            <a:off x="1655968" y="6365703"/>
-            <a:ext cx="1446962" cy="369332"/>
-          </a:xfrm>
-          <a:prstGeom prst="rect">
-            <a:avLst/>
-          </a:prstGeom>
-          <a:noFill/>
-        </p:spPr>
-        <p:txBody>
-          <a:bodyPr wrap="square" rtlCol="0">
-            <a:spAutoFit/>
-          </a:bodyPr>
-          <a:lstStyle/>
-          <a:p>
-            <a:r>
-              <a:rPr lang="en-US" dirty="0" smtClean="0"/>
-              <a:t>(input)</a:t>
-            </a:r>
-            <a:endParaRPr lang="en-US" dirty="0"/>
-          </a:p>
-        </p:txBody>
-      </p:sp>
-      <p:sp>
-        <p:nvSpPr>
-          <p:cNvPr id="9" name="TextBox 8"/>
-          <p:cNvSpPr txBox="1"/>
-          <p:nvPr/>
-        </p:nvSpPr>
-        <p:spPr>
-          <a:xfrm>
-            <a:off x="3657264" y="6365703"/>
-            <a:ext cx="1632188" cy="369332"/>
-          </a:xfrm>
-          <a:prstGeom prst="rect">
-            <a:avLst/>
-          </a:prstGeom>
-          <a:noFill/>
-        </p:spPr>
-        <p:txBody>
-          <a:bodyPr wrap="square" rtlCol="0">
-            <a:spAutoFit/>
-          </a:bodyPr>
-          <a:lstStyle/>
-          <a:p>
-            <a:r>
-              <a:rPr lang="en-US" dirty="0" smtClean="0"/>
-              <a:t>(hidden layer)</a:t>
-            </a:r>
-            <a:endParaRPr lang="en-US" dirty="0"/>
-          </a:p>
-        </p:txBody>
-      </p:sp>
-      <p:sp>
-        <p:nvSpPr>
-          <p:cNvPr id="10" name="TextBox 9"/>
-          <p:cNvSpPr txBox="1"/>
-          <p:nvPr/>
-        </p:nvSpPr>
-        <p:spPr>
-          <a:xfrm>
-            <a:off x="5996186" y="4910602"/>
-            <a:ext cx="2974982" cy="1754327"/>
-          </a:xfrm>
-          <a:prstGeom prst="rect">
-            <a:avLst/>
-          </a:prstGeom>
-          <a:noFill/>
-        </p:spPr>
-        <p:txBody>
-          <a:bodyPr wrap="square" rtlCol="0">
-            <a:spAutoFit/>
-          </a:bodyPr>
-          <a:lstStyle/>
-          <a:p>
-            <a:r>
-              <a:rPr lang="en-US" dirty="0" smtClean="0"/>
-              <a:t>(output layer)</a:t>
-            </a:r>
-          </a:p>
-          <a:p>
-            <a:endParaRPr lang="en-US" dirty="0"/>
-          </a:p>
-          <a:p>
-            <a:endParaRPr lang="en-US" dirty="0" smtClean="0"/>
-          </a:p>
-          <a:p>
-            <a:r>
-              <a:rPr lang="en-US" dirty="0" smtClean="0"/>
-              <a:t>- Only one output node for two classes; otherwise # of output nodes = # of classes</a:t>
-            </a:r>
-            <a:endParaRPr lang="en-US" dirty="0"/>
-          </a:p>
-        </p:txBody>
-      </p:sp>
     </p:spTree>
     <p:extLst>
       <p:ext uri="{BB962C8B-B14F-4D97-AF65-F5344CB8AC3E}">
-        <p14:creationId xmlns:p14="http://schemas.microsoft.com/office/powerpoint/2010/main" val="3407180357"/>
+        <p14:creationId xmlns:p14="http://schemas.microsoft.com/office/powerpoint/2010/main" val="2630463872"/>
       </p:ext>
     </p:extLst>
   </p:cSld>
   <p:clrMapOvr>
     <a:masterClrMapping/>
   </p:clrMapOvr>
-  <p:timing>
-    <p:tnLst>
-      <p:par>
-        <p:cTn xmlns:p14="http://schemas.microsoft.com/office/powerpoint/2010/main" id="1" dur="indefinite" restart="never" nodeType="tmRoot"/>
-      </p:par>
-    </p:tnLst>
-  </p:timing>
 </p:sld>
 </file>
 

--- a/aNN_presentation.pptx
+++ b/aNN_presentation.pptx
@@ -36,6 +36,7 @@
     <p:sldId id="270" r:id="rId30"/>
     <p:sldId id="271" r:id="rId31"/>
     <p:sldId id="272" r:id="rId32"/>
+    <p:sldId id="287" r:id="rId33"/>
   </p:sldIdLst>
   <p:sldSz cx="9144000" cy="6858000" type="screen4x3"/>
   <p:notesSz cx="6858000" cy="9144000"/>
@@ -8315,7 +8316,7 @@
           <a:p>
             <a:r>
               <a:rPr lang="en-US" dirty="0" smtClean="0"/>
-              <a:t>Download	the entire subdirectory</a:t>
+              <a:t>Download the entire subdirectory</a:t>
             </a:r>
           </a:p>
           <a:p>
@@ -9180,7 +9181,7 @@
               <a:rPr lang="en-US" dirty="0" smtClean="0">
                 <a:hlinkClick r:id="rId2"/>
               </a:rPr>
-              <a:t>http://deeplearning.net/</a:t>
+              <a:t>http://deeplearning.net/tutorial/</a:t>
             </a:r>
             <a:endParaRPr lang="en-US" dirty="0" smtClean="0"/>
           </a:p>
@@ -9188,15 +9189,6 @@
             <a:r>
               <a:rPr lang="en-US" dirty="0" smtClean="0">
                 <a:hlinkClick r:id="rId3"/>
-              </a:rPr>
-              <a:t>http://deeplearning.net/tutorial/</a:t>
-            </a:r>
-            <a:endParaRPr lang="en-US" dirty="0" smtClean="0"/>
-          </a:p>
-          <a:p>
-            <a:r>
-              <a:rPr lang="en-US" dirty="0" smtClean="0">
-                <a:hlinkClick r:id="rId4"/>
               </a:rPr>
               <a:t>http://cs231n.stanford.edu/</a:t>
             </a:r>
@@ -9229,6 +9221,80 @@
     <p:extLst>
       <p:ext uri="{BB962C8B-B14F-4D97-AF65-F5344CB8AC3E}">
         <p14:creationId xmlns:p14="http://schemas.microsoft.com/office/powerpoint/2010/main" val="1734689020"/>
+      </p:ext>
+    </p:extLst>
+  </p:cSld>
+  <p:clrMapOvr>
+    <a:masterClrMapping/>
+  </p:clrMapOvr>
+</p:sld>
+</file>
+
+<file path=ppt/slides/slide32.xml><?xml version="1.0" encoding="utf-8"?>
+<p:sld xmlns:a="http://schemas.openxmlformats.org/drawingml/2006/main" xmlns:r="http://schemas.openxmlformats.org/officeDocument/2006/relationships" xmlns:p="http://schemas.openxmlformats.org/presentationml/2006/main">
+  <p:cSld>
+    <p:spTree>
+      <p:nvGrpSpPr>
+        <p:cNvPr id="1" name=""/>
+        <p:cNvGrpSpPr/>
+        <p:nvPr/>
+      </p:nvGrpSpPr>
+      <p:grpSpPr>
+        <a:xfrm>
+          <a:off x="0" y="0"/>
+          <a:ext cx="0" cy="0"/>
+          <a:chOff x="0" y="0"/>
+          <a:chExt cx="0" cy="0"/>
+        </a:xfrm>
+      </p:grpSpPr>
+      <p:sp>
+        <p:nvSpPr>
+          <p:cNvPr id="3" name="Content Placeholder 2"/>
+          <p:cNvSpPr>
+            <a:spLocks noGrp="1"/>
+          </p:cNvSpPr>
+          <p:nvPr>
+            <p:ph idx="1"/>
+          </p:nvPr>
+        </p:nvSpPr>
+        <p:spPr/>
+        <p:txBody>
+          <a:bodyPr/>
+          <a:lstStyle/>
+          <a:p>
+            <a:pPr marL="0" indent="0">
+              <a:buNone/>
+            </a:pPr>
+            <a:endParaRPr lang="en-US" dirty="0" smtClean="0"/>
+          </a:p>
+          <a:p>
+            <a:pPr marL="0" indent="0">
+              <a:buNone/>
+            </a:pPr>
+            <a:endParaRPr lang="en-US" dirty="0"/>
+          </a:p>
+          <a:p>
+            <a:pPr marL="0" indent="0">
+              <a:buNone/>
+            </a:pPr>
+            <a:endParaRPr lang="en-US" dirty="0" smtClean="0"/>
+          </a:p>
+          <a:p>
+            <a:pPr marL="0" indent="0" algn="ctr">
+              <a:buNone/>
+            </a:pPr>
+            <a:r>
+              <a:rPr lang="en-US" dirty="0" smtClean="0"/>
+              <a:t>Thank You</a:t>
+            </a:r>
+            <a:endParaRPr lang="en-US" dirty="0"/>
+          </a:p>
+        </p:txBody>
+      </p:sp>
+    </p:spTree>
+    <p:extLst>
+      <p:ext uri="{BB962C8B-B14F-4D97-AF65-F5344CB8AC3E}">
+        <p14:creationId xmlns:p14="http://schemas.microsoft.com/office/powerpoint/2010/main" val="2000714204"/>
       </p:ext>
     </p:extLst>
   </p:cSld>
